--- a/LLD.pptx
+++ b/LLD.pptx
@@ -6,6 +6,8 @@
   </p:sldMasterIdLst>
   <p:sldIdLst>
     <p:sldId id="256" r:id="rId2"/>
+    <p:sldId id="257" r:id="rId3"/>
+    <p:sldId id="258" r:id="rId4"/>
   </p:sldIdLst>
   <p:sldSz cx="12192000" cy="6858000"/>
   <p:notesSz cx="6858000" cy="9144000"/>
@@ -104,6 +106,11 @@
       </a:defRPr>
     </a:lvl9pPr>
   </p:defaultTextStyle>
+  <p:extLst>
+    <p:ext uri="{EFAFB233-063F-42B5-8137-9DF3F51BA10A}">
+      <p15:sldGuideLst xmlns:p15="http://schemas.microsoft.com/office/powerpoint/2012/main"/>
+    </p:ext>
+  </p:extLst>
 </p:presentation>
 </file>
 
@@ -238,7 +245,7 @@
           <a:p>
             <a:fld id="{ABBA60E4-B0CF-4FBE-8AFA-41892E4D6B2A}" type="datetimeFigureOut">
               <a:rPr lang="zh-CN" altLang="en-US" smtClean="0"/>
-              <a:t>2016/3/5</a:t>
+              <a:t>2016/3/7</a:t>
             </a:fld>
             <a:endParaRPr lang="zh-CN" altLang="en-US"/>
           </a:p>
@@ -408,7 +415,7 @@
           <a:p>
             <a:fld id="{ABBA60E4-B0CF-4FBE-8AFA-41892E4D6B2A}" type="datetimeFigureOut">
               <a:rPr lang="zh-CN" altLang="en-US" smtClean="0"/>
-              <a:t>2016/3/5</a:t>
+              <a:t>2016/3/7</a:t>
             </a:fld>
             <a:endParaRPr lang="zh-CN" altLang="en-US"/>
           </a:p>
@@ -588,7 +595,7 @@
           <a:p>
             <a:fld id="{ABBA60E4-B0CF-4FBE-8AFA-41892E4D6B2A}" type="datetimeFigureOut">
               <a:rPr lang="zh-CN" altLang="en-US" smtClean="0"/>
-              <a:t>2016/3/5</a:t>
+              <a:t>2016/3/7</a:t>
             </a:fld>
             <a:endParaRPr lang="zh-CN" altLang="en-US"/>
           </a:p>
@@ -758,7 +765,7 @@
           <a:p>
             <a:fld id="{ABBA60E4-B0CF-4FBE-8AFA-41892E4D6B2A}" type="datetimeFigureOut">
               <a:rPr lang="zh-CN" altLang="en-US" smtClean="0"/>
-              <a:t>2016/3/5</a:t>
+              <a:t>2016/3/7</a:t>
             </a:fld>
             <a:endParaRPr lang="zh-CN" altLang="en-US"/>
           </a:p>
@@ -1004,7 +1011,7 @@
           <a:p>
             <a:fld id="{ABBA60E4-B0CF-4FBE-8AFA-41892E4D6B2A}" type="datetimeFigureOut">
               <a:rPr lang="zh-CN" altLang="en-US" smtClean="0"/>
-              <a:t>2016/3/5</a:t>
+              <a:t>2016/3/7</a:t>
             </a:fld>
             <a:endParaRPr lang="zh-CN" altLang="en-US"/>
           </a:p>
@@ -1236,7 +1243,7 @@
           <a:p>
             <a:fld id="{ABBA60E4-B0CF-4FBE-8AFA-41892E4D6B2A}" type="datetimeFigureOut">
               <a:rPr lang="zh-CN" altLang="en-US" smtClean="0"/>
-              <a:t>2016/3/5</a:t>
+              <a:t>2016/3/7</a:t>
             </a:fld>
             <a:endParaRPr lang="zh-CN" altLang="en-US"/>
           </a:p>
@@ -1603,7 +1610,7 @@
           <a:p>
             <a:fld id="{ABBA60E4-B0CF-4FBE-8AFA-41892E4D6B2A}" type="datetimeFigureOut">
               <a:rPr lang="zh-CN" altLang="en-US" smtClean="0"/>
-              <a:t>2016/3/5</a:t>
+              <a:t>2016/3/7</a:t>
             </a:fld>
             <a:endParaRPr lang="zh-CN" altLang="en-US"/>
           </a:p>
@@ -1721,7 +1728,7 @@
           <a:p>
             <a:fld id="{ABBA60E4-B0CF-4FBE-8AFA-41892E4D6B2A}" type="datetimeFigureOut">
               <a:rPr lang="zh-CN" altLang="en-US" smtClean="0"/>
-              <a:t>2016/3/5</a:t>
+              <a:t>2016/3/7</a:t>
             </a:fld>
             <a:endParaRPr lang="zh-CN" altLang="en-US"/>
           </a:p>
@@ -1816,7 +1823,7 @@
           <a:p>
             <a:fld id="{ABBA60E4-B0CF-4FBE-8AFA-41892E4D6B2A}" type="datetimeFigureOut">
               <a:rPr lang="zh-CN" altLang="en-US" smtClean="0"/>
-              <a:t>2016/3/5</a:t>
+              <a:t>2016/3/7</a:t>
             </a:fld>
             <a:endParaRPr lang="zh-CN" altLang="en-US"/>
           </a:p>
@@ -2093,7 +2100,7 @@
           <a:p>
             <a:fld id="{ABBA60E4-B0CF-4FBE-8AFA-41892E4D6B2A}" type="datetimeFigureOut">
               <a:rPr lang="zh-CN" altLang="en-US" smtClean="0"/>
-              <a:t>2016/3/5</a:t>
+              <a:t>2016/3/7</a:t>
             </a:fld>
             <a:endParaRPr lang="zh-CN" altLang="en-US"/>
           </a:p>
@@ -2346,7 +2353,7 @@
           <a:p>
             <a:fld id="{ABBA60E4-B0CF-4FBE-8AFA-41892E4D6B2A}" type="datetimeFigureOut">
               <a:rPr lang="zh-CN" altLang="en-US" smtClean="0"/>
-              <a:t>2016/3/5</a:t>
+              <a:t>2016/3/7</a:t>
             </a:fld>
             <a:endParaRPr lang="zh-CN" altLang="en-US"/>
           </a:p>
@@ -2559,7 +2566,7 @@
           <a:p>
             <a:fld id="{ABBA60E4-B0CF-4FBE-8AFA-41892E4D6B2A}" type="datetimeFigureOut">
               <a:rPr lang="zh-CN" altLang="en-US" smtClean="0"/>
-              <a:t>2016/3/5</a:t>
+              <a:t>2016/3/7</a:t>
             </a:fld>
             <a:endParaRPr lang="zh-CN" altLang="en-US"/>
           </a:p>
@@ -6062,7 +6069,7 @@
         </p:nvSpPr>
         <p:spPr>
           <a:xfrm>
-            <a:off x="7724585" y="1652731"/>
+            <a:off x="7724585" y="1525731"/>
             <a:ext cx="1369799" cy="738664"/>
           </a:xfrm>
           <a:prstGeom prst="rect">
@@ -6734,6 +6741,2129 @@
     <p:extLst>
       <p:ext uri="{BB962C8B-B14F-4D97-AF65-F5344CB8AC3E}">
         <p14:creationId xmlns:p14="http://schemas.microsoft.com/office/powerpoint/2010/main" val="290571868"/>
+      </p:ext>
+    </p:extLst>
+  </p:cSld>
+  <p:clrMapOvr>
+    <a:masterClrMapping/>
+  </p:clrMapOvr>
+</p:sld>
+</file>
+
+<file path=ppt/slides/slide2.xml><?xml version="1.0" encoding="utf-8"?>
+<p:sld xmlns:a="http://schemas.openxmlformats.org/drawingml/2006/main" xmlns:r="http://schemas.openxmlformats.org/officeDocument/2006/relationships" xmlns:p="http://schemas.openxmlformats.org/presentationml/2006/main">
+  <p:cSld>
+    <p:spTree>
+      <p:nvGrpSpPr>
+        <p:cNvPr id="1" name=""/>
+        <p:cNvGrpSpPr/>
+        <p:nvPr/>
+      </p:nvGrpSpPr>
+      <p:grpSpPr>
+        <a:xfrm>
+          <a:off x="0" y="0"/>
+          <a:ext cx="0" cy="0"/>
+          <a:chOff x="0" y="0"/>
+          <a:chExt cx="0" cy="0"/>
+        </a:xfrm>
+      </p:grpSpPr>
+      <p:graphicFrame>
+        <p:nvGraphicFramePr>
+          <p:cNvPr id="9" name="表格 8"/>
+          <p:cNvGraphicFramePr>
+            <a:graphicFrameLocks noGrp="1"/>
+          </p:cNvGraphicFramePr>
+          <p:nvPr>
+            <p:extLst>
+              <p:ext uri="{D42A27DB-BD31-4B8C-83A1-F6EECF244321}">
+                <p14:modId xmlns:p14="http://schemas.microsoft.com/office/powerpoint/2010/main" val="2645682873"/>
+              </p:ext>
+            </p:extLst>
+          </p:nvPr>
+        </p:nvGraphicFramePr>
+        <p:xfrm>
+          <a:off x="510208" y="690880"/>
+          <a:ext cx="11287782" cy="5461000"/>
+        </p:xfrm>
+        <a:graphic>
+          <a:graphicData uri="http://schemas.openxmlformats.org/drawingml/2006/table">
+            <a:tbl>
+              <a:tblPr firstRow="1" bandRow="1">
+                <a:tableStyleId>{5C22544A-7EE6-4342-B048-85BDC9FD1C3A}</a:tableStyleId>
+              </a:tblPr>
+              <a:tblGrid>
+                <a:gridCol w="2361885"/>
+                <a:gridCol w="639976"/>
+                <a:gridCol w="1905703"/>
+                <a:gridCol w="5131282"/>
+                <a:gridCol w="1248936"/>
+              </a:tblGrid>
+              <a:tr h="370840">
+                <a:tc>
+                  <a:txBody>
+                    <a:bodyPr/>
+                    <a:lstStyle/>
+                    <a:p>
+                      <a:r>
+                        <a:rPr lang="en-US" altLang="zh-CN" dirty="0" smtClean="0"/>
+                        <a:t>Operation</a:t>
+                      </a:r>
+                      <a:endParaRPr lang="zh-CN" altLang="en-US" dirty="0"/>
+                    </a:p>
+                  </a:txBody>
+                  <a:tcPr/>
+                </a:tc>
+                <a:tc>
+                  <a:txBody>
+                    <a:bodyPr/>
+                    <a:lstStyle/>
+                    <a:p>
+                      <a:r>
+                        <a:rPr lang="en-US" altLang="zh-CN" dirty="0" smtClean="0"/>
+                        <a:t>save</a:t>
+                      </a:r>
+                      <a:endParaRPr lang="zh-CN" altLang="en-US" dirty="0"/>
+                    </a:p>
+                  </a:txBody>
+                  <a:tcPr/>
+                </a:tc>
+                <a:tc>
+                  <a:txBody>
+                    <a:bodyPr/>
+                    <a:lstStyle/>
+                    <a:p>
+                      <a:endParaRPr lang="zh-CN" altLang="en-US" dirty="0"/>
+                    </a:p>
+                  </a:txBody>
+                  <a:tcPr/>
+                </a:tc>
+                <a:tc>
+                  <a:txBody>
+                    <a:bodyPr/>
+                    <a:lstStyle/>
+                    <a:p>
+                      <a:r>
+                        <a:rPr lang="en-US" altLang="zh-CN" dirty="0" err="1" smtClean="0">
+                          <a:solidFill>
+                            <a:srgbClr val="FF0000"/>
+                          </a:solidFill>
+                        </a:rPr>
+                        <a:t>item</a:t>
+                      </a:r>
+                      <a:r>
+                        <a:rPr lang="en-US" altLang="zh-CN" dirty="0" err="1" smtClean="0"/>
+                        <a:t>DataMap</a:t>
+                      </a:r>
+                      <a:r>
+                        <a:rPr lang="en-US" altLang="zh-CN" dirty="0" smtClean="0"/>
+                        <a:t>, </a:t>
+                      </a:r>
+                      <a:r>
+                        <a:rPr lang="en-US" altLang="zh-CN" dirty="0" err="1" smtClean="0">
+                          <a:solidFill>
+                            <a:srgbClr val="FF0000"/>
+                          </a:solidFill>
+                        </a:rPr>
+                        <a:t>all</a:t>
+                      </a:r>
+                      <a:r>
+                        <a:rPr lang="en-US" altLang="zh-CN" dirty="0" err="1" smtClean="0"/>
+                        <a:t>ItemDataMap</a:t>
+                      </a:r>
+                      <a:r>
+                        <a:rPr lang="en-US" altLang="zh-CN" dirty="0" smtClean="0"/>
+                        <a:t>, </a:t>
+                      </a:r>
+                      <a:r>
+                        <a:rPr lang="en-US" altLang="zh-CN" dirty="0" smtClean="0">
+                          <a:solidFill>
+                            <a:srgbClr val="FF0000"/>
+                          </a:solidFill>
+                        </a:rPr>
+                        <a:t>row</a:t>
+                      </a:r>
+                      <a:endParaRPr lang="zh-CN" altLang="en-US" dirty="0">
+                        <a:solidFill>
+                          <a:srgbClr val="FF0000"/>
+                        </a:solidFill>
+                      </a:endParaRPr>
+                    </a:p>
+                  </a:txBody>
+                  <a:tcPr/>
+                </a:tc>
+                <a:tc>
+                  <a:txBody>
+                    <a:bodyPr/>
+                    <a:lstStyle/>
+                    <a:p>
+                      <a:endParaRPr lang="zh-CN" altLang="en-US" dirty="0">
+                        <a:solidFill>
+                          <a:srgbClr val="FF0000"/>
+                        </a:solidFill>
+                      </a:endParaRPr>
+                    </a:p>
+                  </a:txBody>
+                  <a:tcPr/>
+                </a:tc>
+              </a:tr>
+              <a:tr h="370840">
+                <a:tc>
+                  <a:txBody>
+                    <a:bodyPr/>
+                    <a:lstStyle/>
+                    <a:p>
+                      <a:pPr marL="0" algn="l" defTabSz="914400" rtl="0" eaLnBrk="1" latinLnBrk="0" hangingPunct="1"/>
+                      <a:r>
+                        <a:rPr lang="en-US" altLang="zh-CN" sz="1800" kern="1200" dirty="0" smtClean="0">
+                          <a:solidFill>
+                            <a:schemeClr val="dk1"/>
+                          </a:solidFill>
+                          <a:latin typeface="+mn-lt"/>
+                          <a:ea typeface="+mn-ea"/>
+                          <a:cs typeface="+mn-cs"/>
+                        </a:rPr>
+                        <a:t>Edit</a:t>
+                      </a:r>
+                      <a:endParaRPr lang="zh-CN" altLang="en-US" sz="1800" kern="1200" dirty="0">
+                        <a:solidFill>
+                          <a:schemeClr val="dk1"/>
+                        </a:solidFill>
+                        <a:latin typeface="+mn-lt"/>
+                        <a:ea typeface="+mn-ea"/>
+                        <a:cs typeface="+mn-cs"/>
+                      </a:endParaRPr>
+                    </a:p>
+                  </a:txBody>
+                  <a:tcPr>
+                    <a:solidFill>
+                      <a:srgbClr val="D2DEEF"/>
+                    </a:solidFill>
+                  </a:tcPr>
+                </a:tc>
+                <a:tc>
+                  <a:txBody>
+                    <a:bodyPr/>
+                    <a:lstStyle/>
+                    <a:p>
+                      <a:r>
+                        <a:rPr lang="en-US" altLang="zh-CN" sz="1800" kern="1200" smtClean="0">
+                          <a:solidFill>
+                            <a:schemeClr val="dk1"/>
+                          </a:solidFill>
+                          <a:latin typeface="+mn-lt"/>
+                          <a:ea typeface="+mn-ea"/>
+                          <a:cs typeface="+mn-cs"/>
+                        </a:rPr>
+                        <a:t>save</a:t>
+                      </a:r>
+                      <a:endParaRPr lang="zh-CN" altLang="en-US" sz="1800" kern="1200" dirty="0">
+                        <a:solidFill>
+                          <a:schemeClr val="dk1"/>
+                        </a:solidFill>
+                        <a:latin typeface="+mn-lt"/>
+                        <a:ea typeface="+mn-ea"/>
+                        <a:cs typeface="+mn-cs"/>
+                      </a:endParaRPr>
+                    </a:p>
+                  </a:txBody>
+                  <a:tcPr/>
+                </a:tc>
+                <a:tc>
+                  <a:txBody>
+                    <a:bodyPr/>
+                    <a:lstStyle/>
+                    <a:p>
+                      <a:endParaRPr lang="zh-CN" altLang="en-US" sz="1800" kern="1200" dirty="0">
+                        <a:solidFill>
+                          <a:schemeClr val="dk1"/>
+                        </a:solidFill>
+                        <a:latin typeface="+mn-lt"/>
+                        <a:ea typeface="+mn-ea"/>
+                        <a:cs typeface="+mn-cs"/>
+                      </a:endParaRPr>
+                    </a:p>
+                  </a:txBody>
+                  <a:tcPr/>
+                </a:tc>
+                <a:tc>
+                  <a:txBody>
+                    <a:bodyPr/>
+                    <a:lstStyle/>
+                    <a:p>
+                      <a:r>
+                        <a:rPr lang="en-US" altLang="zh-CN" sz="1800" kern="1200" dirty="0" smtClean="0">
+                          <a:solidFill>
+                            <a:schemeClr val="dk1"/>
+                          </a:solidFill>
+                          <a:latin typeface="+mn-lt"/>
+                          <a:ea typeface="+mn-ea"/>
+                          <a:cs typeface="+mn-cs"/>
+                        </a:rPr>
+                        <a:t>item[</a:t>
+                      </a:r>
+                      <a:r>
+                        <a:rPr lang="en-US" altLang="zh-CN" sz="1800" kern="1200" dirty="0" err="1" smtClean="0">
+                          <a:solidFill>
+                            <a:schemeClr val="dk1"/>
+                          </a:solidFill>
+                          <a:latin typeface="+mn-lt"/>
+                          <a:ea typeface="+mn-ea"/>
+                          <a:cs typeface="+mn-cs"/>
+                        </a:rPr>
+                        <a:t>i</a:t>
+                      </a:r>
+                      <a:r>
+                        <a:rPr lang="en-US" altLang="zh-CN" sz="1800" kern="1200" dirty="0" smtClean="0">
+                          <a:solidFill>
+                            <a:schemeClr val="dk1"/>
+                          </a:solidFill>
+                          <a:latin typeface="+mn-lt"/>
+                          <a:ea typeface="+mn-ea"/>
+                          <a:cs typeface="+mn-cs"/>
+                        </a:rPr>
+                        <a:t>][col] = all[</a:t>
+                      </a:r>
+                      <a:r>
+                        <a:rPr lang="en-US" altLang="zh-CN" sz="1800" kern="1200" dirty="0" err="1" smtClean="0">
+                          <a:solidFill>
+                            <a:schemeClr val="dk1"/>
+                          </a:solidFill>
+                          <a:latin typeface="+mn-lt"/>
+                          <a:ea typeface="+mn-ea"/>
+                          <a:cs typeface="+mn-cs"/>
+                        </a:rPr>
+                        <a:t>i</a:t>
+                      </a:r>
+                      <a:r>
+                        <a:rPr lang="en-US" altLang="zh-CN" sz="1800" kern="1200" dirty="0" smtClean="0">
+                          <a:solidFill>
+                            <a:schemeClr val="dk1"/>
+                          </a:solidFill>
+                          <a:latin typeface="+mn-lt"/>
+                          <a:ea typeface="+mn-ea"/>
+                          <a:cs typeface="+mn-cs"/>
+                        </a:rPr>
+                        <a:t>][col] = </a:t>
+                      </a:r>
+                      <a:endParaRPr lang="zh-CN" altLang="en-US" sz="1800" kern="1200" dirty="0">
+                        <a:solidFill>
+                          <a:schemeClr val="dk1"/>
+                        </a:solidFill>
+                        <a:latin typeface="+mn-lt"/>
+                        <a:ea typeface="+mn-ea"/>
+                        <a:cs typeface="+mn-cs"/>
+                      </a:endParaRPr>
+                    </a:p>
+                  </a:txBody>
+                  <a:tcPr/>
+                </a:tc>
+                <a:tc>
+                  <a:txBody>
+                    <a:bodyPr/>
+                    <a:lstStyle/>
+                    <a:p>
+                      <a:r>
+                        <a:rPr lang="en-US" altLang="zh-CN" sz="1800" kern="1200" dirty="0" err="1" smtClean="0">
+                          <a:solidFill>
+                            <a:schemeClr val="dk1"/>
+                          </a:solidFill>
+                          <a:latin typeface="+mn-lt"/>
+                          <a:ea typeface="+mn-ea"/>
+                          <a:cs typeface="+mn-cs"/>
+                        </a:rPr>
+                        <a:t>modRow</a:t>
+                      </a:r>
+                      <a:endParaRPr lang="zh-CN" altLang="en-US" sz="1800" kern="1200" dirty="0">
+                        <a:solidFill>
+                          <a:schemeClr val="dk1"/>
+                        </a:solidFill>
+                        <a:latin typeface="+mn-lt"/>
+                        <a:ea typeface="+mn-ea"/>
+                        <a:cs typeface="+mn-cs"/>
+                      </a:endParaRPr>
+                    </a:p>
+                  </a:txBody>
+                  <a:tcPr/>
+                </a:tc>
+              </a:tr>
+              <a:tr h="370840">
+                <a:tc>
+                  <a:txBody>
+                    <a:bodyPr/>
+                    <a:lstStyle/>
+                    <a:p>
+                      <a:r>
+                        <a:rPr lang="en-US" altLang="zh-CN" dirty="0" smtClean="0"/>
+                        <a:t>F4: Edit</a:t>
+                      </a:r>
+                      <a:endParaRPr lang="zh-CN" altLang="en-US" dirty="0"/>
+                    </a:p>
+                  </a:txBody>
+                  <a:tcPr>
+                    <a:solidFill>
+                      <a:schemeClr val="accent2"/>
+                    </a:solidFill>
+                  </a:tcPr>
+                </a:tc>
+                <a:tc>
+                  <a:txBody>
+                    <a:bodyPr/>
+                    <a:lstStyle/>
+                    <a:p>
+                      <a:r>
+                        <a:rPr lang="en-US" altLang="zh-CN" dirty="0" smtClean="0"/>
+                        <a:t>save</a:t>
+                      </a:r>
+                      <a:endParaRPr lang="zh-CN" altLang="en-US" dirty="0"/>
+                    </a:p>
+                  </a:txBody>
+                  <a:tcPr/>
+                </a:tc>
+                <a:tc>
+                  <a:txBody>
+                    <a:bodyPr/>
+                    <a:lstStyle/>
+                    <a:p>
+                      <a:r>
+                        <a:rPr lang="en-US" altLang="zh-CN" dirty="0" smtClean="0"/>
+                        <a:t>stub</a:t>
+                      </a:r>
+                      <a:endParaRPr lang="zh-CN" altLang="en-US" dirty="0"/>
+                    </a:p>
+                  </a:txBody>
+                  <a:tcPr/>
+                </a:tc>
+                <a:tc>
+                  <a:txBody>
+                    <a:bodyPr/>
+                    <a:lstStyle/>
+                    <a:p>
+                      <a:r>
+                        <a:rPr lang="en-US" altLang="zh-CN" dirty="0" smtClean="0"/>
+                        <a:t>item[?][col] = all[?][col] =</a:t>
+                      </a:r>
+                      <a:r>
+                        <a:rPr lang="en-US" altLang="zh-CN" baseline="0" dirty="0" smtClean="0"/>
+                        <a:t> row[?][col] = exec</a:t>
+                      </a:r>
+                      <a:endParaRPr lang="zh-CN" altLang="en-US" dirty="0"/>
+                    </a:p>
+                  </a:txBody>
+                  <a:tcPr/>
+                </a:tc>
+                <a:tc>
+                  <a:txBody>
+                    <a:bodyPr/>
+                    <a:lstStyle/>
+                    <a:p>
+                      <a:r>
+                        <a:rPr lang="en-US" altLang="zh-CN" dirty="0" smtClean="0"/>
+                        <a:t>?</a:t>
+                      </a:r>
+                      <a:endParaRPr lang="zh-CN" altLang="en-US" dirty="0"/>
+                    </a:p>
+                  </a:txBody>
+                  <a:tcPr/>
+                </a:tc>
+              </a:tr>
+              <a:tr h="370840">
+                <a:tc>
+                  <a:txBody>
+                    <a:bodyPr/>
+                    <a:lstStyle/>
+                    <a:p>
+                      <a:r>
+                        <a:rPr lang="en-US" altLang="zh-CN" dirty="0" smtClean="0"/>
+                        <a:t>F9/10/11/12:</a:t>
+                      </a:r>
+                      <a:r>
+                        <a:rPr lang="en-US" altLang="zh-CN" baseline="0" dirty="0" smtClean="0"/>
+                        <a:t> Tag</a:t>
+                      </a:r>
+                      <a:endParaRPr lang="zh-CN" altLang="en-US" dirty="0"/>
+                    </a:p>
+                  </a:txBody>
+                  <a:tcPr>
+                    <a:solidFill>
+                      <a:schemeClr val="accent2"/>
+                    </a:solidFill>
+                  </a:tcPr>
+                </a:tc>
+                <a:tc>
+                  <a:txBody>
+                    <a:bodyPr/>
+                    <a:lstStyle/>
+                    <a:p>
+                      <a:r>
+                        <a:rPr lang="en-US" altLang="zh-CN" dirty="0" smtClean="0"/>
+                        <a:t>save</a:t>
+                      </a:r>
+                      <a:endParaRPr lang="zh-CN" altLang="en-US" dirty="0"/>
+                    </a:p>
+                  </a:txBody>
+                  <a:tcPr/>
+                </a:tc>
+                <a:tc>
+                  <a:txBody>
+                    <a:bodyPr/>
+                    <a:lstStyle/>
+                    <a:p>
+                      <a:r>
+                        <a:rPr lang="en-US" altLang="zh-CN" dirty="0" smtClean="0"/>
+                        <a:t>stub</a:t>
+                      </a:r>
+                      <a:endParaRPr lang="zh-CN" altLang="en-US" dirty="0"/>
+                    </a:p>
+                  </a:txBody>
+                  <a:tcPr/>
+                </a:tc>
+                <a:tc>
+                  <a:txBody>
+                    <a:bodyPr/>
+                    <a:lstStyle/>
+                    <a:p>
+                      <a:r>
+                        <a:rPr lang="en-US" altLang="zh-CN" dirty="0" smtClean="0"/>
+                        <a:t>item[?][col] = all[?][col] =</a:t>
+                      </a:r>
+                      <a:r>
+                        <a:rPr lang="en-US" altLang="zh-CN" baseline="0" dirty="0" smtClean="0"/>
+                        <a:t> row[?][col] = tag</a:t>
+                      </a:r>
+                      <a:endParaRPr lang="zh-CN" altLang="en-US" dirty="0"/>
+                    </a:p>
+                  </a:txBody>
+                  <a:tcPr/>
+                </a:tc>
+                <a:tc>
+                  <a:txBody>
+                    <a:bodyPr/>
+                    <a:lstStyle/>
+                    <a:p>
+                      <a:r>
+                        <a:rPr lang="en-US" altLang="zh-CN" dirty="0" err="1" smtClean="0"/>
+                        <a:t>modRow</a:t>
+                      </a:r>
+                      <a:r>
+                        <a:rPr lang="en-US" altLang="zh-CN" dirty="0" smtClean="0"/>
+                        <a:t>-?</a:t>
+                      </a:r>
+                      <a:endParaRPr lang="zh-CN" altLang="en-US" dirty="0"/>
+                    </a:p>
+                  </a:txBody>
+                  <a:tcPr/>
+                </a:tc>
+              </a:tr>
+              <a:tr h="370840">
+                <a:tc>
+                  <a:txBody>
+                    <a:bodyPr/>
+                    <a:lstStyle/>
+                    <a:p>
+                      <a:r>
+                        <a:rPr lang="en-US" altLang="zh-CN" dirty="0" smtClean="0"/>
+                        <a:t>Delete</a:t>
+                      </a:r>
+                      <a:endParaRPr lang="zh-CN" altLang="en-US" dirty="0"/>
+                    </a:p>
+                  </a:txBody>
+                  <a:tcPr>
+                    <a:solidFill>
+                      <a:schemeClr val="accent2"/>
+                    </a:solidFill>
+                  </a:tcPr>
+                </a:tc>
+                <a:tc>
+                  <a:txBody>
+                    <a:bodyPr/>
+                    <a:lstStyle/>
+                    <a:p>
+                      <a:r>
+                        <a:rPr lang="en-US" altLang="zh-CN" dirty="0" smtClean="0"/>
+                        <a:t>save</a:t>
+                      </a:r>
+                      <a:endParaRPr lang="zh-CN" altLang="en-US" dirty="0"/>
+                    </a:p>
+                  </a:txBody>
+                  <a:tcPr/>
+                </a:tc>
+                <a:tc>
+                  <a:txBody>
+                    <a:bodyPr/>
+                    <a:lstStyle/>
+                    <a:p>
+                      <a:endParaRPr lang="zh-CN" altLang="en-US" dirty="0"/>
+                    </a:p>
+                  </a:txBody>
+                  <a:tcPr/>
+                </a:tc>
+                <a:tc>
+                  <a:txBody>
+                    <a:bodyPr/>
+                    <a:lstStyle/>
+                    <a:p>
+                      <a:r>
+                        <a:rPr lang="en-US" altLang="zh-CN" dirty="0" err="1" smtClean="0"/>
+                        <a:t>item.pop</a:t>
+                      </a:r>
+                      <a:r>
+                        <a:rPr lang="en-US" altLang="zh-CN" dirty="0" smtClean="0"/>
+                        <a:t>(</a:t>
+                      </a:r>
+                      <a:r>
+                        <a:rPr lang="en-US" altLang="zh-CN" dirty="0" err="1" smtClean="0"/>
+                        <a:t>i</a:t>
+                      </a:r>
+                      <a:r>
+                        <a:rPr lang="en-US" altLang="zh-CN" dirty="0" smtClean="0"/>
+                        <a:t>), </a:t>
+                      </a:r>
+                      <a:r>
+                        <a:rPr lang="en-US" altLang="zh-CN" dirty="0" err="1" smtClean="0"/>
+                        <a:t>all.pop</a:t>
+                      </a:r>
+                      <a:r>
+                        <a:rPr lang="en-US" altLang="zh-CN" dirty="0" smtClean="0"/>
+                        <a:t>(</a:t>
+                      </a:r>
+                      <a:r>
+                        <a:rPr lang="en-US" altLang="zh-CN" dirty="0" err="1" smtClean="0"/>
+                        <a:t>i</a:t>
+                      </a:r>
+                      <a:r>
+                        <a:rPr lang="en-US" altLang="zh-CN" dirty="0" smtClean="0"/>
+                        <a:t>), </a:t>
+                      </a:r>
+                      <a:r>
+                        <a:rPr lang="en-US" altLang="zh-CN" dirty="0" err="1" smtClean="0"/>
+                        <a:t>row.DeleteItem</a:t>
+                      </a:r>
+                      <a:r>
+                        <a:rPr lang="en-US" altLang="zh-CN" dirty="0" smtClean="0"/>
+                        <a:t>(</a:t>
+                      </a:r>
+                      <a:r>
+                        <a:rPr lang="en-US" altLang="zh-CN" dirty="0" err="1" smtClean="0"/>
+                        <a:t>i</a:t>
+                      </a:r>
+                      <a:r>
+                        <a:rPr lang="en-US" altLang="zh-CN" dirty="0" smtClean="0"/>
+                        <a:t>)</a:t>
+                      </a:r>
+                      <a:endParaRPr lang="zh-CN" altLang="en-US" dirty="0">
+                        <a:solidFill>
+                          <a:srgbClr val="FF0000"/>
+                        </a:solidFill>
+                      </a:endParaRPr>
+                    </a:p>
+                  </a:txBody>
+                  <a:tcPr/>
+                </a:tc>
+                <a:tc>
+                  <a:txBody>
+                    <a:bodyPr/>
+                    <a:lstStyle/>
+                    <a:p>
+                      <a:r>
+                        <a:rPr lang="en-US" altLang="zh-CN" dirty="0" err="1" smtClean="0">
+                          <a:solidFill>
+                            <a:schemeClr val="tx1"/>
+                          </a:solidFill>
+                        </a:rPr>
+                        <a:t>delRow</a:t>
+                      </a:r>
+                      <a:endParaRPr lang="zh-CN" altLang="en-US" dirty="0">
+                        <a:solidFill>
+                          <a:schemeClr val="tx1"/>
+                        </a:solidFill>
+                      </a:endParaRPr>
+                    </a:p>
+                  </a:txBody>
+                  <a:tcPr/>
+                </a:tc>
+              </a:tr>
+              <a:tr h="370840">
+                <a:tc>
+                  <a:txBody>
+                    <a:bodyPr/>
+                    <a:lstStyle/>
+                    <a:p>
+                      <a:r>
+                        <a:rPr lang="en-US" altLang="zh-CN" dirty="0" err="1" smtClean="0"/>
+                        <a:t>Delete@</a:t>
+                      </a:r>
+                      <a:r>
+                        <a:rPr lang="en-US" altLang="zh-CN" dirty="0" err="1" smtClean="0">
+                          <a:solidFill>
+                            <a:srgbClr val="FF0000"/>
+                          </a:solidFill>
+                        </a:rPr>
+                        <a:t>PATH</a:t>
+                      </a:r>
+                      <a:endParaRPr lang="zh-CN" altLang="en-US" dirty="0">
+                        <a:solidFill>
+                          <a:srgbClr val="FF0000"/>
+                        </a:solidFill>
+                      </a:endParaRPr>
+                    </a:p>
+                  </a:txBody>
+                  <a:tcPr>
+                    <a:solidFill>
+                      <a:schemeClr val="accent2"/>
+                    </a:solidFill>
+                  </a:tcPr>
+                </a:tc>
+                <a:tc>
+                  <a:txBody>
+                    <a:bodyPr/>
+                    <a:lstStyle/>
+                    <a:p>
+                      <a:r>
+                        <a:rPr lang="en-US" altLang="zh-CN" dirty="0" smtClean="0"/>
+                        <a:t>save</a:t>
+                      </a:r>
+                      <a:endParaRPr lang="zh-CN" altLang="en-US" dirty="0"/>
+                    </a:p>
+                  </a:txBody>
+                  <a:tcPr/>
+                </a:tc>
+                <a:tc>
+                  <a:txBody>
+                    <a:bodyPr/>
+                    <a:lstStyle/>
+                    <a:p>
+                      <a:endParaRPr lang="zh-CN" altLang="en-US" dirty="0"/>
+                    </a:p>
+                  </a:txBody>
+                  <a:tcPr/>
+                </a:tc>
+                <a:tc>
+                  <a:txBody>
+                    <a:bodyPr/>
+                    <a:lstStyle/>
+                    <a:p>
+                      <a:r>
+                        <a:rPr lang="en-US" altLang="zh-CN" dirty="0" err="1" smtClean="0"/>
+                        <a:t>item.pop</a:t>
+                      </a:r>
+                      <a:r>
+                        <a:rPr lang="en-US" altLang="zh-CN" dirty="0" smtClean="0"/>
+                        <a:t>(</a:t>
+                      </a:r>
+                      <a:r>
+                        <a:rPr lang="en-US" altLang="zh-CN" dirty="0" err="1" smtClean="0"/>
+                        <a:t>i</a:t>
+                      </a:r>
+                      <a:r>
+                        <a:rPr lang="en-US" altLang="zh-CN" dirty="0" smtClean="0"/>
+                        <a:t>), </a:t>
+                      </a:r>
+                      <a:r>
+                        <a:rPr lang="en-US" altLang="zh-CN" dirty="0" err="1" smtClean="0"/>
+                        <a:t>all.pop</a:t>
+                      </a:r>
+                      <a:r>
+                        <a:rPr lang="en-US" altLang="zh-CN" dirty="0" smtClean="0"/>
+                        <a:t>(</a:t>
+                      </a:r>
+                      <a:r>
+                        <a:rPr lang="en-US" altLang="zh-CN" dirty="0" err="1" smtClean="0"/>
+                        <a:t>i</a:t>
+                      </a:r>
+                      <a:r>
+                        <a:rPr lang="en-US" altLang="zh-CN" dirty="0" smtClean="0"/>
+                        <a:t>), </a:t>
+                      </a:r>
+                      <a:r>
+                        <a:rPr lang="en-US" altLang="zh-CN" dirty="0" err="1" smtClean="0"/>
+                        <a:t>row.DeleteItem</a:t>
+                      </a:r>
+                      <a:r>
+                        <a:rPr lang="en-US" altLang="zh-CN" dirty="0" smtClean="0"/>
+                        <a:t>(</a:t>
+                      </a:r>
+                      <a:r>
+                        <a:rPr lang="en-US" altLang="zh-CN" dirty="0" err="1" smtClean="0"/>
+                        <a:t>i</a:t>
+                      </a:r>
+                      <a:r>
+                        <a:rPr lang="en-US" altLang="zh-CN" dirty="0" smtClean="0"/>
+                        <a:t>)</a:t>
+                      </a:r>
+                      <a:endParaRPr lang="zh-CN" altLang="en-US" dirty="0">
+                        <a:solidFill>
+                          <a:srgbClr val="FF0000"/>
+                        </a:solidFill>
+                      </a:endParaRPr>
+                    </a:p>
+                  </a:txBody>
+                  <a:tcPr/>
+                </a:tc>
+                <a:tc>
+                  <a:txBody>
+                    <a:bodyPr/>
+                    <a:lstStyle/>
+                    <a:p>
+                      <a:r>
+                        <a:rPr lang="en-US" altLang="zh-CN" dirty="0" err="1" smtClean="0">
+                          <a:solidFill>
+                            <a:schemeClr val="tx1"/>
+                          </a:solidFill>
+                        </a:rPr>
+                        <a:t>delRow</a:t>
+                      </a:r>
+                      <a:endParaRPr lang="zh-CN" altLang="en-US" dirty="0">
+                        <a:solidFill>
+                          <a:schemeClr val="tx1"/>
+                        </a:solidFill>
+                      </a:endParaRPr>
+                    </a:p>
+                  </a:txBody>
+                  <a:tcPr/>
+                </a:tc>
+              </a:tr>
+              <a:tr h="370840">
+                <a:tc>
+                  <a:txBody>
+                    <a:bodyPr/>
+                    <a:lstStyle/>
+                    <a:p>
+                      <a:r>
+                        <a:rPr lang="en-US" altLang="zh-CN" dirty="0" smtClean="0"/>
+                        <a:t>F5:</a:t>
+                      </a:r>
+                      <a:r>
+                        <a:rPr lang="en-US" altLang="zh-CN" baseline="0" dirty="0" smtClean="0"/>
+                        <a:t> Select All</a:t>
+                      </a:r>
+                      <a:endParaRPr lang="zh-CN" altLang="en-US" dirty="0"/>
+                    </a:p>
+                  </a:txBody>
+                  <a:tcPr/>
+                </a:tc>
+                <a:tc>
+                  <a:txBody>
+                    <a:bodyPr/>
+                    <a:lstStyle/>
+                    <a:p>
+                      <a:endParaRPr lang="zh-CN" altLang="en-US" dirty="0"/>
+                    </a:p>
+                  </a:txBody>
+                  <a:tcPr/>
+                </a:tc>
+                <a:tc>
+                  <a:txBody>
+                    <a:bodyPr/>
+                    <a:lstStyle/>
+                    <a:p>
+                      <a:r>
+                        <a:rPr lang="en-US" altLang="zh-CN" dirty="0" smtClean="0"/>
+                        <a:t>stub</a:t>
+                      </a:r>
+                      <a:endParaRPr lang="zh-CN" altLang="en-US" dirty="0"/>
+                    </a:p>
+                  </a:txBody>
+                  <a:tcPr/>
+                </a:tc>
+                <a:tc>
+                  <a:txBody>
+                    <a:bodyPr/>
+                    <a:lstStyle/>
+                    <a:p>
+                      <a:endParaRPr lang="zh-CN" altLang="en-US" dirty="0"/>
+                    </a:p>
+                  </a:txBody>
+                  <a:tcPr/>
+                </a:tc>
+                <a:tc>
+                  <a:txBody>
+                    <a:bodyPr/>
+                    <a:lstStyle/>
+                    <a:p>
+                      <a:endParaRPr lang="zh-CN" altLang="en-US" dirty="0"/>
+                    </a:p>
+                  </a:txBody>
+                  <a:tcPr/>
+                </a:tc>
+              </a:tr>
+              <a:tr h="370840">
+                <a:tc>
+                  <a:txBody>
+                    <a:bodyPr/>
+                    <a:lstStyle/>
+                    <a:p>
+                      <a:r>
+                        <a:rPr lang="en-US" altLang="zh-CN" dirty="0" smtClean="0"/>
+                        <a:t>F6: Sort Revert</a:t>
+                      </a:r>
+                      <a:endParaRPr lang="zh-CN" altLang="en-US" dirty="0"/>
+                    </a:p>
+                  </a:txBody>
+                  <a:tcPr/>
+                </a:tc>
+                <a:tc>
+                  <a:txBody>
+                    <a:bodyPr/>
+                    <a:lstStyle/>
+                    <a:p>
+                      <a:endParaRPr lang="zh-CN" altLang="en-US" dirty="0"/>
+                    </a:p>
+                  </a:txBody>
+                  <a:tcPr/>
+                </a:tc>
+                <a:tc>
+                  <a:txBody>
+                    <a:bodyPr/>
+                    <a:lstStyle/>
+                    <a:p>
+                      <a:r>
+                        <a:rPr lang="en-US" altLang="zh-CN" dirty="0" smtClean="0"/>
+                        <a:t>stub</a:t>
+                      </a:r>
+                      <a:endParaRPr lang="zh-CN" altLang="en-US" dirty="0"/>
+                    </a:p>
+                  </a:txBody>
+                  <a:tcPr/>
+                </a:tc>
+                <a:tc>
+                  <a:txBody>
+                    <a:bodyPr/>
+                    <a:lstStyle/>
+                    <a:p>
+                      <a:endParaRPr lang="zh-CN" altLang="en-US" dirty="0"/>
+                    </a:p>
+                  </a:txBody>
+                  <a:tcPr/>
+                </a:tc>
+                <a:tc>
+                  <a:txBody>
+                    <a:bodyPr/>
+                    <a:lstStyle/>
+                    <a:p>
+                      <a:endParaRPr lang="zh-CN" altLang="en-US" dirty="0"/>
+                    </a:p>
+                  </a:txBody>
+                  <a:tcPr/>
+                </a:tc>
+              </a:tr>
+              <a:tr h="370840">
+                <a:tc>
+                  <a:txBody>
+                    <a:bodyPr/>
+                    <a:lstStyle/>
+                    <a:p>
+                      <a:r>
+                        <a:rPr lang="en-US" altLang="zh-CN" dirty="0" smtClean="0"/>
+                        <a:t>F7/8: Open</a:t>
+                      </a:r>
+                      <a:endParaRPr lang="zh-CN" altLang="en-US" dirty="0"/>
+                    </a:p>
+                  </a:txBody>
+                  <a:tcPr>
+                    <a:solidFill>
+                      <a:srgbClr val="FFC000"/>
+                    </a:solidFill>
+                  </a:tcPr>
+                </a:tc>
+                <a:tc>
+                  <a:txBody>
+                    <a:bodyPr/>
+                    <a:lstStyle/>
+                    <a:p>
+                      <a:endParaRPr lang="zh-CN" altLang="en-US" dirty="0"/>
+                    </a:p>
+                  </a:txBody>
+                  <a:tcPr/>
+                </a:tc>
+                <a:tc>
+                  <a:txBody>
+                    <a:bodyPr/>
+                    <a:lstStyle/>
+                    <a:p>
+                      <a:r>
+                        <a:rPr lang="en-US" altLang="zh-CN" dirty="0" smtClean="0"/>
+                        <a:t>stub</a:t>
+                      </a:r>
+                      <a:endParaRPr lang="zh-CN" altLang="en-US" dirty="0"/>
+                    </a:p>
+                  </a:txBody>
+                  <a:tcPr/>
+                </a:tc>
+                <a:tc>
+                  <a:txBody>
+                    <a:bodyPr/>
+                    <a:lstStyle/>
+                    <a:p>
+                      <a:endParaRPr lang="zh-CN" altLang="en-US" dirty="0"/>
+                    </a:p>
+                  </a:txBody>
+                  <a:tcPr/>
+                </a:tc>
+                <a:tc>
+                  <a:txBody>
+                    <a:bodyPr/>
+                    <a:lstStyle/>
+                    <a:p>
+                      <a:endParaRPr lang="zh-CN" altLang="en-US" dirty="0"/>
+                    </a:p>
+                  </a:txBody>
+                  <a:tcPr/>
+                </a:tc>
+              </a:tr>
+              <a:tr h="370840">
+                <a:tc>
+                  <a:txBody>
+                    <a:bodyPr/>
+                    <a:lstStyle/>
+                    <a:p>
+                      <a:r>
+                        <a:rPr lang="en-US" altLang="zh-CN" dirty="0" smtClean="0"/>
+                        <a:t>F2@</a:t>
+                      </a:r>
+                      <a:r>
+                        <a:rPr lang="en-US" altLang="zh-CN" dirty="0" smtClean="0">
+                          <a:solidFill>
+                            <a:srgbClr val="FF0000"/>
+                          </a:solidFill>
+                        </a:rPr>
+                        <a:t>PATH</a:t>
+                      </a:r>
+                      <a:r>
+                        <a:rPr lang="en-US" altLang="zh-CN" dirty="0" smtClean="0"/>
+                        <a:t>: Sync</a:t>
+                      </a:r>
+                      <a:endParaRPr lang="zh-CN" altLang="en-US" dirty="0"/>
+                    </a:p>
+                  </a:txBody>
+                  <a:tcPr/>
+                </a:tc>
+                <a:tc>
+                  <a:txBody>
+                    <a:bodyPr/>
+                    <a:lstStyle/>
+                    <a:p>
+                      <a:r>
+                        <a:rPr lang="en-US" altLang="zh-CN" dirty="0" smtClean="0"/>
+                        <a:t>save</a:t>
+                      </a:r>
+                      <a:endParaRPr lang="zh-CN" altLang="en-US" dirty="0"/>
+                    </a:p>
+                  </a:txBody>
+                  <a:tcPr/>
+                </a:tc>
+                <a:tc>
+                  <a:txBody>
+                    <a:bodyPr/>
+                    <a:lstStyle/>
+                    <a:p>
+                      <a:r>
+                        <a:rPr lang="en-US" altLang="zh-CN" dirty="0" smtClean="0"/>
+                        <a:t>stub</a:t>
+                      </a:r>
+                      <a:endParaRPr lang="zh-CN" altLang="en-US" dirty="0"/>
+                    </a:p>
+                  </a:txBody>
+                  <a:tcPr/>
+                </a:tc>
+                <a:tc>
+                  <a:txBody>
+                    <a:bodyPr/>
+                    <a:lstStyle/>
+                    <a:p>
+                      <a:pPr marL="0" marR="0" indent="0" algn="l" defTabSz="914400" rtl="0" eaLnBrk="1" fontAlgn="auto" latinLnBrk="0" hangingPunct="1">
+                        <a:lnSpc>
+                          <a:spcPct val="100000"/>
+                        </a:lnSpc>
+                        <a:spcBef>
+                          <a:spcPts val="0"/>
+                        </a:spcBef>
+                        <a:spcAft>
+                          <a:spcPts val="0"/>
+                        </a:spcAft>
+                        <a:buClrTx/>
+                        <a:buSzTx/>
+                        <a:buFontTx/>
+                        <a:buNone/>
+                        <a:tabLst/>
+                        <a:defRPr/>
+                      </a:pPr>
+                      <a:r>
+                        <a:rPr lang="en-US" altLang="zh-CN" dirty="0" smtClean="0"/>
+                        <a:t>item[?]</a:t>
+                      </a:r>
+                      <a:r>
+                        <a:rPr lang="en-US" altLang="zh-CN" baseline="0" dirty="0" smtClean="0"/>
+                        <a:t> = all[?] = </a:t>
+                      </a:r>
+                      <a:r>
+                        <a:rPr lang="en-US" altLang="zh-CN" baseline="0" dirty="0" err="1" smtClean="0"/>
+                        <a:t>newRow</a:t>
+                      </a:r>
+                      <a:r>
+                        <a:rPr lang="en-US" altLang="zh-CN" baseline="0" dirty="0" smtClean="0"/>
+                        <a:t>, </a:t>
+                      </a:r>
+                      <a:r>
+                        <a:rPr lang="en-US" altLang="zh-CN" baseline="0" dirty="0" err="1" smtClean="0"/>
+                        <a:t>row.InsertStringItem</a:t>
+                      </a:r>
+                      <a:endParaRPr lang="en-US" altLang="zh-CN" baseline="0" dirty="0" smtClean="0"/>
+                    </a:p>
+                    <a:p>
+                      <a:pPr marL="0" marR="0" indent="0" algn="l" defTabSz="914400" rtl="0" eaLnBrk="1" fontAlgn="auto" latinLnBrk="0" hangingPunct="1">
+                        <a:lnSpc>
+                          <a:spcPct val="100000"/>
+                        </a:lnSpc>
+                        <a:spcBef>
+                          <a:spcPts val="0"/>
+                        </a:spcBef>
+                        <a:spcAft>
+                          <a:spcPts val="0"/>
+                        </a:spcAft>
+                        <a:buClrTx/>
+                        <a:buSzTx/>
+                        <a:buFontTx/>
+                        <a:buNone/>
+                        <a:tabLst/>
+                        <a:defRPr/>
+                      </a:pPr>
+                      <a:r>
+                        <a:rPr lang="en-US" altLang="zh-CN" dirty="0" smtClean="0"/>
+                        <a:t>item[?][col] = all[?][col] =</a:t>
+                      </a:r>
+                      <a:r>
+                        <a:rPr lang="en-US" altLang="zh-CN" baseline="0" dirty="0" smtClean="0"/>
+                        <a:t> row[?][col] = [RMV]</a:t>
+                      </a:r>
+                      <a:endParaRPr lang="zh-CN" altLang="en-US" dirty="0" smtClean="0"/>
+                    </a:p>
+                  </a:txBody>
+                  <a:tcPr/>
+                </a:tc>
+                <a:tc>
+                  <a:txBody>
+                    <a:bodyPr/>
+                    <a:lstStyle/>
+                    <a:p>
+                      <a:pPr marL="0" marR="0" indent="0" algn="l" defTabSz="914400" rtl="0" eaLnBrk="1" fontAlgn="auto" latinLnBrk="0" hangingPunct="1">
+                        <a:lnSpc>
+                          <a:spcPct val="100000"/>
+                        </a:lnSpc>
+                        <a:spcBef>
+                          <a:spcPts val="0"/>
+                        </a:spcBef>
+                        <a:spcAft>
+                          <a:spcPts val="0"/>
+                        </a:spcAft>
+                        <a:buClrTx/>
+                        <a:buSzTx/>
+                        <a:buFontTx/>
+                        <a:buNone/>
+                        <a:tabLst/>
+                        <a:defRPr/>
+                      </a:pPr>
+                      <a:r>
+                        <a:rPr lang="en-US" altLang="zh-CN" dirty="0" err="1" smtClean="0"/>
+                        <a:t>addRow</a:t>
+                      </a:r>
+                      <a:endParaRPr lang="en-US" altLang="zh-CN" dirty="0" smtClean="0"/>
+                    </a:p>
+                    <a:p>
+                      <a:pPr marL="0" marR="0" indent="0" algn="l" defTabSz="914400" rtl="0" eaLnBrk="1" fontAlgn="auto" latinLnBrk="0" hangingPunct="1">
+                        <a:lnSpc>
+                          <a:spcPct val="100000"/>
+                        </a:lnSpc>
+                        <a:spcBef>
+                          <a:spcPts val="0"/>
+                        </a:spcBef>
+                        <a:spcAft>
+                          <a:spcPts val="0"/>
+                        </a:spcAft>
+                        <a:buClrTx/>
+                        <a:buSzTx/>
+                        <a:buFontTx/>
+                        <a:buNone/>
+                        <a:tabLst/>
+                        <a:defRPr/>
+                      </a:pPr>
+                      <a:r>
+                        <a:rPr lang="en-US" altLang="zh-CN" dirty="0" err="1" smtClean="0"/>
+                        <a:t>modRow</a:t>
+                      </a:r>
+                      <a:r>
+                        <a:rPr lang="en-US" altLang="zh-CN" dirty="0" smtClean="0"/>
+                        <a:t>-?</a:t>
+                      </a:r>
+                      <a:endParaRPr lang="zh-CN" altLang="en-US" dirty="0" smtClean="0"/>
+                    </a:p>
+                  </a:txBody>
+                  <a:tcPr/>
+                </a:tc>
+              </a:tr>
+              <a:tr h="370840">
+                <a:tc>
+                  <a:txBody>
+                    <a:bodyPr/>
+                    <a:lstStyle/>
+                    <a:p>
+                      <a:r>
+                        <a:rPr lang="en-US" altLang="zh-CN" dirty="0" smtClean="0"/>
+                        <a:t>F3@</a:t>
+                      </a:r>
+                      <a:r>
+                        <a:rPr lang="en-US" altLang="zh-CN" dirty="0" smtClean="0">
+                          <a:solidFill>
+                            <a:srgbClr val="FF0000"/>
+                          </a:solidFill>
+                        </a:rPr>
+                        <a:t>PATH</a:t>
+                      </a:r>
+                      <a:r>
+                        <a:rPr lang="en-US" altLang="zh-CN" dirty="0" smtClean="0"/>
+                        <a:t>:</a:t>
+                      </a:r>
+                      <a:r>
+                        <a:rPr lang="en-US" altLang="zh-CN" baseline="0" dirty="0" smtClean="0"/>
+                        <a:t> Clear</a:t>
+                      </a:r>
+                      <a:endParaRPr lang="zh-CN" altLang="en-US" dirty="0"/>
+                    </a:p>
+                  </a:txBody>
+                  <a:tcPr/>
+                </a:tc>
+                <a:tc>
+                  <a:txBody>
+                    <a:bodyPr/>
+                    <a:lstStyle/>
+                    <a:p>
+                      <a:endParaRPr lang="zh-CN" altLang="en-US" dirty="0"/>
+                    </a:p>
+                  </a:txBody>
+                  <a:tcPr/>
+                </a:tc>
+                <a:tc>
+                  <a:txBody>
+                    <a:bodyPr/>
+                    <a:lstStyle/>
+                    <a:p>
+                      <a:r>
+                        <a:rPr lang="en-US" altLang="zh-CN" dirty="0" smtClean="0"/>
+                        <a:t>stub</a:t>
+                      </a:r>
+                      <a:endParaRPr lang="zh-CN" altLang="en-US" dirty="0"/>
+                    </a:p>
+                  </a:txBody>
+                  <a:tcPr/>
+                </a:tc>
+                <a:tc>
+                  <a:txBody>
+                    <a:bodyPr/>
+                    <a:lstStyle/>
+                    <a:p>
+                      <a:r>
+                        <a:rPr lang="en-US" altLang="zh-CN" dirty="0" smtClean="0"/>
+                        <a:t>item = all = {}, </a:t>
+                      </a:r>
+                      <a:r>
+                        <a:rPr lang="en-US" altLang="zh-CN" dirty="0" err="1" smtClean="0"/>
+                        <a:t>row.ClearAll</a:t>
+                      </a:r>
+                      <a:endParaRPr lang="zh-CN" altLang="en-US" dirty="0"/>
+                    </a:p>
+                  </a:txBody>
+                  <a:tcPr/>
+                </a:tc>
+                <a:tc>
+                  <a:txBody>
+                    <a:bodyPr/>
+                    <a:lstStyle/>
+                    <a:p>
+                      <a:r>
+                        <a:rPr lang="en-US" altLang="zh-CN" dirty="0" smtClean="0"/>
+                        <a:t>clear</a:t>
+                      </a:r>
+                      <a:endParaRPr lang="zh-CN" altLang="en-US" dirty="0"/>
+                    </a:p>
+                  </a:txBody>
+                  <a:tcPr/>
+                </a:tc>
+              </a:tr>
+              <a:tr h="370840">
+                <a:tc>
+                  <a:txBody>
+                    <a:bodyPr/>
+                    <a:lstStyle/>
+                    <a:p>
+                      <a:r>
+                        <a:rPr lang="en-US" altLang="zh-CN" dirty="0" smtClean="0"/>
+                        <a:t>Drop</a:t>
+                      </a:r>
+                      <a:endParaRPr lang="zh-CN" altLang="en-US" dirty="0"/>
+                    </a:p>
+                  </a:txBody>
+                  <a:tcPr/>
+                </a:tc>
+                <a:tc>
+                  <a:txBody>
+                    <a:bodyPr/>
+                    <a:lstStyle/>
+                    <a:p>
+                      <a:r>
+                        <a:rPr lang="en-US" altLang="zh-CN" dirty="0" smtClean="0"/>
+                        <a:t>save</a:t>
+                      </a:r>
+                      <a:endParaRPr lang="zh-CN" altLang="en-US" dirty="0"/>
+                    </a:p>
+                  </a:txBody>
+                  <a:tcPr/>
+                </a:tc>
+                <a:tc>
+                  <a:txBody>
+                    <a:bodyPr/>
+                    <a:lstStyle/>
+                    <a:p>
+                      <a:endParaRPr lang="zh-CN" altLang="en-US" dirty="0"/>
+                    </a:p>
+                  </a:txBody>
+                  <a:tcPr/>
+                </a:tc>
+                <a:tc>
+                  <a:txBody>
+                    <a:bodyPr/>
+                    <a:lstStyle/>
+                    <a:p>
+                      <a:pPr marL="0" marR="0" indent="0" algn="l" defTabSz="914400" rtl="0" eaLnBrk="1" fontAlgn="auto" latinLnBrk="0" hangingPunct="1">
+                        <a:lnSpc>
+                          <a:spcPct val="100000"/>
+                        </a:lnSpc>
+                        <a:spcBef>
+                          <a:spcPts val="0"/>
+                        </a:spcBef>
+                        <a:spcAft>
+                          <a:spcPts val="0"/>
+                        </a:spcAft>
+                        <a:buClrTx/>
+                        <a:buSzTx/>
+                        <a:buFontTx/>
+                        <a:buNone/>
+                        <a:tabLst/>
+                        <a:defRPr/>
+                      </a:pPr>
+                      <a:r>
+                        <a:rPr lang="en-US" altLang="zh-CN" dirty="0" smtClean="0"/>
+                        <a:t>item[?]</a:t>
+                      </a:r>
+                      <a:r>
+                        <a:rPr lang="en-US" altLang="zh-CN" baseline="0" dirty="0" smtClean="0"/>
+                        <a:t> = all[?] = </a:t>
+                      </a:r>
+                      <a:r>
+                        <a:rPr lang="en-US" altLang="zh-CN" baseline="0" dirty="0" err="1" smtClean="0"/>
+                        <a:t>newRow</a:t>
+                      </a:r>
+                      <a:r>
+                        <a:rPr lang="en-US" altLang="zh-CN" baseline="0" dirty="0" smtClean="0"/>
+                        <a:t>, </a:t>
+                      </a:r>
+                      <a:r>
+                        <a:rPr lang="en-US" altLang="zh-CN" baseline="0" dirty="0" err="1" smtClean="0"/>
+                        <a:t>row.InsertStringItem</a:t>
+                      </a:r>
+                      <a:endParaRPr lang="en-US" altLang="zh-CN" baseline="0" dirty="0" smtClean="0"/>
+                    </a:p>
+                  </a:txBody>
+                  <a:tcPr/>
+                </a:tc>
+                <a:tc>
+                  <a:txBody>
+                    <a:bodyPr/>
+                    <a:lstStyle/>
+                    <a:p>
+                      <a:pPr marL="0" marR="0" indent="0" algn="l" defTabSz="914400" rtl="0" eaLnBrk="1" fontAlgn="auto" latinLnBrk="0" hangingPunct="1">
+                        <a:lnSpc>
+                          <a:spcPct val="100000"/>
+                        </a:lnSpc>
+                        <a:spcBef>
+                          <a:spcPts val="0"/>
+                        </a:spcBef>
+                        <a:spcAft>
+                          <a:spcPts val="0"/>
+                        </a:spcAft>
+                        <a:buClrTx/>
+                        <a:buSzTx/>
+                        <a:buFontTx/>
+                        <a:buNone/>
+                        <a:tabLst/>
+                        <a:defRPr/>
+                      </a:pPr>
+                      <a:r>
+                        <a:rPr lang="en-US" altLang="zh-CN" baseline="0" dirty="0" err="1" smtClean="0"/>
+                        <a:t>addRow</a:t>
+                      </a:r>
+                      <a:endParaRPr lang="en-US" altLang="zh-CN" baseline="0" dirty="0" smtClean="0"/>
+                    </a:p>
+                  </a:txBody>
+                  <a:tcPr/>
+                </a:tc>
+              </a:tr>
+              <a:tr h="370840">
+                <a:tc>
+                  <a:txBody>
+                    <a:bodyPr/>
+                    <a:lstStyle/>
+                    <a:p>
+                      <a:r>
+                        <a:rPr lang="en-US" altLang="zh-CN" dirty="0" err="1" smtClean="0"/>
+                        <a:t>FilterByInput</a:t>
+                      </a:r>
+                      <a:endParaRPr lang="zh-CN" altLang="en-US" dirty="0"/>
+                    </a:p>
+                  </a:txBody>
+                  <a:tcPr/>
+                </a:tc>
+                <a:tc>
+                  <a:txBody>
+                    <a:bodyPr/>
+                    <a:lstStyle/>
+                    <a:p>
+                      <a:endParaRPr lang="zh-CN" altLang="en-US" dirty="0"/>
+                    </a:p>
+                  </a:txBody>
+                  <a:tcPr/>
+                </a:tc>
+                <a:tc>
+                  <a:txBody>
+                    <a:bodyPr/>
+                    <a:lstStyle/>
+                    <a:p>
+                      <a:r>
+                        <a:rPr lang="en-US" altLang="zh-CN" dirty="0" smtClean="0"/>
+                        <a:t>stub</a:t>
+                      </a:r>
+                      <a:endParaRPr lang="zh-CN" altLang="en-US" dirty="0"/>
+                    </a:p>
+                  </a:txBody>
+                  <a:tcPr/>
+                </a:tc>
+                <a:tc rowSpan="2">
+                  <a:txBody>
+                    <a:bodyPr/>
+                    <a:lstStyle/>
+                    <a:p>
+                      <a:r>
+                        <a:rPr lang="en-US" altLang="zh-CN" dirty="0" smtClean="0"/>
+                        <a:t>item[?]</a:t>
+                      </a:r>
+                      <a:r>
+                        <a:rPr lang="en-US" altLang="zh-CN" baseline="0" dirty="0" smtClean="0"/>
+                        <a:t> = all[?], </a:t>
+                      </a:r>
+                      <a:r>
+                        <a:rPr lang="en-US" altLang="zh-CN" baseline="0" dirty="0" err="1" smtClean="0"/>
+                        <a:t>row.InsertStringItem</a:t>
+                      </a:r>
+                      <a:endParaRPr lang="en-US" altLang="zh-CN" baseline="0" dirty="0" smtClean="0"/>
+                    </a:p>
+                    <a:p>
+                      <a:r>
+                        <a:rPr lang="en-US" altLang="zh-CN" baseline="0" dirty="0" err="1" smtClean="0"/>
+                        <a:t>item.pop</a:t>
+                      </a:r>
+                      <a:r>
+                        <a:rPr lang="en-US" altLang="zh-CN" baseline="0" dirty="0" smtClean="0"/>
+                        <a:t>[?], </a:t>
+                      </a:r>
+                      <a:r>
+                        <a:rPr lang="en-US" altLang="zh-CN" baseline="0" dirty="0" err="1" smtClean="0"/>
+                        <a:t>row.DeleteItem</a:t>
+                      </a:r>
+                      <a:endParaRPr lang="zh-CN" altLang="en-US" dirty="0" smtClean="0"/>
+                    </a:p>
+                  </a:txBody>
+                  <a:tcPr/>
+                </a:tc>
+                <a:tc rowSpan="2">
+                  <a:txBody>
+                    <a:bodyPr/>
+                    <a:lstStyle/>
+                    <a:p>
+                      <a:r>
+                        <a:rPr lang="en-US" altLang="zh-CN" dirty="0" err="1" smtClean="0"/>
+                        <a:t>showRow</a:t>
+                      </a:r>
+                      <a:endParaRPr lang="en-US" altLang="zh-CN" dirty="0" smtClean="0"/>
+                    </a:p>
+                    <a:p>
+                      <a:r>
+                        <a:rPr lang="en-US" altLang="zh-CN" dirty="0" err="1" smtClean="0"/>
+                        <a:t>hideRow</a:t>
+                      </a:r>
+                      <a:endParaRPr lang="zh-CN" altLang="en-US" dirty="0" smtClean="0"/>
+                    </a:p>
+                  </a:txBody>
+                  <a:tcPr/>
+                </a:tc>
+              </a:tr>
+              <a:tr h="370840">
+                <a:tc>
+                  <a:txBody>
+                    <a:bodyPr/>
+                    <a:lstStyle/>
+                    <a:p>
+                      <a:r>
+                        <a:rPr lang="en-US" altLang="zh-CN" dirty="0" err="1" smtClean="0"/>
+                        <a:t>FilterByTag</a:t>
+                      </a:r>
+                      <a:endParaRPr lang="zh-CN" altLang="en-US" dirty="0"/>
+                    </a:p>
+                  </a:txBody>
+                  <a:tcPr/>
+                </a:tc>
+                <a:tc>
+                  <a:txBody>
+                    <a:bodyPr/>
+                    <a:lstStyle/>
+                    <a:p>
+                      <a:endParaRPr lang="zh-CN" altLang="en-US" dirty="0"/>
+                    </a:p>
+                  </a:txBody>
+                  <a:tcPr/>
+                </a:tc>
+                <a:tc>
+                  <a:txBody>
+                    <a:bodyPr/>
+                    <a:lstStyle/>
+                    <a:p>
+                      <a:endParaRPr lang="zh-CN" altLang="en-US" dirty="0"/>
+                    </a:p>
+                  </a:txBody>
+                  <a:tcPr/>
+                </a:tc>
+                <a:tc vMerge="1">
+                  <a:txBody>
+                    <a:bodyPr/>
+                    <a:lstStyle/>
+                    <a:p>
+                      <a:endParaRPr lang="zh-CN" altLang="en-US" dirty="0" smtClean="0"/>
+                    </a:p>
+                  </a:txBody>
+                  <a:tcPr/>
+                </a:tc>
+                <a:tc vMerge="1">
+                  <a:txBody>
+                    <a:bodyPr/>
+                    <a:lstStyle/>
+                    <a:p>
+                      <a:endParaRPr lang="zh-CN" altLang="en-US"/>
+                    </a:p>
+                  </a:txBody>
+                  <a:tcPr/>
+                </a:tc>
+              </a:tr>
+            </a:tbl>
+          </a:graphicData>
+        </a:graphic>
+      </p:graphicFrame>
+    </p:spTree>
+    <p:extLst>
+      <p:ext uri="{BB962C8B-B14F-4D97-AF65-F5344CB8AC3E}">
+        <p14:creationId xmlns:p14="http://schemas.microsoft.com/office/powerpoint/2010/main" val="1372960001"/>
+      </p:ext>
+    </p:extLst>
+  </p:cSld>
+  <p:clrMapOvr>
+    <a:masterClrMapping/>
+  </p:clrMapOvr>
+</p:sld>
+</file>
+
+<file path=ppt/slides/slide3.xml><?xml version="1.0" encoding="utf-8"?>
+<p:sld xmlns:a="http://schemas.openxmlformats.org/drawingml/2006/main" xmlns:r="http://schemas.openxmlformats.org/officeDocument/2006/relationships" xmlns:p="http://schemas.openxmlformats.org/presentationml/2006/main">
+  <p:cSld>
+    <p:spTree>
+      <p:nvGrpSpPr>
+        <p:cNvPr id="1" name=""/>
+        <p:cNvGrpSpPr/>
+        <p:nvPr/>
+      </p:nvGrpSpPr>
+      <p:grpSpPr>
+        <a:xfrm>
+          <a:off x="0" y="0"/>
+          <a:ext cx="0" cy="0"/>
+          <a:chOff x="0" y="0"/>
+          <a:chExt cx="0" cy="0"/>
+        </a:xfrm>
+      </p:grpSpPr>
+      <p:sp>
+        <p:nvSpPr>
+          <p:cNvPr id="19" name="圆角矩形 18"/>
+          <p:cNvSpPr/>
+          <p:nvPr/>
+        </p:nvSpPr>
+        <p:spPr>
+          <a:xfrm>
+            <a:off x="9310566" y="245327"/>
+            <a:ext cx="2755054" cy="5965902"/>
+          </a:xfrm>
+          <a:prstGeom prst="roundRect">
+            <a:avLst>
+              <a:gd name="adj" fmla="val 4517"/>
+            </a:avLst>
+          </a:prstGeom>
+        </p:spPr>
+        <p:style>
+          <a:lnRef idx="2">
+            <a:schemeClr val="accent1">
+              <a:shade val="50000"/>
+            </a:schemeClr>
+          </a:lnRef>
+          <a:fillRef idx="1">
+            <a:schemeClr val="accent1"/>
+          </a:fillRef>
+          <a:effectRef idx="0">
+            <a:schemeClr val="accent1"/>
+          </a:effectRef>
+          <a:fontRef idx="minor">
+            <a:schemeClr val="lt1"/>
+          </a:fontRef>
+        </p:style>
+        <p:txBody>
+          <a:bodyPr rtlCol="0" anchor="t"/>
+          <a:lstStyle/>
+          <a:p>
+            <a:pPr algn="ctr"/>
+            <a:r>
+              <a:rPr lang="en-US" altLang="zh-CN" dirty="0" smtClean="0"/>
+              <a:t>Control</a:t>
+            </a:r>
+            <a:endParaRPr lang="zh-CN" altLang="en-US" dirty="0"/>
+          </a:p>
+        </p:txBody>
+      </p:sp>
+      <p:sp>
+        <p:nvSpPr>
+          <p:cNvPr id="17" name="圆角矩形 16"/>
+          <p:cNvSpPr/>
+          <p:nvPr/>
+        </p:nvSpPr>
+        <p:spPr>
+          <a:xfrm>
+            <a:off x="7365113" y="245327"/>
+            <a:ext cx="1776582" cy="5965902"/>
+          </a:xfrm>
+          <a:prstGeom prst="roundRect">
+            <a:avLst>
+              <a:gd name="adj" fmla="val 4517"/>
+            </a:avLst>
+          </a:prstGeom>
+        </p:spPr>
+        <p:style>
+          <a:lnRef idx="2">
+            <a:schemeClr val="accent1">
+              <a:shade val="50000"/>
+            </a:schemeClr>
+          </a:lnRef>
+          <a:fillRef idx="1">
+            <a:schemeClr val="accent1"/>
+          </a:fillRef>
+          <a:effectRef idx="0">
+            <a:schemeClr val="accent1"/>
+          </a:effectRef>
+          <a:fontRef idx="minor">
+            <a:schemeClr val="lt1"/>
+          </a:fontRef>
+        </p:style>
+        <p:txBody>
+          <a:bodyPr rtlCol="0" anchor="t"/>
+          <a:lstStyle/>
+          <a:p>
+            <a:pPr algn="ctr"/>
+            <a:r>
+              <a:rPr lang="en-US" altLang="zh-CN" dirty="0" smtClean="0"/>
+              <a:t>Model</a:t>
+            </a:r>
+            <a:endParaRPr lang="zh-CN" altLang="en-US" dirty="0"/>
+          </a:p>
+        </p:txBody>
+      </p:sp>
+      <p:sp>
+        <p:nvSpPr>
+          <p:cNvPr id="16" name="圆角矩形 15"/>
+          <p:cNvSpPr/>
+          <p:nvPr/>
+        </p:nvSpPr>
+        <p:spPr>
+          <a:xfrm>
+            <a:off x="1519044" y="245327"/>
+            <a:ext cx="5720576" cy="5965902"/>
+          </a:xfrm>
+          <a:prstGeom prst="roundRect">
+            <a:avLst>
+              <a:gd name="adj" fmla="val 4517"/>
+            </a:avLst>
+          </a:prstGeom>
+        </p:spPr>
+        <p:style>
+          <a:lnRef idx="2">
+            <a:schemeClr val="accent1">
+              <a:shade val="50000"/>
+            </a:schemeClr>
+          </a:lnRef>
+          <a:fillRef idx="1">
+            <a:schemeClr val="accent1"/>
+          </a:fillRef>
+          <a:effectRef idx="0">
+            <a:schemeClr val="accent1"/>
+          </a:effectRef>
+          <a:fontRef idx="minor">
+            <a:schemeClr val="lt1"/>
+          </a:fontRef>
+        </p:style>
+        <p:txBody>
+          <a:bodyPr rtlCol="0" anchor="t"/>
+          <a:lstStyle/>
+          <a:p>
+            <a:pPr algn="ctr"/>
+            <a:r>
+              <a:rPr lang="en-US" altLang="zh-CN" dirty="0" smtClean="0"/>
+              <a:t>View</a:t>
+            </a:r>
+            <a:endParaRPr lang="zh-CN" altLang="en-US" dirty="0"/>
+          </a:p>
+        </p:txBody>
+      </p:sp>
+      <p:sp>
+        <p:nvSpPr>
+          <p:cNvPr id="4" name="文本框 3"/>
+          <p:cNvSpPr txBox="1"/>
+          <p:nvPr/>
+        </p:nvSpPr>
+        <p:spPr>
+          <a:xfrm>
+            <a:off x="98079" y="479502"/>
+            <a:ext cx="720069" cy="307777"/>
+          </a:xfrm>
+          <a:prstGeom prst="rect">
+            <a:avLst/>
+          </a:prstGeom>
+          <a:noFill/>
+          <a:ln>
+            <a:solidFill>
+              <a:schemeClr val="tx1"/>
+            </a:solidFill>
+          </a:ln>
+        </p:spPr>
+        <p:txBody>
+          <a:bodyPr wrap="none" rtlCol="0">
+            <a:spAutoFit/>
+          </a:bodyPr>
+          <a:lstStyle/>
+          <a:p>
+            <a:r>
+              <a:rPr lang="en-US" altLang="zh-CN" sz="1400" dirty="0" err="1" smtClean="0"/>
+              <a:t>ui_utils</a:t>
+            </a:r>
+            <a:endParaRPr lang="zh-CN" altLang="en-US" sz="1400" dirty="0" smtClean="0"/>
+          </a:p>
+        </p:txBody>
+      </p:sp>
+      <p:sp>
+        <p:nvSpPr>
+          <p:cNvPr id="5" name="文本框 4"/>
+          <p:cNvSpPr txBox="1"/>
+          <p:nvPr/>
+        </p:nvSpPr>
+        <p:spPr>
+          <a:xfrm>
+            <a:off x="4934480" y="2029952"/>
+            <a:ext cx="857927" cy="307777"/>
+          </a:xfrm>
+          <a:prstGeom prst="rect">
+            <a:avLst/>
+          </a:prstGeom>
+          <a:noFill/>
+          <a:ln>
+            <a:solidFill>
+              <a:schemeClr val="tx1"/>
+            </a:solidFill>
+          </a:ln>
+        </p:spPr>
+        <p:txBody>
+          <a:bodyPr wrap="none" rtlCol="0">
+            <a:spAutoFit/>
+          </a:bodyPr>
+          <a:lstStyle/>
+          <a:p>
+            <a:r>
+              <a:rPr lang="en-US" altLang="zh-CN" sz="1400" dirty="0" err="1" smtClean="0"/>
+              <a:t>MainWin</a:t>
+            </a:r>
+            <a:endParaRPr lang="zh-CN" altLang="en-US" sz="1400" dirty="0" smtClean="0"/>
+          </a:p>
+        </p:txBody>
+      </p:sp>
+      <p:sp>
+        <p:nvSpPr>
+          <p:cNvPr id="6" name="文本框 5"/>
+          <p:cNvSpPr txBox="1"/>
+          <p:nvPr/>
+        </p:nvSpPr>
+        <p:spPr>
+          <a:xfrm>
+            <a:off x="1644537" y="2033669"/>
+            <a:ext cx="903517" cy="307777"/>
+          </a:xfrm>
+          <a:prstGeom prst="rect">
+            <a:avLst/>
+          </a:prstGeom>
+          <a:noFill/>
+          <a:ln>
+            <a:solidFill>
+              <a:schemeClr val="tx1"/>
+            </a:solidFill>
+          </a:ln>
+        </p:spPr>
+        <p:txBody>
+          <a:bodyPr wrap="none" rtlCol="0">
+            <a:spAutoFit/>
+          </a:bodyPr>
+          <a:lstStyle/>
+          <a:p>
+            <a:r>
+              <a:rPr lang="en-US" altLang="zh-CN" sz="1400" dirty="0" err="1" smtClean="0"/>
+              <a:t>HtmlView</a:t>
+            </a:r>
+            <a:endParaRPr lang="zh-CN" altLang="en-US" sz="1400" dirty="0" smtClean="0"/>
+          </a:p>
+        </p:txBody>
+      </p:sp>
+      <p:sp>
+        <p:nvSpPr>
+          <p:cNvPr id="7" name="文本框 6"/>
+          <p:cNvSpPr txBox="1"/>
+          <p:nvPr/>
+        </p:nvSpPr>
+        <p:spPr>
+          <a:xfrm>
+            <a:off x="2750727" y="2033669"/>
+            <a:ext cx="866648" cy="307777"/>
+          </a:xfrm>
+          <a:prstGeom prst="rect">
+            <a:avLst/>
+          </a:prstGeom>
+          <a:noFill/>
+          <a:ln>
+            <a:solidFill>
+              <a:schemeClr val="tx1"/>
+            </a:solidFill>
+          </a:ln>
+        </p:spPr>
+        <p:txBody>
+          <a:bodyPr wrap="none" rtlCol="0">
+            <a:spAutoFit/>
+          </a:bodyPr>
+          <a:lstStyle/>
+          <a:p>
+            <a:r>
+              <a:rPr lang="en-US" altLang="zh-CN" sz="1400" dirty="0" err="1" smtClean="0"/>
+              <a:t>SplitView</a:t>
+            </a:r>
+            <a:endParaRPr lang="zh-CN" altLang="en-US" sz="1400" dirty="0" smtClean="0"/>
+          </a:p>
+        </p:txBody>
+      </p:sp>
+      <p:sp>
+        <p:nvSpPr>
+          <p:cNvPr id="8" name="文本框 7"/>
+          <p:cNvSpPr txBox="1"/>
+          <p:nvPr/>
+        </p:nvSpPr>
+        <p:spPr>
+          <a:xfrm>
+            <a:off x="3879665" y="2029952"/>
+            <a:ext cx="792525" cy="307777"/>
+          </a:xfrm>
+          <a:prstGeom prst="rect">
+            <a:avLst/>
+          </a:prstGeom>
+          <a:solidFill>
+            <a:srgbClr val="FFC000"/>
+          </a:solidFill>
+          <a:ln>
+            <a:solidFill>
+              <a:schemeClr val="tx1"/>
+            </a:solidFill>
+          </a:ln>
+        </p:spPr>
+        <p:txBody>
+          <a:bodyPr wrap="none" rtlCol="0">
+            <a:spAutoFit/>
+          </a:bodyPr>
+          <a:lstStyle/>
+          <a:p>
+            <a:r>
+              <a:rPr lang="en-US" altLang="zh-CN" sz="1400" dirty="0" err="1" smtClean="0"/>
+              <a:t>ListView</a:t>
+            </a:r>
+            <a:endParaRPr lang="zh-CN" altLang="en-US" sz="1400" dirty="0" smtClean="0"/>
+          </a:p>
+        </p:txBody>
+      </p:sp>
+      <p:sp>
+        <p:nvSpPr>
+          <p:cNvPr id="9" name="文本框 8"/>
+          <p:cNvSpPr txBox="1"/>
+          <p:nvPr/>
+        </p:nvSpPr>
+        <p:spPr>
+          <a:xfrm>
+            <a:off x="5644334" y="1825144"/>
+            <a:ext cx="1512273" cy="307777"/>
+          </a:xfrm>
+          <a:prstGeom prst="rect">
+            <a:avLst/>
+          </a:prstGeom>
+          <a:noFill/>
+          <a:ln>
+            <a:solidFill>
+              <a:schemeClr val="tx1"/>
+            </a:solidFill>
+          </a:ln>
+        </p:spPr>
+        <p:txBody>
+          <a:bodyPr wrap="none" rtlCol="0">
+            <a:spAutoFit/>
+          </a:bodyPr>
+          <a:lstStyle/>
+          <a:p>
+            <a:r>
+              <a:rPr lang="en-US" altLang="zh-CN" sz="1400" dirty="0" err="1" smtClean="0"/>
+              <a:t>TextSearchControl</a:t>
+            </a:r>
+            <a:endParaRPr lang="zh-CN" altLang="en-US" sz="1400" dirty="0" smtClean="0"/>
+          </a:p>
+        </p:txBody>
+      </p:sp>
+      <p:sp>
+        <p:nvSpPr>
+          <p:cNvPr id="10" name="文本框 9"/>
+          <p:cNvSpPr txBox="1"/>
+          <p:nvPr/>
+        </p:nvSpPr>
+        <p:spPr>
+          <a:xfrm>
+            <a:off x="7463539" y="1077210"/>
+            <a:ext cx="320922" cy="307777"/>
+          </a:xfrm>
+          <a:prstGeom prst="rect">
+            <a:avLst/>
+          </a:prstGeom>
+          <a:noFill/>
+          <a:ln>
+            <a:solidFill>
+              <a:schemeClr val="tx1"/>
+            </a:solidFill>
+          </a:ln>
+        </p:spPr>
+        <p:txBody>
+          <a:bodyPr wrap="none" rtlCol="0">
+            <a:spAutoFit/>
+          </a:bodyPr>
+          <a:lstStyle/>
+          <a:p>
+            <a:r>
+              <a:rPr lang="en-US" altLang="zh-CN" sz="1400" dirty="0" err="1" smtClean="0"/>
+              <a:t>io</a:t>
+            </a:r>
+            <a:endParaRPr lang="zh-CN" altLang="en-US" sz="1400" dirty="0" smtClean="0"/>
+          </a:p>
+        </p:txBody>
+      </p:sp>
+      <p:sp>
+        <p:nvSpPr>
+          <p:cNvPr id="11" name="文本框 10"/>
+          <p:cNvSpPr txBox="1"/>
+          <p:nvPr/>
+        </p:nvSpPr>
+        <p:spPr>
+          <a:xfrm>
+            <a:off x="8390054" y="3435316"/>
+            <a:ext cx="659155" cy="307777"/>
+          </a:xfrm>
+          <a:prstGeom prst="rect">
+            <a:avLst/>
+          </a:prstGeom>
+          <a:solidFill>
+            <a:srgbClr val="FFC000"/>
+          </a:solidFill>
+          <a:ln>
+            <a:solidFill>
+              <a:schemeClr val="tx1"/>
+            </a:solidFill>
+          </a:ln>
+        </p:spPr>
+        <p:txBody>
+          <a:bodyPr wrap="none" rtlCol="0">
+            <a:spAutoFit/>
+          </a:bodyPr>
+          <a:lstStyle/>
+          <a:p>
+            <a:r>
+              <a:rPr lang="en-US" altLang="zh-CN" sz="1400" dirty="0" smtClean="0"/>
+              <a:t>Model</a:t>
+            </a:r>
+            <a:endParaRPr lang="zh-CN" altLang="en-US" sz="1400" dirty="0" smtClean="0"/>
+          </a:p>
+        </p:txBody>
+      </p:sp>
+      <p:sp>
+        <p:nvSpPr>
+          <p:cNvPr id="12" name="文本框 11"/>
+          <p:cNvSpPr txBox="1"/>
+          <p:nvPr/>
+        </p:nvSpPr>
+        <p:spPr>
+          <a:xfrm>
+            <a:off x="10804051" y="3435315"/>
+            <a:ext cx="1174104" cy="307777"/>
+          </a:xfrm>
+          <a:prstGeom prst="rect">
+            <a:avLst/>
+          </a:prstGeom>
+          <a:solidFill>
+            <a:srgbClr val="FFC000"/>
+          </a:solidFill>
+          <a:ln>
+            <a:solidFill>
+              <a:schemeClr val="tx1"/>
+            </a:solidFill>
+          </a:ln>
+        </p:spPr>
+        <p:txBody>
+          <a:bodyPr wrap="none" rtlCol="0">
+            <a:spAutoFit/>
+          </a:bodyPr>
+          <a:lstStyle/>
+          <a:p>
+            <a:r>
+              <a:rPr lang="en-US" altLang="zh-CN" sz="1400" dirty="0" err="1" smtClean="0"/>
+              <a:t>EventHandler</a:t>
+            </a:r>
+            <a:endParaRPr lang="zh-CN" altLang="en-US" sz="1400" dirty="0" smtClean="0"/>
+          </a:p>
+        </p:txBody>
+      </p:sp>
+      <p:sp>
+        <p:nvSpPr>
+          <p:cNvPr id="13" name="文本框 12"/>
+          <p:cNvSpPr txBox="1"/>
+          <p:nvPr/>
+        </p:nvSpPr>
+        <p:spPr>
+          <a:xfrm>
+            <a:off x="9351708" y="2717176"/>
+            <a:ext cx="1252907" cy="307777"/>
+          </a:xfrm>
+          <a:prstGeom prst="rect">
+            <a:avLst/>
+          </a:prstGeom>
+          <a:noFill/>
+          <a:ln>
+            <a:solidFill>
+              <a:schemeClr val="tx1"/>
+            </a:solidFill>
+          </a:ln>
+        </p:spPr>
+        <p:txBody>
+          <a:bodyPr wrap="none" rtlCol="0">
+            <a:spAutoFit/>
+          </a:bodyPr>
+          <a:lstStyle/>
+          <a:p>
+            <a:r>
+              <a:rPr lang="en-US" altLang="zh-CN" sz="1400" dirty="0" err="1" smtClean="0"/>
+              <a:t>FileDropTarget</a:t>
+            </a:r>
+            <a:endParaRPr lang="zh-CN" altLang="en-US" sz="1400" dirty="0" smtClean="0"/>
+          </a:p>
+        </p:txBody>
+      </p:sp>
+      <p:sp>
+        <p:nvSpPr>
+          <p:cNvPr id="14" name="文本框 13"/>
+          <p:cNvSpPr txBox="1"/>
+          <p:nvPr/>
+        </p:nvSpPr>
+        <p:spPr>
+          <a:xfrm>
+            <a:off x="98079" y="4102893"/>
+            <a:ext cx="1252907" cy="307777"/>
+          </a:xfrm>
+          <a:prstGeom prst="rect">
+            <a:avLst/>
+          </a:prstGeom>
+          <a:solidFill>
+            <a:srgbClr val="FFC000"/>
+          </a:solidFill>
+          <a:ln>
+            <a:solidFill>
+              <a:schemeClr val="tx1"/>
+            </a:solidFill>
+          </a:ln>
+        </p:spPr>
+        <p:txBody>
+          <a:bodyPr wrap="none" rtlCol="0">
+            <a:spAutoFit/>
+          </a:bodyPr>
+          <a:lstStyle/>
+          <a:p>
+            <a:r>
+              <a:rPr lang="en-US" altLang="zh-CN" sz="1400" dirty="0" err="1" smtClean="0"/>
+              <a:t>makeMainWin</a:t>
+            </a:r>
+            <a:endParaRPr lang="zh-CN" altLang="en-US" sz="1400" dirty="0" smtClean="0"/>
+          </a:p>
+        </p:txBody>
+      </p:sp>
+      <p:sp>
+        <p:nvSpPr>
+          <p:cNvPr id="15" name="文本框 14"/>
+          <p:cNvSpPr txBox="1"/>
+          <p:nvPr/>
+        </p:nvSpPr>
+        <p:spPr>
+          <a:xfrm>
+            <a:off x="98079" y="4863413"/>
+            <a:ext cx="550151" cy="307777"/>
+          </a:xfrm>
+          <a:prstGeom prst="rect">
+            <a:avLst/>
+          </a:prstGeom>
+          <a:noFill/>
+          <a:ln>
+            <a:solidFill>
+              <a:schemeClr val="tx1"/>
+            </a:solidFill>
+          </a:ln>
+        </p:spPr>
+        <p:txBody>
+          <a:bodyPr wrap="none" rtlCol="0">
+            <a:spAutoFit/>
+          </a:bodyPr>
+          <a:lstStyle/>
+          <a:p>
+            <a:r>
+              <a:rPr lang="en-US" altLang="zh-CN" sz="1400" dirty="0" smtClean="0"/>
+              <a:t>main</a:t>
+            </a:r>
+            <a:endParaRPr lang="zh-CN" altLang="en-US" sz="1400" dirty="0" smtClean="0"/>
+          </a:p>
+        </p:txBody>
+      </p:sp>
+    </p:spTree>
+    <p:extLst>
+      <p:ext uri="{BB962C8B-B14F-4D97-AF65-F5344CB8AC3E}">
+        <p14:creationId xmlns:p14="http://schemas.microsoft.com/office/powerpoint/2010/main" val="2351776844"/>
       </p:ext>
     </p:extLst>
   </p:cSld>

--- a/LLD.pptx
+++ b/LLD.pptx
@@ -245,7 +245,7 @@
           <a:p>
             <a:fld id="{ABBA60E4-B0CF-4FBE-8AFA-41892E4D6B2A}" type="datetimeFigureOut">
               <a:rPr lang="zh-CN" altLang="en-US" smtClean="0"/>
-              <a:t>2016/3/7</a:t>
+              <a:t>2016/3/8</a:t>
             </a:fld>
             <a:endParaRPr lang="zh-CN" altLang="en-US"/>
           </a:p>
@@ -415,7 +415,7 @@
           <a:p>
             <a:fld id="{ABBA60E4-B0CF-4FBE-8AFA-41892E4D6B2A}" type="datetimeFigureOut">
               <a:rPr lang="zh-CN" altLang="en-US" smtClean="0"/>
-              <a:t>2016/3/7</a:t>
+              <a:t>2016/3/8</a:t>
             </a:fld>
             <a:endParaRPr lang="zh-CN" altLang="en-US"/>
           </a:p>
@@ -595,7 +595,7 @@
           <a:p>
             <a:fld id="{ABBA60E4-B0CF-4FBE-8AFA-41892E4D6B2A}" type="datetimeFigureOut">
               <a:rPr lang="zh-CN" altLang="en-US" smtClean="0"/>
-              <a:t>2016/3/7</a:t>
+              <a:t>2016/3/8</a:t>
             </a:fld>
             <a:endParaRPr lang="zh-CN" altLang="en-US"/>
           </a:p>
@@ -765,7 +765,7 @@
           <a:p>
             <a:fld id="{ABBA60E4-B0CF-4FBE-8AFA-41892E4D6B2A}" type="datetimeFigureOut">
               <a:rPr lang="zh-CN" altLang="en-US" smtClean="0"/>
-              <a:t>2016/3/7</a:t>
+              <a:t>2016/3/8</a:t>
             </a:fld>
             <a:endParaRPr lang="zh-CN" altLang="en-US"/>
           </a:p>
@@ -1011,7 +1011,7 @@
           <a:p>
             <a:fld id="{ABBA60E4-B0CF-4FBE-8AFA-41892E4D6B2A}" type="datetimeFigureOut">
               <a:rPr lang="zh-CN" altLang="en-US" smtClean="0"/>
-              <a:t>2016/3/7</a:t>
+              <a:t>2016/3/8</a:t>
             </a:fld>
             <a:endParaRPr lang="zh-CN" altLang="en-US"/>
           </a:p>
@@ -1243,7 +1243,7 @@
           <a:p>
             <a:fld id="{ABBA60E4-B0CF-4FBE-8AFA-41892E4D6B2A}" type="datetimeFigureOut">
               <a:rPr lang="zh-CN" altLang="en-US" smtClean="0"/>
-              <a:t>2016/3/7</a:t>
+              <a:t>2016/3/8</a:t>
             </a:fld>
             <a:endParaRPr lang="zh-CN" altLang="en-US"/>
           </a:p>
@@ -1610,7 +1610,7 @@
           <a:p>
             <a:fld id="{ABBA60E4-B0CF-4FBE-8AFA-41892E4D6B2A}" type="datetimeFigureOut">
               <a:rPr lang="zh-CN" altLang="en-US" smtClean="0"/>
-              <a:t>2016/3/7</a:t>
+              <a:t>2016/3/8</a:t>
             </a:fld>
             <a:endParaRPr lang="zh-CN" altLang="en-US"/>
           </a:p>
@@ -1728,7 +1728,7 @@
           <a:p>
             <a:fld id="{ABBA60E4-B0CF-4FBE-8AFA-41892E4D6B2A}" type="datetimeFigureOut">
               <a:rPr lang="zh-CN" altLang="en-US" smtClean="0"/>
-              <a:t>2016/3/7</a:t>
+              <a:t>2016/3/8</a:t>
             </a:fld>
             <a:endParaRPr lang="zh-CN" altLang="en-US"/>
           </a:p>
@@ -1823,7 +1823,7 @@
           <a:p>
             <a:fld id="{ABBA60E4-B0CF-4FBE-8AFA-41892E4D6B2A}" type="datetimeFigureOut">
               <a:rPr lang="zh-CN" altLang="en-US" smtClean="0"/>
-              <a:t>2016/3/7</a:t>
+              <a:t>2016/3/8</a:t>
             </a:fld>
             <a:endParaRPr lang="zh-CN" altLang="en-US"/>
           </a:p>
@@ -2100,7 +2100,7 @@
           <a:p>
             <a:fld id="{ABBA60E4-B0CF-4FBE-8AFA-41892E4D6B2A}" type="datetimeFigureOut">
               <a:rPr lang="zh-CN" altLang="en-US" smtClean="0"/>
-              <a:t>2016/3/7</a:t>
+              <a:t>2016/3/8</a:t>
             </a:fld>
             <a:endParaRPr lang="zh-CN" altLang="en-US"/>
           </a:p>
@@ -2353,7 +2353,7 @@
           <a:p>
             <a:fld id="{ABBA60E4-B0CF-4FBE-8AFA-41892E4D6B2A}" type="datetimeFigureOut">
               <a:rPr lang="zh-CN" altLang="en-US" smtClean="0"/>
-              <a:t>2016/3/7</a:t>
+              <a:t>2016/3/8</a:t>
             </a:fld>
             <a:endParaRPr lang="zh-CN" altLang="en-US"/>
           </a:p>
@@ -2566,7 +2566,7 @@
           <a:p>
             <a:fld id="{ABBA60E4-B0CF-4FBE-8AFA-41892E4D6B2A}" type="datetimeFigureOut">
               <a:rPr lang="zh-CN" altLang="en-US" smtClean="0"/>
-              <a:t>2016/3/7</a:t>
+              <a:t>2016/3/8</a:t>
             </a:fld>
             <a:endParaRPr lang="zh-CN" altLang="en-US"/>
           </a:p>
@@ -6776,7 +6776,7 @@
           <p:nvPr>
             <p:extLst>
               <p:ext uri="{D42A27DB-BD31-4B8C-83A1-F6EECF244321}">
-                <p14:modId xmlns:p14="http://schemas.microsoft.com/office/powerpoint/2010/main" val="2645682873"/>
+                <p14:modId xmlns:p14="http://schemas.microsoft.com/office/powerpoint/2010/main" val="1158534367"/>
               </p:ext>
             </p:extLst>
           </p:nvPr>
@@ -6794,9 +6794,9 @@
               <a:tblGrid>
                 <a:gridCol w="2361885"/>
                 <a:gridCol w="639976"/>
-                <a:gridCol w="1905703"/>
-                <a:gridCol w="5131282"/>
-                <a:gridCol w="1248936"/>
+                <a:gridCol w="1182594"/>
+                <a:gridCol w="4995747"/>
+                <a:gridCol w="2107580"/>
               </a:tblGrid>
               <a:tr h="370840">
                 <a:tc>
@@ -7157,8 +7157,8 @@
                     <a:lstStyle/>
                     <a:p>
                       <a:r>
-                        <a:rPr lang="en-US" altLang="zh-CN" dirty="0" smtClean="0"/>
-                        <a:t>?</a:t>
+                        <a:rPr lang="en-US" altLang="zh-CN" dirty="0" err="1" smtClean="0"/>
+                        <a:t>modRowByExec</a:t>
                       </a:r>
                       <a:endParaRPr lang="zh-CN" altLang="en-US" dirty="0"/>
                     </a:p>
@@ -7243,10 +7243,6 @@
                       <a:r>
                         <a:rPr lang="en-US" altLang="zh-CN" dirty="0" err="1" smtClean="0"/>
                         <a:t>modRow</a:t>
-                      </a:r>
-                      <a:r>
-                        <a:rPr lang="en-US" altLang="zh-CN" dirty="0" smtClean="0"/>
-                        <a:t>-?</a:t>
                       </a:r>
                       <a:endParaRPr lang="zh-CN" altLang="en-US" dirty="0"/>
                     </a:p>
@@ -7535,6 +7531,70 @@
                       <a:r>
                         <a:rPr lang="en-US" altLang="zh-CN" baseline="0" dirty="0" smtClean="0"/>
                         <a:t> Select All</a:t>
+                      </a:r>
+                      <a:endParaRPr lang="zh-CN" altLang="en-US" dirty="0"/>
+                    </a:p>
+                  </a:txBody>
+                  <a:tcPr/>
+                </a:tc>
+                <a:tc>
+                  <a:txBody>
+                    <a:bodyPr/>
+                    <a:lstStyle/>
+                    <a:p>
+                      <a:endParaRPr lang="zh-CN" altLang="en-US" dirty="0"/>
+                    </a:p>
+                  </a:txBody>
+                  <a:tcPr/>
+                </a:tc>
+                <a:tc>
+                  <a:txBody>
+                    <a:bodyPr/>
+                    <a:lstStyle/>
+                    <a:p>
+                      <a:r>
+                        <a:rPr lang="en-US" altLang="zh-CN" dirty="0" smtClean="0"/>
+                        <a:t>stub</a:t>
+                      </a:r>
+                      <a:endParaRPr lang="zh-CN" altLang="en-US" dirty="0"/>
+                    </a:p>
+                  </a:txBody>
+                  <a:tcPr/>
+                </a:tc>
+                <a:tc>
+                  <a:txBody>
+                    <a:bodyPr/>
+                    <a:lstStyle/>
+                    <a:p>
+                      <a:endParaRPr lang="zh-CN" altLang="en-US" dirty="0"/>
+                    </a:p>
+                  </a:txBody>
+                  <a:tcPr/>
+                </a:tc>
+                <a:tc>
+                  <a:txBody>
+                    <a:bodyPr/>
+                    <a:lstStyle/>
+                    <a:p>
+                      <a:r>
+                        <a:rPr lang="en-US" altLang="zh-CN" dirty="0" err="1" smtClean="0"/>
+                        <a:t>selectAll</a:t>
+                      </a:r>
+                      <a:endParaRPr lang="zh-CN" altLang="en-US" dirty="0"/>
+                    </a:p>
+                  </a:txBody>
+                  <a:tcPr/>
+                </a:tc>
+              </a:tr>
+              <a:tr h="370840">
+                <a:tc>
+                  <a:txBody>
+                    <a:bodyPr/>
+                    <a:lstStyle/>
+                    <a:p>
+                      <a:r>
+                        <a:rPr lang="en-US" altLang="zh-CN" dirty="0" smtClean="0"/>
+                        <a:t>F6: Sort Revert</a:t>
                       </a:r>
                       <a:endParaRPr lang="zh-CN" altLang="en-US" dirty="0"/>
                     </a:p>
@@ -7594,66 +7654,6 @@
                     <a:p>
                       <a:r>
                         <a:rPr lang="en-US" altLang="zh-CN" dirty="0" smtClean="0"/>
-                        <a:t>F6: Sort Revert</a:t>
-                      </a:r>
-                      <a:endParaRPr lang="zh-CN" altLang="en-US" dirty="0"/>
-                    </a:p>
-                  </a:txBody>
-                  <a:tcPr/>
-                </a:tc>
-                <a:tc>
-                  <a:txBody>
-                    <a:bodyPr/>
-                    <a:lstStyle/>
-                    <a:p>
-                      <a:endParaRPr lang="zh-CN" altLang="en-US" dirty="0"/>
-                    </a:p>
-                  </a:txBody>
-                  <a:tcPr/>
-                </a:tc>
-                <a:tc>
-                  <a:txBody>
-                    <a:bodyPr/>
-                    <a:lstStyle/>
-                    <a:p>
-                      <a:r>
-                        <a:rPr lang="en-US" altLang="zh-CN" dirty="0" smtClean="0"/>
-                        <a:t>stub</a:t>
-                      </a:r>
-                      <a:endParaRPr lang="zh-CN" altLang="en-US" dirty="0"/>
-                    </a:p>
-                  </a:txBody>
-                  <a:tcPr/>
-                </a:tc>
-                <a:tc>
-                  <a:txBody>
-                    <a:bodyPr/>
-                    <a:lstStyle/>
-                    <a:p>
-                      <a:endParaRPr lang="zh-CN" altLang="en-US" dirty="0"/>
-                    </a:p>
-                  </a:txBody>
-                  <a:tcPr/>
-                </a:tc>
-                <a:tc>
-                  <a:txBody>
-                    <a:bodyPr/>
-                    <a:lstStyle/>
-                    <a:p>
-                      <a:endParaRPr lang="zh-CN" altLang="en-US" dirty="0"/>
-                    </a:p>
-                  </a:txBody>
-                  <a:tcPr/>
-                </a:tc>
-              </a:tr>
-              <a:tr h="370840">
-                <a:tc>
-                  <a:txBody>
-                    <a:bodyPr/>
-                    <a:lstStyle/>
-                    <a:p>
-                      <a:r>
-                        <a:rPr lang="en-US" altLang="zh-CN" dirty="0" smtClean="0"/>
                         <a:t>F7/8: Open</a:t>
                       </a:r>
                       <a:endParaRPr lang="zh-CN" altLang="en-US" dirty="0"/>
@@ -7704,6 +7704,10 @@
                     <a:bodyPr/>
                     <a:lstStyle/>
                     <a:p>
+                      <a:r>
+                        <a:rPr lang="en-US" altLang="zh-CN" dirty="0" err="1" smtClean="0"/>
+                        <a:t>getFirstSelectedText</a:t>
+                      </a:r>
                       <a:endParaRPr lang="zh-CN" altLang="en-US" dirty="0"/>
                     </a:p>
                   </a:txBody>
@@ -7889,10 +7893,6 @@
                       <a:r>
                         <a:rPr lang="en-US" altLang="zh-CN" dirty="0" err="1" smtClean="0"/>
                         <a:t>modRow</a:t>
-                      </a:r>
-                      <a:r>
-                        <a:rPr lang="en-US" altLang="zh-CN" dirty="0" smtClean="0"/>
-                        <a:t>-?</a:t>
                       </a:r>
                       <a:endParaRPr lang="zh-CN" altLang="en-US" dirty="0" smtClean="0"/>
                     </a:p>

--- a/LLD.pptx
+++ b/LLD.pptx
@@ -8,6 +8,7 @@
     <p:sldId id="256" r:id="rId2"/>
     <p:sldId id="257" r:id="rId3"/>
     <p:sldId id="258" r:id="rId4"/>
+    <p:sldId id="259" r:id="rId5"/>
   </p:sldIdLst>
   <p:sldSz cx="12192000" cy="6858000"/>
   <p:notesSz cx="6858000" cy="9144000"/>
@@ -245,7 +246,7 @@
           <a:p>
             <a:fld id="{ABBA60E4-B0CF-4FBE-8AFA-41892E4D6B2A}" type="datetimeFigureOut">
               <a:rPr lang="zh-CN" altLang="en-US" smtClean="0"/>
-              <a:t>2016/3/8</a:t>
+              <a:t>2016/3/10</a:t>
             </a:fld>
             <a:endParaRPr lang="zh-CN" altLang="en-US"/>
           </a:p>
@@ -415,7 +416,7 @@
           <a:p>
             <a:fld id="{ABBA60E4-B0CF-4FBE-8AFA-41892E4D6B2A}" type="datetimeFigureOut">
               <a:rPr lang="zh-CN" altLang="en-US" smtClean="0"/>
-              <a:t>2016/3/8</a:t>
+              <a:t>2016/3/10</a:t>
             </a:fld>
             <a:endParaRPr lang="zh-CN" altLang="en-US"/>
           </a:p>
@@ -595,7 +596,7 @@
           <a:p>
             <a:fld id="{ABBA60E4-B0CF-4FBE-8AFA-41892E4D6B2A}" type="datetimeFigureOut">
               <a:rPr lang="zh-CN" altLang="en-US" smtClean="0"/>
-              <a:t>2016/3/8</a:t>
+              <a:t>2016/3/10</a:t>
             </a:fld>
             <a:endParaRPr lang="zh-CN" altLang="en-US"/>
           </a:p>
@@ -765,7 +766,7 @@
           <a:p>
             <a:fld id="{ABBA60E4-B0CF-4FBE-8AFA-41892E4D6B2A}" type="datetimeFigureOut">
               <a:rPr lang="zh-CN" altLang="en-US" smtClean="0"/>
-              <a:t>2016/3/8</a:t>
+              <a:t>2016/3/10</a:t>
             </a:fld>
             <a:endParaRPr lang="zh-CN" altLang="en-US"/>
           </a:p>
@@ -1011,7 +1012,7 @@
           <a:p>
             <a:fld id="{ABBA60E4-B0CF-4FBE-8AFA-41892E4D6B2A}" type="datetimeFigureOut">
               <a:rPr lang="zh-CN" altLang="en-US" smtClean="0"/>
-              <a:t>2016/3/8</a:t>
+              <a:t>2016/3/10</a:t>
             </a:fld>
             <a:endParaRPr lang="zh-CN" altLang="en-US"/>
           </a:p>
@@ -1243,7 +1244,7 @@
           <a:p>
             <a:fld id="{ABBA60E4-B0CF-4FBE-8AFA-41892E4D6B2A}" type="datetimeFigureOut">
               <a:rPr lang="zh-CN" altLang="en-US" smtClean="0"/>
-              <a:t>2016/3/8</a:t>
+              <a:t>2016/3/10</a:t>
             </a:fld>
             <a:endParaRPr lang="zh-CN" altLang="en-US"/>
           </a:p>
@@ -1610,7 +1611,7 @@
           <a:p>
             <a:fld id="{ABBA60E4-B0CF-4FBE-8AFA-41892E4D6B2A}" type="datetimeFigureOut">
               <a:rPr lang="zh-CN" altLang="en-US" smtClean="0"/>
-              <a:t>2016/3/8</a:t>
+              <a:t>2016/3/10</a:t>
             </a:fld>
             <a:endParaRPr lang="zh-CN" altLang="en-US"/>
           </a:p>
@@ -1728,7 +1729,7 @@
           <a:p>
             <a:fld id="{ABBA60E4-B0CF-4FBE-8AFA-41892E4D6B2A}" type="datetimeFigureOut">
               <a:rPr lang="zh-CN" altLang="en-US" smtClean="0"/>
-              <a:t>2016/3/8</a:t>
+              <a:t>2016/3/10</a:t>
             </a:fld>
             <a:endParaRPr lang="zh-CN" altLang="en-US"/>
           </a:p>
@@ -1823,7 +1824,7 @@
           <a:p>
             <a:fld id="{ABBA60E4-B0CF-4FBE-8AFA-41892E4D6B2A}" type="datetimeFigureOut">
               <a:rPr lang="zh-CN" altLang="en-US" smtClean="0"/>
-              <a:t>2016/3/8</a:t>
+              <a:t>2016/3/10</a:t>
             </a:fld>
             <a:endParaRPr lang="zh-CN" altLang="en-US"/>
           </a:p>
@@ -2100,7 +2101,7 @@
           <a:p>
             <a:fld id="{ABBA60E4-B0CF-4FBE-8AFA-41892E4D6B2A}" type="datetimeFigureOut">
               <a:rPr lang="zh-CN" altLang="en-US" smtClean="0"/>
-              <a:t>2016/3/8</a:t>
+              <a:t>2016/3/10</a:t>
             </a:fld>
             <a:endParaRPr lang="zh-CN" altLang="en-US"/>
           </a:p>
@@ -2353,7 +2354,7 @@
           <a:p>
             <a:fld id="{ABBA60E4-B0CF-4FBE-8AFA-41892E4D6B2A}" type="datetimeFigureOut">
               <a:rPr lang="zh-CN" altLang="en-US" smtClean="0"/>
-              <a:t>2016/3/8</a:t>
+              <a:t>2016/3/10</a:t>
             </a:fld>
             <a:endParaRPr lang="zh-CN" altLang="en-US"/>
           </a:p>
@@ -2566,7 +2567,7 @@
           <a:p>
             <a:fld id="{ABBA60E4-B0CF-4FBE-8AFA-41892E4D6B2A}" type="datetimeFigureOut">
               <a:rPr lang="zh-CN" altLang="en-US" smtClean="0"/>
-              <a:t>2016/3/8</a:t>
+              <a:t>2016/3/10</a:t>
             </a:fld>
             <a:endParaRPr lang="zh-CN" altLang="en-US"/>
           </a:p>
@@ -8296,6 +8297,43 @@
       </p:grpSpPr>
       <p:sp>
         <p:nvSpPr>
+          <p:cNvPr id="14" name="文本框 13"/>
+          <p:cNvSpPr txBox="1"/>
+          <p:nvPr/>
+        </p:nvSpPr>
+        <p:spPr>
+          <a:xfrm>
+            <a:off x="98079" y="4102893"/>
+            <a:ext cx="1252907" cy="307777"/>
+          </a:xfrm>
+          <a:prstGeom prst="rect">
+            <a:avLst/>
+          </a:prstGeom>
+          <a:solidFill>
+            <a:srgbClr val="FFC000"/>
+          </a:solidFill>
+          <a:ln>
+            <a:solidFill>
+              <a:schemeClr val="tx1"/>
+            </a:solidFill>
+          </a:ln>
+        </p:spPr>
+        <p:txBody>
+          <a:bodyPr wrap="none" rtlCol="0">
+            <a:spAutoFit/>
+          </a:bodyPr>
+          <a:lstStyle/>
+          <a:p>
+            <a:r>
+              <a:rPr lang="en-US" altLang="zh-CN" sz="1400" dirty="0" err="1" smtClean="0"/>
+              <a:t>makeMainWin</a:t>
+            </a:r>
+            <a:endParaRPr lang="zh-CN" altLang="en-US" sz="1400" dirty="0" smtClean="0"/>
+          </a:p>
+        </p:txBody>
+      </p:sp>
+      <p:sp>
+        <p:nvSpPr>
           <p:cNvPr id="19" name="圆角矩形 18"/>
           <p:cNvSpPr/>
           <p:nvPr/>
@@ -8475,8 +8513,8 @@
         </p:nvSpPr>
         <p:spPr>
           <a:xfrm>
-            <a:off x="4934480" y="2029952"/>
-            <a:ext cx="857927" cy="307777"/>
+            <a:off x="5335924" y="2029952"/>
+            <a:ext cx="1287468" cy="738664"/>
           </a:xfrm>
           <a:prstGeom prst="rect">
             <a:avLst/>
@@ -8498,7 +8536,21 @@
               <a:rPr lang="en-US" altLang="zh-CN" sz="1400" dirty="0" err="1" smtClean="0"/>
               <a:t>MainWin</a:t>
             </a:r>
-            <a:endParaRPr lang="zh-CN" altLang="en-US" sz="1400" dirty="0" smtClean="0"/>
+            <a:endParaRPr lang="en-US" altLang="zh-CN" sz="1400" dirty="0" smtClean="0"/>
+          </a:p>
+          <a:p>
+            <a:r>
+              <a:rPr lang="en-US" altLang="zh-CN" sz="1400" dirty="0" err="1" smtClean="0"/>
+              <a:t>BindToolbarEvt</a:t>
+            </a:r>
+            <a:endParaRPr lang="en-US" altLang="zh-CN" sz="1400" dirty="0" smtClean="0"/>
+          </a:p>
+          <a:p>
+            <a:r>
+              <a:rPr lang="en-US" altLang="zh-CN" sz="1400" dirty="0" err="1" smtClean="0"/>
+              <a:t>regSearcher</a:t>
+            </a:r>
+            <a:endParaRPr lang="en-US" altLang="zh-CN" sz="1400" dirty="0" smtClean="0"/>
           </a:p>
         </p:txBody>
       </p:sp>
@@ -8511,7 +8563,7 @@
         <p:spPr>
           <a:xfrm>
             <a:off x="1644537" y="2033669"/>
-            <a:ext cx="903517" cy="307777"/>
+            <a:ext cx="903517" cy="523220"/>
           </a:xfrm>
           <a:prstGeom prst="rect">
             <a:avLst/>
@@ -8533,6 +8585,13 @@
               <a:rPr lang="en-US" altLang="zh-CN" sz="1400" dirty="0" err="1" smtClean="0"/>
               <a:t>HtmlView</a:t>
             </a:r>
+            <a:endParaRPr lang="en-US" altLang="zh-CN" sz="1400" dirty="0" smtClean="0"/>
+          </a:p>
+          <a:p>
+            <a:r>
+              <a:rPr lang="en-US" altLang="zh-CN" sz="1400" dirty="0" err="1" smtClean="0"/>
+              <a:t>regTagClk</a:t>
+            </a:r>
             <a:endParaRPr lang="zh-CN" altLang="en-US" sz="1400" dirty="0" smtClean="0"/>
           </a:p>
         </p:txBody>
@@ -8581,7 +8640,7 @@
         <p:spPr>
           <a:xfrm>
             <a:off x="3879665" y="2029952"/>
-            <a:ext cx="792525" cy="307777"/>
+            <a:ext cx="1366721" cy="3539430"/>
           </a:xfrm>
           <a:prstGeom prst="rect">
             <a:avLst/>
@@ -8605,6 +8664,94 @@
               <a:rPr lang="en-US" altLang="zh-CN" sz="1400" dirty="0" err="1" smtClean="0"/>
               <a:t>ListView</a:t>
             </a:r>
+            <a:endParaRPr lang="en-US" altLang="zh-CN" sz="1400" dirty="0" smtClean="0"/>
+          </a:p>
+          <a:p>
+            <a:r>
+              <a:rPr lang="en-US" altLang="zh-CN" sz="1400" dirty="0" smtClean="0"/>
+              <a:t>columns</a:t>
+            </a:r>
+          </a:p>
+          <a:p>
+            <a:r>
+              <a:rPr lang="en-US" altLang="zh-CN" sz="1400" dirty="0" err="1" smtClean="0"/>
+              <a:t>allItemDataMap</a:t>
+            </a:r>
+            <a:endParaRPr lang="en-US" altLang="zh-CN" sz="1400" dirty="0" smtClean="0"/>
+          </a:p>
+          <a:p>
+            <a:r>
+              <a:rPr lang="en-US" altLang="zh-CN" sz="1400" dirty="0" err="1" smtClean="0"/>
+              <a:t>itemDataMap</a:t>
+            </a:r>
+            <a:endParaRPr lang="en-US" altLang="zh-CN" sz="1400" dirty="0" smtClean="0"/>
+          </a:p>
+          <a:p>
+            <a:endParaRPr lang="en-US" altLang="zh-CN" sz="1400" dirty="0"/>
+          </a:p>
+          <a:p>
+            <a:r>
+              <a:rPr lang="en-US" altLang="zh-CN" sz="1400" dirty="0" err="1" smtClean="0"/>
+              <a:t>addRow</a:t>
+            </a:r>
+            <a:endParaRPr lang="en-US" altLang="zh-CN" sz="1400" dirty="0" smtClean="0"/>
+          </a:p>
+          <a:p>
+            <a:r>
+              <a:rPr lang="en-US" altLang="zh-CN" sz="1400" dirty="0" err="1" smtClean="0"/>
+              <a:t>showRow</a:t>
+            </a:r>
+            <a:endParaRPr lang="en-US" altLang="zh-CN" sz="1400" dirty="0" smtClean="0"/>
+          </a:p>
+          <a:p>
+            <a:r>
+              <a:rPr lang="en-US" altLang="zh-CN" sz="1400" dirty="0" err="1" smtClean="0"/>
+              <a:t>showAll</a:t>
+            </a:r>
+            <a:endParaRPr lang="en-US" altLang="zh-CN" sz="1400" dirty="0" smtClean="0"/>
+          </a:p>
+          <a:p>
+            <a:endParaRPr lang="en-US" altLang="zh-CN" sz="1400" dirty="0"/>
+          </a:p>
+          <a:p>
+            <a:r>
+              <a:rPr lang="en-US" altLang="zh-CN" sz="1400" dirty="0" err="1" smtClean="0"/>
+              <a:t>modRow</a:t>
+            </a:r>
+            <a:endParaRPr lang="en-US" altLang="zh-CN" sz="1400" dirty="0" smtClean="0"/>
+          </a:p>
+          <a:p>
+            <a:r>
+              <a:rPr lang="en-US" altLang="zh-CN" sz="1400" dirty="0" err="1" smtClean="0"/>
+              <a:t>modRowByExec</a:t>
+            </a:r>
+            <a:endParaRPr lang="en-US" altLang="zh-CN" sz="1400" dirty="0" smtClean="0"/>
+          </a:p>
+          <a:p>
+            <a:endParaRPr lang="en-US" altLang="zh-CN" sz="1400" dirty="0"/>
+          </a:p>
+          <a:p>
+            <a:r>
+              <a:rPr lang="en-US" altLang="zh-CN" sz="1400" dirty="0" err="1" smtClean="0"/>
+              <a:t>delRow</a:t>
+            </a:r>
+            <a:endParaRPr lang="en-US" altLang="zh-CN" sz="1400" dirty="0" smtClean="0"/>
+          </a:p>
+          <a:p>
+            <a:endParaRPr lang="en-US" altLang="zh-CN" sz="1400" dirty="0"/>
+          </a:p>
+          <a:p>
+            <a:r>
+              <a:rPr lang="en-US" altLang="zh-CN" sz="1400" dirty="0" err="1" smtClean="0"/>
+              <a:t>hideRow</a:t>
+            </a:r>
+            <a:endParaRPr lang="en-US" altLang="zh-CN" sz="1400" dirty="0" smtClean="0"/>
+          </a:p>
+          <a:p>
+            <a:r>
+              <a:rPr lang="en-US" altLang="zh-CN" sz="1400" dirty="0" smtClean="0"/>
+              <a:t>clear</a:t>
+            </a:r>
             <a:endParaRPr lang="zh-CN" altLang="en-US" sz="1400" dirty="0" smtClean="0"/>
           </a:p>
         </p:txBody>
@@ -8762,7 +8909,7 @@
         <p:spPr>
           <a:xfrm>
             <a:off x="9351708" y="2717176"/>
-            <a:ext cx="1252907" cy="307777"/>
+            <a:ext cx="1252907" cy="523220"/>
           </a:xfrm>
           <a:prstGeom prst="rect">
             <a:avLst/>
@@ -8784,42 +8931,12 @@
               <a:rPr lang="en-US" altLang="zh-CN" sz="1400" dirty="0" err="1" smtClean="0"/>
               <a:t>FileDropTarget</a:t>
             </a:r>
-            <a:endParaRPr lang="zh-CN" altLang="en-US" sz="1400" dirty="0" smtClean="0"/>
-          </a:p>
-        </p:txBody>
-      </p:sp>
-      <p:sp>
-        <p:nvSpPr>
-          <p:cNvPr id="14" name="文本框 13"/>
-          <p:cNvSpPr txBox="1"/>
-          <p:nvPr/>
-        </p:nvSpPr>
-        <p:spPr>
-          <a:xfrm>
-            <a:off x="98079" y="4102893"/>
-            <a:ext cx="1252907" cy="307777"/>
-          </a:xfrm>
-          <a:prstGeom prst="rect">
-            <a:avLst/>
-          </a:prstGeom>
-          <a:solidFill>
-            <a:srgbClr val="FFC000"/>
-          </a:solidFill>
-          <a:ln>
-            <a:solidFill>
-              <a:schemeClr val="tx1"/>
-            </a:solidFill>
-          </a:ln>
-        </p:spPr>
-        <p:txBody>
-          <a:bodyPr wrap="none" rtlCol="0">
-            <a:spAutoFit/>
-          </a:bodyPr>
-          <a:lstStyle/>
+            <a:endParaRPr lang="en-US" altLang="zh-CN" sz="1400" dirty="0" smtClean="0"/>
+          </a:p>
           <a:p>
             <a:r>
               <a:rPr lang="en-US" altLang="zh-CN" sz="1400" dirty="0" err="1" smtClean="0"/>
-              <a:t>makeMainWin</a:t>
+              <a:t>regPathAdd</a:t>
             </a:r>
             <a:endParaRPr lang="zh-CN" altLang="en-US" sz="1400" dirty="0" smtClean="0"/>
           </a:p>
@@ -8860,10 +8977,2240 @@
           </a:p>
         </p:txBody>
       </p:sp>
+      <p:sp>
+        <p:nvSpPr>
+          <p:cNvPr id="2" name="文本框 1"/>
+          <p:cNvSpPr txBox="1"/>
+          <p:nvPr/>
+        </p:nvSpPr>
+        <p:spPr>
+          <a:xfrm>
+            <a:off x="5058636" y="3082934"/>
+            <a:ext cx="1072025" cy="2462213"/>
+          </a:xfrm>
+          <a:prstGeom prst="rect">
+            <a:avLst/>
+          </a:prstGeom>
+          <a:noFill/>
+          <a:ln>
+            <a:solidFill>
+              <a:schemeClr val="tx1"/>
+            </a:solidFill>
+          </a:ln>
+        </p:spPr>
+        <p:txBody>
+          <a:bodyPr wrap="none" rtlCol="0">
+            <a:spAutoFit/>
+          </a:bodyPr>
+          <a:lstStyle/>
+          <a:p>
+            <a:r>
+              <a:rPr lang="en-US" altLang="zh-CN" sz="1400" dirty="0" smtClean="0"/>
+              <a:t>all/item/List</a:t>
+            </a:r>
+          </a:p>
+          <a:p>
+            <a:r>
+              <a:rPr lang="en-US" altLang="zh-CN" sz="1400" dirty="0" smtClean="0"/>
+              <a:t>Item/List</a:t>
+            </a:r>
+          </a:p>
+          <a:p>
+            <a:r>
+              <a:rPr lang="en-US" altLang="zh-CN" sz="1400" dirty="0" smtClean="0"/>
+              <a:t>@</a:t>
+            </a:r>
+            <a:r>
+              <a:rPr lang="en-US" altLang="zh-CN" sz="1400" dirty="0" err="1" smtClean="0"/>
+              <a:t>showRow</a:t>
+            </a:r>
+            <a:endParaRPr lang="en-US" altLang="zh-CN" sz="1400" dirty="0" smtClean="0"/>
+          </a:p>
+          <a:p>
+            <a:endParaRPr lang="en-US" altLang="zh-CN" sz="1400" dirty="0"/>
+          </a:p>
+          <a:p>
+            <a:r>
+              <a:rPr lang="en-US" altLang="zh-CN" sz="1400" dirty="0" smtClean="0"/>
+              <a:t>all/List</a:t>
+            </a:r>
+          </a:p>
+          <a:p>
+            <a:r>
+              <a:rPr lang="en-US" altLang="zh-CN" sz="1400" dirty="0" smtClean="0"/>
+              <a:t>all/List</a:t>
+            </a:r>
+            <a:endParaRPr lang="en-US" altLang="zh-CN" sz="1400" dirty="0" smtClean="0"/>
+          </a:p>
+          <a:p>
+            <a:endParaRPr lang="en-US" altLang="zh-CN" sz="1400" dirty="0"/>
+          </a:p>
+          <a:p>
+            <a:r>
+              <a:rPr lang="en-US" altLang="zh-CN" sz="1400" dirty="0" smtClean="0"/>
+              <a:t>all/item/List</a:t>
+            </a:r>
+          </a:p>
+          <a:p>
+            <a:endParaRPr lang="en-US" altLang="zh-CN" sz="1400" dirty="0"/>
+          </a:p>
+          <a:p>
+            <a:r>
+              <a:rPr lang="en-US" altLang="zh-CN" sz="1400" dirty="0" smtClean="0"/>
+              <a:t>Item/List</a:t>
+            </a:r>
+          </a:p>
+          <a:p>
+            <a:r>
+              <a:rPr lang="en-US" altLang="zh-CN" sz="1400" dirty="0" smtClean="0"/>
+              <a:t>all/item/List</a:t>
+            </a:r>
+            <a:endParaRPr lang="zh-CN" altLang="en-US" sz="1400" dirty="0" smtClean="0"/>
+          </a:p>
+        </p:txBody>
+      </p:sp>
+      <p:sp>
+        <p:nvSpPr>
+          <p:cNvPr id="18" name="文本框 17"/>
+          <p:cNvSpPr txBox="1"/>
+          <p:nvPr/>
+        </p:nvSpPr>
+        <p:spPr>
+          <a:xfrm>
+            <a:off x="1139629" y="3642733"/>
+            <a:ext cx="2764475" cy="1815882"/>
+          </a:xfrm>
+          <a:prstGeom prst="rect">
+            <a:avLst/>
+          </a:prstGeom>
+          <a:noFill/>
+          <a:ln>
+            <a:solidFill>
+              <a:schemeClr val="tx1"/>
+            </a:solidFill>
+          </a:ln>
+        </p:spPr>
+        <p:txBody>
+          <a:bodyPr wrap="none" rtlCol="0">
+            <a:spAutoFit/>
+          </a:bodyPr>
+          <a:lstStyle/>
+          <a:p>
+            <a:r>
+              <a:rPr lang="en-US" altLang="zh-CN" sz="1400" dirty="0" err="1" smtClean="0"/>
+              <a:t>View.Bind</a:t>
+            </a:r>
+            <a:r>
+              <a:rPr lang="en-US" altLang="zh-CN" sz="1400" dirty="0" smtClean="0"/>
+              <a:t>/</a:t>
+            </a:r>
+            <a:r>
+              <a:rPr lang="en-US" altLang="zh-CN" sz="1400" dirty="0" err="1" smtClean="0"/>
+              <a:t>BindToolbarEvt</a:t>
+            </a:r>
+            <a:endParaRPr lang="en-US" altLang="zh-CN" sz="1400" dirty="0" smtClean="0"/>
+          </a:p>
+          <a:p>
+            <a:r>
+              <a:rPr lang="en-US" altLang="zh-CN" sz="1400" dirty="0" err="1" smtClean="0"/>
+              <a:t>FileDropTarget</a:t>
+            </a:r>
+            <a:r>
+              <a:rPr lang="en-US" altLang="zh-CN" sz="1400" dirty="0" smtClean="0"/>
+              <a:t>/</a:t>
+            </a:r>
+            <a:r>
+              <a:rPr lang="en-US" altLang="zh-CN" sz="1400" dirty="0" err="1" smtClean="0"/>
+              <a:t>mainWin</a:t>
+            </a:r>
+            <a:r>
+              <a:rPr lang="en-US" altLang="zh-CN" sz="1400" dirty="0" smtClean="0"/>
+              <a:t>/view2.reg</a:t>
+            </a:r>
+          </a:p>
+          <a:p>
+            <a:endParaRPr lang="en-US" altLang="zh-CN" sz="1400" dirty="0"/>
+          </a:p>
+          <a:p>
+            <a:r>
+              <a:rPr lang="en-US" altLang="zh-CN" sz="1400" dirty="0" err="1" smtClean="0"/>
+              <a:t>pathView</a:t>
+            </a:r>
+            <a:r>
+              <a:rPr lang="en-US" altLang="zh-CN" sz="1400" dirty="0" smtClean="0"/>
+              <a:t>/</a:t>
+            </a:r>
+            <a:r>
+              <a:rPr lang="en-US" altLang="zh-CN" sz="1400" dirty="0" err="1" smtClean="0"/>
+              <a:t>itemView.addRow</a:t>
+            </a:r>
+            <a:endParaRPr lang="en-US" altLang="zh-CN" sz="1400" dirty="0" smtClean="0"/>
+          </a:p>
+          <a:p>
+            <a:endParaRPr lang="en-US" altLang="zh-CN" sz="1400" dirty="0"/>
+          </a:p>
+          <a:p>
+            <a:r>
+              <a:rPr lang="en-US" altLang="zh-CN" sz="1400" dirty="0" smtClean="0"/>
+              <a:t>Repaint</a:t>
+            </a:r>
+          </a:p>
+          <a:p>
+            <a:endParaRPr lang="en-US" altLang="zh-CN" sz="1400" dirty="0"/>
+          </a:p>
+          <a:p>
+            <a:r>
+              <a:rPr lang="en-US" altLang="zh-CN" sz="1400" dirty="0" err="1" smtClean="0"/>
+              <a:t>addChild</a:t>
+            </a:r>
+            <a:r>
+              <a:rPr lang="en-US" altLang="zh-CN" sz="1400" dirty="0" smtClean="0"/>
+              <a:t>(view3, view4)</a:t>
+            </a:r>
+            <a:endParaRPr lang="zh-CN" altLang="en-US" sz="1400" dirty="0" smtClean="0"/>
+          </a:p>
+        </p:txBody>
+      </p:sp>
     </p:spTree>
     <p:extLst>
       <p:ext uri="{BB962C8B-B14F-4D97-AF65-F5344CB8AC3E}">
         <p14:creationId xmlns:p14="http://schemas.microsoft.com/office/powerpoint/2010/main" val="2351776844"/>
+      </p:ext>
+    </p:extLst>
+  </p:cSld>
+  <p:clrMapOvr>
+    <a:masterClrMapping/>
+  </p:clrMapOvr>
+</p:sld>
+</file>
+
+<file path=ppt/slides/slide4.xml><?xml version="1.0" encoding="utf-8"?>
+<p:sld xmlns:a="http://schemas.openxmlformats.org/drawingml/2006/main" xmlns:r="http://schemas.openxmlformats.org/officeDocument/2006/relationships" xmlns:p="http://schemas.openxmlformats.org/presentationml/2006/main">
+  <p:cSld>
+    <p:spTree>
+      <p:nvGrpSpPr>
+        <p:cNvPr id="1" name=""/>
+        <p:cNvGrpSpPr/>
+        <p:nvPr/>
+      </p:nvGrpSpPr>
+      <p:grpSpPr>
+        <a:xfrm>
+          <a:off x="0" y="0"/>
+          <a:ext cx="0" cy="0"/>
+          <a:chOff x="0" y="0"/>
+          <a:chExt cx="0" cy="0"/>
+        </a:xfrm>
+      </p:grpSpPr>
+      <p:graphicFrame>
+        <p:nvGraphicFramePr>
+          <p:cNvPr id="9" name="表格 8"/>
+          <p:cNvGraphicFramePr>
+            <a:graphicFrameLocks noGrp="1"/>
+          </p:cNvGraphicFramePr>
+          <p:nvPr>
+            <p:extLst>
+              <p:ext uri="{D42A27DB-BD31-4B8C-83A1-F6EECF244321}">
+                <p14:modId xmlns:p14="http://schemas.microsoft.com/office/powerpoint/2010/main" val="3313833521"/>
+              </p:ext>
+            </p:extLst>
+          </p:nvPr>
+        </p:nvGraphicFramePr>
+        <p:xfrm>
+          <a:off x="278783" y="-491"/>
+          <a:ext cx="11630718" cy="6842760"/>
+        </p:xfrm>
+        <a:graphic>
+          <a:graphicData uri="http://schemas.openxmlformats.org/drawingml/2006/table">
+            <a:tbl>
+              <a:tblPr firstRow="1" bandRow="1">
+                <a:tableStyleId>{5C22544A-7EE6-4342-B048-85BDC9FD1C3A}</a:tableStyleId>
+              </a:tblPr>
+              <a:tblGrid>
+                <a:gridCol w="2969546"/>
+                <a:gridCol w="1591300"/>
+                <a:gridCol w="1069256"/>
+                <a:gridCol w="1317105"/>
+                <a:gridCol w="971581"/>
+                <a:gridCol w="1237310"/>
+                <a:gridCol w="1237310"/>
+                <a:gridCol w="1237310"/>
+              </a:tblGrid>
+              <a:tr h="370840">
+                <a:tc>
+                  <a:txBody>
+                    <a:bodyPr/>
+                    <a:lstStyle/>
+                    <a:p>
+                      <a:r>
+                        <a:rPr lang="en-US" altLang="zh-CN" dirty="0" smtClean="0"/>
+                        <a:t>Operation</a:t>
+                      </a:r>
+                      <a:endParaRPr lang="zh-CN" altLang="en-US" dirty="0"/>
+                    </a:p>
+                  </a:txBody>
+                  <a:tcPr anchor="ctr"/>
+                </a:tc>
+                <a:tc>
+                  <a:txBody>
+                    <a:bodyPr/>
+                    <a:lstStyle/>
+                    <a:p>
+                      <a:r>
+                        <a:rPr lang="en-US" altLang="zh-CN" dirty="0" smtClean="0"/>
+                        <a:t>Model/</a:t>
+                      </a:r>
+                      <a:r>
+                        <a:rPr lang="en-US" altLang="zh-CN" dirty="0" err="1" smtClean="0"/>
+                        <a:t>EvtH</a:t>
+                      </a:r>
+                      <a:endParaRPr lang="zh-CN" altLang="en-US" dirty="0"/>
+                    </a:p>
+                  </a:txBody>
+                  <a:tcPr anchor="ctr"/>
+                </a:tc>
+                <a:tc>
+                  <a:txBody>
+                    <a:bodyPr/>
+                    <a:lstStyle/>
+                    <a:p>
+                      <a:r>
+                        <a:rPr lang="en-US" altLang="zh-CN" dirty="0" err="1" smtClean="0"/>
+                        <a:t>EvtH</a:t>
+                      </a:r>
+                      <a:endParaRPr lang="zh-CN" altLang="en-US" dirty="0"/>
+                    </a:p>
+                  </a:txBody>
+                  <a:tcPr anchor="ctr"/>
+                </a:tc>
+                <a:tc>
+                  <a:txBody>
+                    <a:bodyPr/>
+                    <a:lstStyle/>
+                    <a:p>
+                      <a:r>
+                        <a:rPr lang="en-US" altLang="zh-CN" dirty="0" smtClean="0"/>
+                        <a:t>View/</a:t>
+                      </a:r>
+                      <a:r>
+                        <a:rPr lang="en-US" altLang="zh-CN" dirty="0" err="1" smtClean="0"/>
+                        <a:t>EvtH</a:t>
+                      </a:r>
+                      <a:endParaRPr lang="zh-CN" altLang="en-US" dirty="0"/>
+                    </a:p>
+                  </a:txBody>
+                  <a:tcPr anchor="ctr"/>
+                </a:tc>
+                <a:tc>
+                  <a:txBody>
+                    <a:bodyPr/>
+                    <a:lstStyle/>
+                    <a:p>
+                      <a:r>
+                        <a:rPr lang="en-US" altLang="zh-CN" dirty="0" err="1" smtClean="0"/>
+                        <a:t>EvtH</a:t>
+                      </a:r>
+                      <a:endParaRPr lang="zh-CN" altLang="en-US" dirty="0"/>
+                    </a:p>
+                  </a:txBody>
+                  <a:tcPr anchor="ctr"/>
+                </a:tc>
+                <a:tc>
+                  <a:txBody>
+                    <a:bodyPr/>
+                    <a:lstStyle/>
+                    <a:p>
+                      <a:r>
+                        <a:rPr lang="en-US" altLang="zh-CN" dirty="0" smtClean="0"/>
+                        <a:t>Model</a:t>
+                      </a:r>
+                      <a:endParaRPr lang="zh-CN" altLang="en-US" dirty="0"/>
+                    </a:p>
+                  </a:txBody>
+                  <a:tcPr anchor="ctr"/>
+                </a:tc>
+                <a:tc>
+                  <a:txBody>
+                    <a:bodyPr/>
+                    <a:lstStyle/>
+                    <a:p>
+                      <a:r>
+                        <a:rPr lang="en-US" altLang="zh-CN" dirty="0" err="1" smtClean="0"/>
+                        <a:t>EvtH</a:t>
+                      </a:r>
+                      <a:endParaRPr lang="zh-CN" altLang="en-US" dirty="0"/>
+                    </a:p>
+                  </a:txBody>
+                  <a:tcPr anchor="ctr"/>
+                </a:tc>
+                <a:tc>
+                  <a:txBody>
+                    <a:bodyPr/>
+                    <a:lstStyle/>
+                    <a:p>
+                      <a:endParaRPr lang="zh-CN" altLang="en-US" dirty="0">
+                        <a:solidFill>
+                          <a:srgbClr val="FF0000"/>
+                        </a:solidFill>
+                      </a:endParaRPr>
+                    </a:p>
+                  </a:txBody>
+                  <a:tcPr anchor="ctr"/>
+                </a:tc>
+              </a:tr>
+              <a:tr h="370840">
+                <a:tc>
+                  <a:txBody>
+                    <a:bodyPr/>
+                    <a:lstStyle/>
+                    <a:p>
+                      <a:pPr marL="0" algn="l" defTabSz="914400" rtl="0" eaLnBrk="1" latinLnBrk="0" hangingPunct="1"/>
+                      <a:r>
+                        <a:rPr lang="en-US" altLang="zh-CN" sz="1800" kern="1200" dirty="0" smtClean="0">
+                          <a:solidFill>
+                            <a:schemeClr val="dk1"/>
+                          </a:solidFill>
+                          <a:latin typeface="+mn-lt"/>
+                          <a:ea typeface="+mn-ea"/>
+                          <a:cs typeface="+mn-cs"/>
+                        </a:rPr>
+                        <a:t>Edit</a:t>
+                      </a:r>
+                      <a:endParaRPr lang="zh-CN" altLang="en-US" sz="1800" kern="1200" dirty="0">
+                        <a:solidFill>
+                          <a:schemeClr val="dk1"/>
+                        </a:solidFill>
+                        <a:latin typeface="+mn-lt"/>
+                        <a:ea typeface="+mn-ea"/>
+                        <a:cs typeface="+mn-cs"/>
+                      </a:endParaRPr>
+                    </a:p>
+                  </a:txBody>
+                  <a:tcPr anchor="ctr">
+                    <a:solidFill>
+                      <a:srgbClr val="D2DEEF"/>
+                    </a:solidFill>
+                  </a:tcPr>
+                </a:tc>
+                <a:tc gridSpan="2">
+                  <a:txBody>
+                    <a:bodyPr/>
+                    <a:lstStyle/>
+                    <a:p>
+                      <a:r>
+                        <a:rPr lang="en-US" altLang="zh-CN" sz="1800" kern="1200" dirty="0" err="1" smtClean="0">
+                          <a:solidFill>
+                            <a:schemeClr val="dk1"/>
+                          </a:solidFill>
+                          <a:latin typeface="+mn-lt"/>
+                          <a:ea typeface="+mn-ea"/>
+                          <a:cs typeface="+mn-cs"/>
+                        </a:rPr>
+                        <a:t>modRow</a:t>
+                      </a:r>
+                      <a:endParaRPr lang="zh-CN" altLang="en-US" sz="1800" kern="1200" dirty="0">
+                        <a:solidFill>
+                          <a:schemeClr val="dk1"/>
+                        </a:solidFill>
+                        <a:latin typeface="+mn-lt"/>
+                        <a:ea typeface="+mn-ea"/>
+                        <a:cs typeface="+mn-cs"/>
+                      </a:endParaRPr>
+                    </a:p>
+                  </a:txBody>
+                  <a:tcPr anchor="ctr"/>
+                </a:tc>
+                <a:tc hMerge="1">
+                  <a:txBody>
+                    <a:bodyPr/>
+                    <a:lstStyle/>
+                    <a:p>
+                      <a:endParaRPr lang="zh-CN" altLang="en-US"/>
+                    </a:p>
+                  </a:txBody>
+                  <a:tcPr/>
+                </a:tc>
+                <a:tc>
+                  <a:txBody>
+                    <a:bodyPr/>
+                    <a:lstStyle/>
+                    <a:p>
+                      <a:endParaRPr lang="zh-CN" altLang="en-US"/>
+                    </a:p>
+                  </a:txBody>
+                  <a:tcPr anchor="ctr"/>
+                </a:tc>
+                <a:tc>
+                  <a:txBody>
+                    <a:bodyPr/>
+                    <a:lstStyle/>
+                    <a:p>
+                      <a:endParaRPr lang="zh-CN" altLang="en-US"/>
+                    </a:p>
+                  </a:txBody>
+                  <a:tcPr anchor="ctr"/>
+                </a:tc>
+                <a:tc>
+                  <a:txBody>
+                    <a:bodyPr/>
+                    <a:lstStyle/>
+                    <a:p>
+                      <a:r>
+                        <a:rPr lang="en-US" altLang="zh-CN" sz="1800" kern="1200" dirty="0" err="1" smtClean="0">
+                          <a:solidFill>
+                            <a:schemeClr val="dk1"/>
+                          </a:solidFill>
+                          <a:latin typeface="+mn-lt"/>
+                          <a:ea typeface="+mn-ea"/>
+                          <a:cs typeface="+mn-cs"/>
+                        </a:rPr>
+                        <a:t>saveI</a:t>
+                      </a:r>
+                      <a:endParaRPr lang="zh-CN" altLang="en-US" sz="1800" kern="1200" dirty="0">
+                        <a:solidFill>
+                          <a:schemeClr val="dk1"/>
+                        </a:solidFill>
+                        <a:latin typeface="+mn-lt"/>
+                        <a:ea typeface="+mn-ea"/>
+                        <a:cs typeface="+mn-cs"/>
+                      </a:endParaRPr>
+                    </a:p>
+                  </a:txBody>
+                  <a:tcPr anchor="ctr"/>
+                </a:tc>
+                <a:tc>
+                  <a:txBody>
+                    <a:bodyPr/>
+                    <a:lstStyle/>
+                    <a:p>
+                      <a:endParaRPr lang="zh-CN" altLang="en-US" sz="1800" kern="1200" dirty="0">
+                        <a:solidFill>
+                          <a:schemeClr val="dk1"/>
+                        </a:solidFill>
+                        <a:latin typeface="+mn-lt"/>
+                        <a:ea typeface="+mn-ea"/>
+                        <a:cs typeface="+mn-cs"/>
+                      </a:endParaRPr>
+                    </a:p>
+                  </a:txBody>
+                  <a:tcPr anchor="ctr"/>
+                </a:tc>
+                <a:tc>
+                  <a:txBody>
+                    <a:bodyPr/>
+                    <a:lstStyle/>
+                    <a:p>
+                      <a:endParaRPr lang="zh-CN" altLang="en-US" sz="1800" kern="1200" dirty="0">
+                        <a:solidFill>
+                          <a:schemeClr val="dk1"/>
+                        </a:solidFill>
+                        <a:latin typeface="+mn-lt"/>
+                        <a:ea typeface="+mn-ea"/>
+                        <a:cs typeface="+mn-cs"/>
+                      </a:endParaRPr>
+                    </a:p>
+                  </a:txBody>
+                  <a:tcPr anchor="ctr"/>
+                </a:tc>
+              </a:tr>
+              <a:tr h="370840">
+                <a:tc>
+                  <a:txBody>
+                    <a:bodyPr/>
+                    <a:lstStyle/>
+                    <a:p>
+                      <a:r>
+                        <a:rPr lang="en-US" altLang="zh-CN" dirty="0" smtClean="0"/>
+                        <a:t>F4: Edit</a:t>
+                      </a:r>
+                      <a:endParaRPr lang="zh-CN" altLang="en-US" dirty="0"/>
+                    </a:p>
+                  </a:txBody>
+                  <a:tcPr anchor="ctr">
+                    <a:solidFill>
+                      <a:schemeClr val="accent2"/>
+                    </a:solidFill>
+                  </a:tcPr>
+                </a:tc>
+                <a:tc gridSpan="2">
+                  <a:txBody>
+                    <a:bodyPr/>
+                    <a:lstStyle/>
+                    <a:p>
+                      <a:r>
+                        <a:rPr lang="en-US" altLang="zh-CN" dirty="0" err="1" smtClean="0"/>
+                        <a:t>modRowByExe</a:t>
+                      </a:r>
+                      <a:endParaRPr lang="zh-CN" altLang="en-US" dirty="0"/>
+                    </a:p>
+                  </a:txBody>
+                  <a:tcPr anchor="ctr"/>
+                </a:tc>
+                <a:tc hMerge="1">
+                  <a:txBody>
+                    <a:bodyPr/>
+                    <a:lstStyle/>
+                    <a:p>
+                      <a:endParaRPr lang="zh-CN" altLang="en-US"/>
+                    </a:p>
+                  </a:txBody>
+                  <a:tcPr/>
+                </a:tc>
+                <a:tc>
+                  <a:txBody>
+                    <a:bodyPr/>
+                    <a:lstStyle/>
+                    <a:p>
+                      <a:endParaRPr lang="zh-CN" altLang="en-US"/>
+                    </a:p>
+                  </a:txBody>
+                  <a:tcPr anchor="ctr"/>
+                </a:tc>
+                <a:tc>
+                  <a:txBody>
+                    <a:bodyPr/>
+                    <a:lstStyle/>
+                    <a:p>
+                      <a:endParaRPr lang="zh-CN" altLang="en-US"/>
+                    </a:p>
+                  </a:txBody>
+                  <a:tcPr anchor="ctr"/>
+                </a:tc>
+                <a:tc>
+                  <a:txBody>
+                    <a:bodyPr/>
+                    <a:lstStyle/>
+                    <a:p>
+                      <a:r>
+                        <a:rPr lang="en-US" altLang="zh-CN" dirty="0" err="1" smtClean="0"/>
+                        <a:t>saveI</a:t>
+                      </a:r>
+                      <a:endParaRPr lang="zh-CN" altLang="en-US" dirty="0"/>
+                    </a:p>
+                  </a:txBody>
+                  <a:tcPr anchor="ctr"/>
+                </a:tc>
+                <a:tc>
+                  <a:txBody>
+                    <a:bodyPr/>
+                    <a:lstStyle/>
+                    <a:p>
+                      <a:endParaRPr lang="zh-CN" altLang="en-US" dirty="0"/>
+                    </a:p>
+                  </a:txBody>
+                  <a:tcPr anchor="ctr"/>
+                </a:tc>
+                <a:tc>
+                  <a:txBody>
+                    <a:bodyPr/>
+                    <a:lstStyle/>
+                    <a:p>
+                      <a:pPr marL="0" marR="0" indent="0" algn="l" defTabSz="914400" rtl="0" eaLnBrk="1" fontAlgn="auto" latinLnBrk="0" hangingPunct="1">
+                        <a:lnSpc>
+                          <a:spcPct val="100000"/>
+                        </a:lnSpc>
+                        <a:spcBef>
+                          <a:spcPts val="0"/>
+                        </a:spcBef>
+                        <a:spcAft>
+                          <a:spcPts val="0"/>
+                        </a:spcAft>
+                        <a:buClrTx/>
+                        <a:buSzTx/>
+                        <a:buFontTx/>
+                        <a:buNone/>
+                        <a:tabLst/>
+                        <a:defRPr/>
+                      </a:pPr>
+                      <a:r>
+                        <a:rPr lang="en-US" altLang="zh-CN" dirty="0" smtClean="0"/>
+                        <a:t>@</a:t>
+                      </a:r>
+                      <a:r>
+                        <a:rPr lang="en-US" altLang="zh-CN" dirty="0" err="1" smtClean="0"/>
+                        <a:t>selRow</a:t>
+                      </a:r>
+                      <a:endParaRPr lang="zh-CN" altLang="en-US" dirty="0" smtClean="0"/>
+                    </a:p>
+                  </a:txBody>
+                  <a:tcPr anchor="ctr"/>
+                </a:tc>
+              </a:tr>
+              <a:tr h="370840">
+                <a:tc>
+                  <a:txBody>
+                    <a:bodyPr/>
+                    <a:lstStyle/>
+                    <a:p>
+                      <a:r>
+                        <a:rPr lang="en-US" altLang="zh-CN" baseline="0" dirty="0" smtClean="0"/>
+                        <a:t>F9: </a:t>
+                      </a:r>
+                      <a:r>
+                        <a:rPr lang="en-US" altLang="zh-CN" baseline="0" dirty="0" err="1" smtClean="0"/>
+                        <a:t>setTag</a:t>
+                      </a:r>
+                      <a:endParaRPr lang="zh-CN" altLang="en-US" dirty="0"/>
+                    </a:p>
+                  </a:txBody>
+                  <a:tcPr anchor="ctr">
+                    <a:solidFill>
+                      <a:schemeClr val="accent2"/>
+                    </a:solidFill>
+                  </a:tcPr>
+                </a:tc>
+                <a:tc>
+                  <a:txBody>
+                    <a:bodyPr/>
+                    <a:lstStyle/>
+                    <a:p>
+                      <a:endParaRPr lang="zh-CN" altLang="en-US" dirty="0"/>
+                    </a:p>
+                  </a:txBody>
+                  <a:tcPr anchor="ctr"/>
+                </a:tc>
+                <a:tc rowSpan="4">
+                  <a:txBody>
+                    <a:bodyPr/>
+                    <a:lstStyle/>
+                    <a:p>
+                      <a:r>
+                        <a:rPr lang="en-US" altLang="zh-CN" dirty="0" smtClean="0"/>
+                        <a:t>_</a:t>
+                      </a:r>
+                      <a:r>
+                        <a:rPr lang="en-US" altLang="zh-CN" dirty="0" err="1" smtClean="0"/>
+                        <a:t>setTags</a:t>
+                      </a:r>
+                      <a:endParaRPr lang="zh-CN" altLang="en-US" dirty="0"/>
+                    </a:p>
+                  </a:txBody>
+                  <a:tcPr anchor="ctr"/>
+                </a:tc>
+                <a:tc>
+                  <a:txBody>
+                    <a:bodyPr/>
+                    <a:lstStyle/>
+                    <a:p>
+                      <a:endParaRPr lang="zh-CN" altLang="en-US" dirty="0"/>
+                    </a:p>
+                  </a:txBody>
+                  <a:tcPr anchor="ctr"/>
+                </a:tc>
+                <a:tc>
+                  <a:txBody>
+                    <a:bodyPr/>
+                    <a:lstStyle/>
+                    <a:p>
+                      <a:endParaRPr lang="zh-CN" altLang="en-US" dirty="0"/>
+                    </a:p>
+                  </a:txBody>
+                  <a:tcPr anchor="ctr"/>
+                </a:tc>
+                <a:tc rowSpan="4">
+                  <a:txBody>
+                    <a:bodyPr/>
+                    <a:lstStyle/>
+                    <a:p>
+                      <a:r>
+                        <a:rPr lang="en-US" altLang="zh-CN" dirty="0" err="1" smtClean="0"/>
+                        <a:t>saveI</a:t>
+                      </a:r>
+                      <a:endParaRPr lang="zh-CN" altLang="en-US" dirty="0"/>
+                    </a:p>
+                  </a:txBody>
+                  <a:tcPr anchor="ctr"/>
+                </a:tc>
+                <a:tc rowSpan="4">
+                  <a:txBody>
+                    <a:bodyPr/>
+                    <a:lstStyle/>
+                    <a:p>
+                      <a:r>
+                        <a:rPr lang="en-US" altLang="zh-CN" dirty="0" smtClean="0"/>
+                        <a:t>repaint</a:t>
+                      </a:r>
+                      <a:endParaRPr lang="zh-CN" altLang="en-US" dirty="0"/>
+                    </a:p>
+                  </a:txBody>
+                  <a:tcPr anchor="ctr"/>
+                </a:tc>
+                <a:tc rowSpan="4">
+                  <a:txBody>
+                    <a:bodyPr/>
+                    <a:lstStyle/>
+                    <a:p>
+                      <a:r>
+                        <a:rPr lang="en-US" altLang="zh-CN" dirty="0" smtClean="0"/>
+                        <a:t>@</a:t>
+                      </a:r>
+                      <a:r>
+                        <a:rPr lang="en-US" altLang="zh-CN" dirty="0" err="1" smtClean="0"/>
+                        <a:t>selRow</a:t>
+                      </a:r>
+                      <a:endParaRPr lang="zh-CN" altLang="en-US" dirty="0"/>
+                    </a:p>
+                  </a:txBody>
+                  <a:tcPr anchor="ctr"/>
+                </a:tc>
+              </a:tr>
+              <a:tr h="370840">
+                <a:tc>
+                  <a:txBody>
+                    <a:bodyPr/>
+                    <a:lstStyle/>
+                    <a:p>
+                      <a:r>
+                        <a:rPr lang="en-US" altLang="zh-CN" dirty="0" smtClean="0"/>
+                        <a:t>F10: </a:t>
+                      </a:r>
+                      <a:r>
+                        <a:rPr lang="en-US" altLang="zh-CN" dirty="0" err="1" smtClean="0"/>
+                        <a:t>autoTag</a:t>
+                      </a:r>
+                      <a:endParaRPr lang="zh-CN" altLang="en-US" dirty="0"/>
+                    </a:p>
+                  </a:txBody>
+                  <a:tcPr anchor="ctr">
+                    <a:solidFill>
+                      <a:schemeClr val="accent2"/>
+                    </a:solidFill>
+                  </a:tcPr>
+                </a:tc>
+                <a:tc>
+                  <a:txBody>
+                    <a:bodyPr/>
+                    <a:lstStyle/>
+                    <a:p>
+                      <a:r>
+                        <a:rPr lang="en-US" altLang="zh-CN" dirty="0" err="1" smtClean="0"/>
+                        <a:t>getExt</a:t>
+                      </a:r>
+                      <a:endParaRPr lang="zh-CN" altLang="en-US" dirty="0"/>
+                    </a:p>
+                  </a:txBody>
+                  <a:tcPr anchor="ctr"/>
+                </a:tc>
+                <a:tc vMerge="1">
+                  <a:txBody>
+                    <a:bodyPr/>
+                    <a:lstStyle/>
+                    <a:p>
+                      <a:endParaRPr lang="zh-CN" altLang="en-US"/>
+                    </a:p>
+                  </a:txBody>
+                  <a:tcPr/>
+                </a:tc>
+                <a:tc>
+                  <a:txBody>
+                    <a:bodyPr/>
+                    <a:lstStyle/>
+                    <a:p>
+                      <a:pPr marL="0" marR="0" indent="0" algn="l" defTabSz="914400" rtl="0" eaLnBrk="1" fontAlgn="auto" latinLnBrk="0" hangingPunct="1">
+                        <a:lnSpc>
+                          <a:spcPct val="100000"/>
+                        </a:lnSpc>
+                        <a:spcBef>
+                          <a:spcPts val="0"/>
+                        </a:spcBef>
+                        <a:spcAft>
+                          <a:spcPts val="0"/>
+                        </a:spcAft>
+                        <a:buClrTx/>
+                        <a:buSzTx/>
+                        <a:buFontTx/>
+                        <a:buNone/>
+                        <a:tabLst/>
+                        <a:defRPr/>
+                      </a:pPr>
+                      <a:endParaRPr lang="zh-CN" altLang="en-US" dirty="0" smtClean="0"/>
+                    </a:p>
+                  </a:txBody>
+                  <a:tcPr anchor="ctr"/>
+                </a:tc>
+                <a:tc>
+                  <a:txBody>
+                    <a:bodyPr/>
+                    <a:lstStyle/>
+                    <a:p>
+                      <a:pPr marL="0" marR="0" indent="0" algn="l" defTabSz="914400" rtl="0" eaLnBrk="1" fontAlgn="auto" latinLnBrk="0" hangingPunct="1">
+                        <a:lnSpc>
+                          <a:spcPct val="100000"/>
+                        </a:lnSpc>
+                        <a:spcBef>
+                          <a:spcPts val="0"/>
+                        </a:spcBef>
+                        <a:spcAft>
+                          <a:spcPts val="0"/>
+                        </a:spcAft>
+                        <a:buClrTx/>
+                        <a:buSzTx/>
+                        <a:buFontTx/>
+                        <a:buNone/>
+                        <a:tabLst/>
+                        <a:defRPr/>
+                      </a:pPr>
+                      <a:endParaRPr lang="zh-CN" altLang="en-US" dirty="0" smtClean="0"/>
+                    </a:p>
+                  </a:txBody>
+                  <a:tcPr anchor="ctr"/>
+                </a:tc>
+                <a:tc vMerge="1">
+                  <a:txBody>
+                    <a:bodyPr/>
+                    <a:lstStyle/>
+                    <a:p>
+                      <a:endParaRPr lang="zh-CN" altLang="en-US" dirty="0"/>
+                    </a:p>
+                  </a:txBody>
+                  <a:tcPr anchor="ctr"/>
+                </a:tc>
+                <a:tc vMerge="1">
+                  <a:txBody>
+                    <a:bodyPr/>
+                    <a:lstStyle/>
+                    <a:p>
+                      <a:endParaRPr lang="zh-CN" altLang="en-US" dirty="0"/>
+                    </a:p>
+                  </a:txBody>
+                  <a:tcPr anchor="ctr"/>
+                </a:tc>
+                <a:tc vMerge="1">
+                  <a:txBody>
+                    <a:bodyPr/>
+                    <a:lstStyle/>
+                    <a:p>
+                      <a:endParaRPr lang="zh-CN" altLang="en-US" dirty="0"/>
+                    </a:p>
+                  </a:txBody>
+                  <a:tcPr anchor="ctr"/>
+                </a:tc>
+              </a:tr>
+              <a:tr h="370840">
+                <a:tc>
+                  <a:txBody>
+                    <a:bodyPr/>
+                    <a:lstStyle/>
+                    <a:p>
+                      <a:r>
+                        <a:rPr lang="en-US" altLang="zh-CN" dirty="0" smtClean="0"/>
+                        <a:t>F11: </a:t>
+                      </a:r>
+                      <a:r>
+                        <a:rPr lang="en-US" altLang="zh-CN" dirty="0" err="1" smtClean="0"/>
+                        <a:t>NewTag</a:t>
+                      </a:r>
+                      <a:endParaRPr lang="zh-CN" altLang="en-US" dirty="0"/>
+                    </a:p>
+                  </a:txBody>
+                  <a:tcPr anchor="ctr">
+                    <a:solidFill>
+                      <a:schemeClr val="accent2"/>
+                    </a:solidFill>
+                  </a:tcPr>
+                </a:tc>
+                <a:tc>
+                  <a:txBody>
+                    <a:bodyPr/>
+                    <a:lstStyle/>
+                    <a:p>
+                      <a:endParaRPr lang="zh-CN" altLang="en-US" dirty="0"/>
+                    </a:p>
+                  </a:txBody>
+                  <a:tcPr anchor="ctr"/>
+                </a:tc>
+                <a:tc vMerge="1">
+                  <a:txBody>
+                    <a:bodyPr/>
+                    <a:lstStyle/>
+                    <a:p>
+                      <a:endParaRPr lang="zh-CN" altLang="en-US"/>
+                    </a:p>
+                  </a:txBody>
+                  <a:tcPr/>
+                </a:tc>
+                <a:tc>
+                  <a:txBody>
+                    <a:bodyPr/>
+                    <a:lstStyle/>
+                    <a:p>
+                      <a:endParaRPr lang="zh-CN" altLang="en-US" dirty="0"/>
+                    </a:p>
+                  </a:txBody>
+                  <a:tcPr anchor="ctr"/>
+                </a:tc>
+                <a:tc>
+                  <a:txBody>
+                    <a:bodyPr/>
+                    <a:lstStyle/>
+                    <a:p>
+                      <a:endParaRPr lang="zh-CN" altLang="en-US" dirty="0"/>
+                    </a:p>
+                  </a:txBody>
+                  <a:tcPr anchor="ctr"/>
+                </a:tc>
+                <a:tc vMerge="1">
+                  <a:txBody>
+                    <a:bodyPr/>
+                    <a:lstStyle/>
+                    <a:p>
+                      <a:endParaRPr lang="zh-CN" altLang="en-US" dirty="0"/>
+                    </a:p>
+                  </a:txBody>
+                  <a:tcPr anchor="ctr"/>
+                </a:tc>
+                <a:tc vMerge="1">
+                  <a:txBody>
+                    <a:bodyPr/>
+                    <a:lstStyle/>
+                    <a:p>
+                      <a:endParaRPr lang="zh-CN" altLang="en-US" dirty="0"/>
+                    </a:p>
+                  </a:txBody>
+                  <a:tcPr anchor="ctr"/>
+                </a:tc>
+                <a:tc vMerge="1">
+                  <a:txBody>
+                    <a:bodyPr/>
+                    <a:lstStyle/>
+                    <a:p>
+                      <a:endParaRPr lang="zh-CN" altLang="en-US" dirty="0"/>
+                    </a:p>
+                  </a:txBody>
+                  <a:tcPr anchor="ctr"/>
+                </a:tc>
+              </a:tr>
+              <a:tr h="370840">
+                <a:tc>
+                  <a:txBody>
+                    <a:bodyPr/>
+                    <a:lstStyle/>
+                    <a:p>
+                      <a:r>
+                        <a:rPr lang="en-US" altLang="zh-CN" dirty="0" smtClean="0"/>
+                        <a:t>F12: </a:t>
+                      </a:r>
+                      <a:r>
+                        <a:rPr lang="en-US" altLang="zh-CN" dirty="0" err="1" smtClean="0"/>
+                        <a:t>DelTag</a:t>
+                      </a:r>
+                      <a:endParaRPr lang="zh-CN" altLang="en-US" dirty="0"/>
+                    </a:p>
+                  </a:txBody>
+                  <a:tcPr anchor="ctr">
+                    <a:solidFill>
+                      <a:schemeClr val="accent2"/>
+                    </a:solidFill>
+                  </a:tcPr>
+                </a:tc>
+                <a:tc>
+                  <a:txBody>
+                    <a:bodyPr/>
+                    <a:lstStyle/>
+                    <a:p>
+                      <a:endParaRPr lang="zh-CN" altLang="en-US" dirty="0"/>
+                    </a:p>
+                  </a:txBody>
+                  <a:tcPr anchor="ctr"/>
+                </a:tc>
+                <a:tc vMerge="1">
+                  <a:txBody>
+                    <a:bodyPr/>
+                    <a:lstStyle/>
+                    <a:p>
+                      <a:endParaRPr lang="zh-CN" altLang="en-US"/>
+                    </a:p>
+                  </a:txBody>
+                  <a:tcPr/>
+                </a:tc>
+                <a:tc>
+                  <a:txBody>
+                    <a:bodyPr/>
+                    <a:lstStyle/>
+                    <a:p>
+                      <a:pPr marL="0" marR="0" indent="0" algn="l" defTabSz="914400" rtl="0" eaLnBrk="1" fontAlgn="auto" latinLnBrk="0" hangingPunct="1">
+                        <a:lnSpc>
+                          <a:spcPct val="100000"/>
+                        </a:lnSpc>
+                        <a:spcBef>
+                          <a:spcPts val="0"/>
+                        </a:spcBef>
+                        <a:spcAft>
+                          <a:spcPts val="0"/>
+                        </a:spcAft>
+                        <a:buClrTx/>
+                        <a:buSzTx/>
+                        <a:buFontTx/>
+                        <a:buNone/>
+                        <a:tabLst/>
+                        <a:defRPr/>
+                      </a:pPr>
+                      <a:endParaRPr lang="en-US" altLang="zh-CN" baseline="0" dirty="0" smtClean="0"/>
+                    </a:p>
+                  </a:txBody>
+                  <a:tcPr anchor="ctr"/>
+                </a:tc>
+                <a:tc>
+                  <a:txBody>
+                    <a:bodyPr/>
+                    <a:lstStyle/>
+                    <a:p>
+                      <a:pPr marL="0" marR="0" indent="0" algn="l" defTabSz="914400" rtl="0" eaLnBrk="1" fontAlgn="auto" latinLnBrk="0" hangingPunct="1">
+                        <a:lnSpc>
+                          <a:spcPct val="100000"/>
+                        </a:lnSpc>
+                        <a:spcBef>
+                          <a:spcPts val="0"/>
+                        </a:spcBef>
+                        <a:spcAft>
+                          <a:spcPts val="0"/>
+                        </a:spcAft>
+                        <a:buClrTx/>
+                        <a:buSzTx/>
+                        <a:buFontTx/>
+                        <a:buNone/>
+                        <a:tabLst/>
+                        <a:defRPr/>
+                      </a:pPr>
+                      <a:endParaRPr lang="en-US" altLang="zh-CN" baseline="0" dirty="0" smtClean="0"/>
+                    </a:p>
+                  </a:txBody>
+                  <a:tcPr anchor="ctr"/>
+                </a:tc>
+                <a:tc vMerge="1">
+                  <a:txBody>
+                    <a:bodyPr/>
+                    <a:lstStyle/>
+                    <a:p>
+                      <a:endParaRPr lang="zh-CN" altLang="en-US" dirty="0"/>
+                    </a:p>
+                  </a:txBody>
+                  <a:tcPr anchor="ctr"/>
+                </a:tc>
+                <a:tc vMerge="1">
+                  <a:txBody>
+                    <a:bodyPr/>
+                    <a:lstStyle/>
+                    <a:p>
+                      <a:endParaRPr lang="zh-CN" altLang="en-US" dirty="0"/>
+                    </a:p>
+                  </a:txBody>
+                  <a:tcPr anchor="ctr"/>
+                </a:tc>
+                <a:tc vMerge="1">
+                  <a:txBody>
+                    <a:bodyPr/>
+                    <a:lstStyle/>
+                    <a:p>
+                      <a:endParaRPr lang="zh-CN" altLang="en-US" dirty="0"/>
+                    </a:p>
+                  </a:txBody>
+                  <a:tcPr anchor="ctr"/>
+                </a:tc>
+              </a:tr>
+              <a:tr h="370840">
+                <a:tc>
+                  <a:txBody>
+                    <a:bodyPr/>
+                    <a:lstStyle/>
+                    <a:p>
+                      <a:r>
+                        <a:rPr lang="en-US" altLang="zh-CN" dirty="0" smtClean="0"/>
+                        <a:t>Delete</a:t>
+                      </a:r>
+                      <a:endParaRPr lang="zh-CN" altLang="en-US" dirty="0"/>
+                    </a:p>
+                  </a:txBody>
+                  <a:tcPr anchor="ctr">
+                    <a:solidFill>
+                      <a:schemeClr val="accent2"/>
+                    </a:solidFill>
+                  </a:tcPr>
+                </a:tc>
+                <a:tc>
+                  <a:txBody>
+                    <a:bodyPr/>
+                    <a:lstStyle/>
+                    <a:p>
+                      <a:endParaRPr lang="zh-CN" altLang="en-US" dirty="0"/>
+                    </a:p>
+                  </a:txBody>
+                  <a:tcPr anchor="ctr"/>
+                </a:tc>
+                <a:tc>
+                  <a:txBody>
+                    <a:bodyPr/>
+                    <a:lstStyle/>
+                    <a:p>
+                      <a:r>
+                        <a:rPr lang="en-US" altLang="zh-CN" dirty="0" smtClean="0"/>
+                        <a:t>_</a:t>
+                      </a:r>
+                      <a:r>
+                        <a:rPr lang="en-US" altLang="zh-CN" dirty="0" err="1" smtClean="0"/>
+                        <a:t>setTags</a:t>
+                      </a:r>
+                      <a:endParaRPr lang="zh-CN" altLang="en-US" dirty="0"/>
+                    </a:p>
+                  </a:txBody>
+                  <a:tcPr anchor="ctr"/>
+                </a:tc>
+                <a:tc>
+                  <a:txBody>
+                    <a:bodyPr/>
+                    <a:lstStyle/>
+                    <a:p>
+                      <a:r>
+                        <a:rPr lang="en-US" altLang="zh-CN" dirty="0" err="1" smtClean="0"/>
+                        <a:t>delSel</a:t>
+                      </a:r>
+                      <a:endParaRPr lang="zh-CN" altLang="en-US" dirty="0"/>
+                    </a:p>
+                  </a:txBody>
+                  <a:tcPr anchor="ctr"/>
+                </a:tc>
+                <a:tc>
+                  <a:txBody>
+                    <a:bodyPr/>
+                    <a:lstStyle/>
+                    <a:p>
+                      <a:r>
+                        <a:rPr lang="en-US" altLang="zh-CN" dirty="0" err="1" smtClean="0"/>
+                        <a:t>setData</a:t>
+                      </a:r>
+                      <a:endParaRPr lang="zh-CN" altLang="en-US" dirty="0"/>
+                    </a:p>
+                  </a:txBody>
+                  <a:tcPr anchor="ctr"/>
+                </a:tc>
+                <a:tc>
+                  <a:txBody>
+                    <a:bodyPr/>
+                    <a:lstStyle/>
+                    <a:p>
+                      <a:r>
+                        <a:rPr lang="en-US" altLang="zh-CN" dirty="0" err="1" smtClean="0"/>
+                        <a:t>saveI</a:t>
+                      </a:r>
+                      <a:endParaRPr lang="zh-CN" altLang="en-US" dirty="0"/>
+                    </a:p>
+                  </a:txBody>
+                  <a:tcPr anchor="ctr"/>
+                </a:tc>
+                <a:tc>
+                  <a:txBody>
+                    <a:bodyPr/>
+                    <a:lstStyle/>
+                    <a:p>
+                      <a:r>
+                        <a:rPr lang="en-US" altLang="zh-CN" dirty="0" smtClean="0"/>
+                        <a:t>repaint</a:t>
+                      </a:r>
+                      <a:endParaRPr lang="zh-CN" altLang="en-US" dirty="0"/>
+                    </a:p>
+                  </a:txBody>
+                  <a:tcPr anchor="ctr"/>
+                </a:tc>
+                <a:tc>
+                  <a:txBody>
+                    <a:bodyPr/>
+                    <a:lstStyle/>
+                    <a:p>
+                      <a:r>
+                        <a:rPr lang="en-US" altLang="zh-CN" smtClean="0"/>
+                        <a:t>@selRow</a:t>
+                      </a:r>
+                      <a:endParaRPr lang="zh-CN" altLang="en-US" dirty="0">
+                        <a:solidFill>
+                          <a:schemeClr val="tx1"/>
+                        </a:solidFill>
+                      </a:endParaRPr>
+                    </a:p>
+                  </a:txBody>
+                  <a:tcPr anchor="ctr"/>
+                </a:tc>
+              </a:tr>
+              <a:tr h="370840">
+                <a:tc>
+                  <a:txBody>
+                    <a:bodyPr/>
+                    <a:lstStyle/>
+                    <a:p>
+                      <a:r>
+                        <a:rPr lang="en-US" altLang="zh-CN" dirty="0" err="1" smtClean="0"/>
+                        <a:t>Delete@</a:t>
+                      </a:r>
+                      <a:r>
+                        <a:rPr lang="en-US" altLang="zh-CN" dirty="0" err="1" smtClean="0">
+                          <a:solidFill>
+                            <a:srgbClr val="FF0000"/>
+                          </a:solidFill>
+                        </a:rPr>
+                        <a:t>PATH</a:t>
+                      </a:r>
+                      <a:endParaRPr lang="zh-CN" altLang="en-US" dirty="0">
+                        <a:solidFill>
+                          <a:srgbClr val="FF0000"/>
+                        </a:solidFill>
+                      </a:endParaRPr>
+                    </a:p>
+                  </a:txBody>
+                  <a:tcPr anchor="ctr">
+                    <a:solidFill>
+                      <a:schemeClr val="accent2"/>
+                    </a:solidFill>
+                  </a:tcPr>
+                </a:tc>
+                <a:tc>
+                  <a:txBody>
+                    <a:bodyPr/>
+                    <a:lstStyle/>
+                    <a:p>
+                      <a:endParaRPr lang="zh-CN" altLang="en-US" dirty="0"/>
+                    </a:p>
+                  </a:txBody>
+                  <a:tcPr anchor="ctr"/>
+                </a:tc>
+                <a:tc>
+                  <a:txBody>
+                    <a:bodyPr/>
+                    <a:lstStyle/>
+                    <a:p>
+                      <a:endParaRPr lang="zh-CN" altLang="en-US"/>
+                    </a:p>
+                  </a:txBody>
+                  <a:tcPr anchor="ctr"/>
+                </a:tc>
+                <a:tc>
+                  <a:txBody>
+                    <a:bodyPr/>
+                    <a:lstStyle/>
+                    <a:p>
+                      <a:r>
+                        <a:rPr lang="en-US" altLang="zh-CN" dirty="0" err="1" smtClean="0"/>
+                        <a:t>delSel</a:t>
+                      </a:r>
+                      <a:endParaRPr lang="zh-CN" altLang="en-US" dirty="0"/>
+                    </a:p>
+                  </a:txBody>
+                  <a:tcPr anchor="ctr"/>
+                </a:tc>
+                <a:tc>
+                  <a:txBody>
+                    <a:bodyPr/>
+                    <a:lstStyle/>
+                    <a:p>
+                      <a:r>
+                        <a:rPr lang="en-US" altLang="zh-CN" dirty="0" err="1" smtClean="0"/>
+                        <a:t>setData</a:t>
+                      </a:r>
+                      <a:endParaRPr lang="zh-CN" altLang="en-US" dirty="0"/>
+                    </a:p>
+                  </a:txBody>
+                  <a:tcPr anchor="ctr"/>
+                </a:tc>
+                <a:tc>
+                  <a:txBody>
+                    <a:bodyPr/>
+                    <a:lstStyle/>
+                    <a:p>
+                      <a:r>
+                        <a:rPr lang="en-US" altLang="zh-CN" dirty="0" err="1" smtClean="0"/>
+                        <a:t>saveP</a:t>
+                      </a:r>
+                      <a:endParaRPr lang="zh-CN" altLang="en-US" dirty="0"/>
+                    </a:p>
+                  </a:txBody>
+                  <a:tcPr anchor="ctr"/>
+                </a:tc>
+                <a:tc>
+                  <a:txBody>
+                    <a:bodyPr/>
+                    <a:lstStyle/>
+                    <a:p>
+                      <a:endParaRPr lang="zh-CN" altLang="en-US" dirty="0"/>
+                    </a:p>
+                  </a:txBody>
+                  <a:tcPr anchor="ctr"/>
+                </a:tc>
+                <a:tc>
+                  <a:txBody>
+                    <a:bodyPr/>
+                    <a:lstStyle/>
+                    <a:p>
+                      <a:r>
+                        <a:rPr lang="en-US" altLang="zh-CN" dirty="0" smtClean="0"/>
+                        <a:t>@</a:t>
+                      </a:r>
+                      <a:r>
+                        <a:rPr lang="en-US" altLang="zh-CN" dirty="0" err="1" smtClean="0"/>
+                        <a:t>selRow</a:t>
+                      </a:r>
+                      <a:endParaRPr lang="zh-CN" altLang="en-US" dirty="0">
+                        <a:solidFill>
+                          <a:schemeClr val="tx1"/>
+                        </a:solidFill>
+                      </a:endParaRPr>
+                    </a:p>
+                  </a:txBody>
+                  <a:tcPr anchor="ctr"/>
+                </a:tc>
+              </a:tr>
+              <a:tr h="370840">
+                <a:tc>
+                  <a:txBody>
+                    <a:bodyPr/>
+                    <a:lstStyle/>
+                    <a:p>
+                      <a:r>
+                        <a:rPr lang="en-US" altLang="zh-CN" dirty="0" smtClean="0"/>
+                        <a:t>F5:</a:t>
+                      </a:r>
+                      <a:r>
+                        <a:rPr lang="en-US" altLang="zh-CN" baseline="0" dirty="0" smtClean="0"/>
+                        <a:t> Select All</a:t>
+                      </a:r>
+                      <a:endParaRPr lang="zh-CN" altLang="en-US" dirty="0"/>
+                    </a:p>
+                  </a:txBody>
+                  <a:tcPr anchor="ctr"/>
+                </a:tc>
+                <a:tc>
+                  <a:txBody>
+                    <a:bodyPr/>
+                    <a:lstStyle/>
+                    <a:p>
+                      <a:endParaRPr lang="zh-CN" altLang="en-US" dirty="0"/>
+                    </a:p>
+                  </a:txBody>
+                  <a:tcPr anchor="ctr"/>
+                </a:tc>
+                <a:tc>
+                  <a:txBody>
+                    <a:bodyPr/>
+                    <a:lstStyle/>
+                    <a:p>
+                      <a:endParaRPr lang="zh-CN" altLang="en-US"/>
+                    </a:p>
+                  </a:txBody>
+                  <a:tcPr anchor="ctr"/>
+                </a:tc>
+                <a:tc>
+                  <a:txBody>
+                    <a:bodyPr/>
+                    <a:lstStyle/>
+                    <a:p>
+                      <a:endParaRPr lang="zh-CN" altLang="en-US" dirty="0"/>
+                    </a:p>
+                  </a:txBody>
+                  <a:tcPr anchor="ctr"/>
+                </a:tc>
+                <a:tc>
+                  <a:txBody>
+                    <a:bodyPr/>
+                    <a:lstStyle/>
+                    <a:p>
+                      <a:endParaRPr lang="zh-CN" altLang="en-US" dirty="0"/>
+                    </a:p>
+                  </a:txBody>
+                  <a:tcPr anchor="ctr"/>
+                </a:tc>
+                <a:tc>
+                  <a:txBody>
+                    <a:bodyPr/>
+                    <a:lstStyle/>
+                    <a:p>
+                      <a:endParaRPr lang="zh-CN" altLang="en-US" dirty="0"/>
+                    </a:p>
+                  </a:txBody>
+                  <a:tcPr anchor="ctr"/>
+                </a:tc>
+                <a:tc>
+                  <a:txBody>
+                    <a:bodyPr/>
+                    <a:lstStyle/>
+                    <a:p>
+                      <a:endParaRPr lang="zh-CN" altLang="en-US" dirty="0"/>
+                    </a:p>
+                  </a:txBody>
+                  <a:tcPr anchor="ctr"/>
+                </a:tc>
+                <a:tc>
+                  <a:txBody>
+                    <a:bodyPr/>
+                    <a:lstStyle/>
+                    <a:p>
+                      <a:endParaRPr lang="zh-CN" altLang="en-US" dirty="0"/>
+                    </a:p>
+                  </a:txBody>
+                  <a:tcPr anchor="ctr"/>
+                </a:tc>
+              </a:tr>
+              <a:tr h="370840">
+                <a:tc>
+                  <a:txBody>
+                    <a:bodyPr/>
+                    <a:lstStyle/>
+                    <a:p>
+                      <a:r>
+                        <a:rPr lang="en-US" altLang="zh-CN" dirty="0" smtClean="0"/>
+                        <a:t>F6: Sort Revert</a:t>
+                      </a:r>
+                      <a:endParaRPr lang="zh-CN" altLang="en-US" dirty="0"/>
+                    </a:p>
+                  </a:txBody>
+                  <a:tcPr anchor="ctr"/>
+                </a:tc>
+                <a:tc>
+                  <a:txBody>
+                    <a:bodyPr/>
+                    <a:lstStyle/>
+                    <a:p>
+                      <a:endParaRPr lang="zh-CN" altLang="en-US" dirty="0"/>
+                    </a:p>
+                  </a:txBody>
+                  <a:tcPr anchor="ctr"/>
+                </a:tc>
+                <a:tc>
+                  <a:txBody>
+                    <a:bodyPr/>
+                    <a:lstStyle/>
+                    <a:p>
+                      <a:endParaRPr lang="zh-CN" altLang="en-US"/>
+                    </a:p>
+                  </a:txBody>
+                  <a:tcPr anchor="ctr"/>
+                </a:tc>
+                <a:tc>
+                  <a:txBody>
+                    <a:bodyPr/>
+                    <a:lstStyle/>
+                    <a:p>
+                      <a:endParaRPr lang="zh-CN" altLang="en-US" dirty="0"/>
+                    </a:p>
+                  </a:txBody>
+                  <a:tcPr anchor="ctr"/>
+                </a:tc>
+                <a:tc>
+                  <a:txBody>
+                    <a:bodyPr/>
+                    <a:lstStyle/>
+                    <a:p>
+                      <a:endParaRPr lang="zh-CN" altLang="en-US" dirty="0"/>
+                    </a:p>
+                  </a:txBody>
+                  <a:tcPr anchor="ctr"/>
+                </a:tc>
+                <a:tc>
+                  <a:txBody>
+                    <a:bodyPr/>
+                    <a:lstStyle/>
+                    <a:p>
+                      <a:endParaRPr lang="zh-CN" altLang="en-US" dirty="0"/>
+                    </a:p>
+                  </a:txBody>
+                  <a:tcPr anchor="ctr"/>
+                </a:tc>
+                <a:tc>
+                  <a:txBody>
+                    <a:bodyPr/>
+                    <a:lstStyle/>
+                    <a:p>
+                      <a:endParaRPr lang="zh-CN" altLang="en-US" dirty="0"/>
+                    </a:p>
+                  </a:txBody>
+                  <a:tcPr anchor="ctr"/>
+                </a:tc>
+                <a:tc>
+                  <a:txBody>
+                    <a:bodyPr/>
+                    <a:lstStyle/>
+                    <a:p>
+                      <a:endParaRPr lang="zh-CN" altLang="en-US" dirty="0"/>
+                    </a:p>
+                  </a:txBody>
+                  <a:tcPr anchor="ctr"/>
+                </a:tc>
+              </a:tr>
+              <a:tr h="370840">
+                <a:tc>
+                  <a:txBody>
+                    <a:bodyPr/>
+                    <a:lstStyle/>
+                    <a:p>
+                      <a:r>
+                        <a:rPr lang="en-US" altLang="zh-CN" dirty="0" smtClean="0"/>
+                        <a:t>F7/8: Open</a:t>
+                      </a:r>
+                      <a:endParaRPr lang="zh-CN" altLang="en-US" dirty="0"/>
+                    </a:p>
+                  </a:txBody>
+                  <a:tcPr anchor="ctr">
+                    <a:solidFill>
+                      <a:srgbClr val="FFC000"/>
+                    </a:solidFill>
+                  </a:tcPr>
+                </a:tc>
+                <a:tc>
+                  <a:txBody>
+                    <a:bodyPr/>
+                    <a:lstStyle/>
+                    <a:p>
+                      <a:endParaRPr lang="zh-CN" altLang="en-US" dirty="0"/>
+                    </a:p>
+                  </a:txBody>
+                  <a:tcPr anchor="ctr"/>
+                </a:tc>
+                <a:tc>
+                  <a:txBody>
+                    <a:bodyPr/>
+                    <a:lstStyle/>
+                    <a:p>
+                      <a:endParaRPr lang="zh-CN" altLang="en-US"/>
+                    </a:p>
+                  </a:txBody>
+                  <a:tcPr anchor="ctr"/>
+                </a:tc>
+                <a:tc>
+                  <a:txBody>
+                    <a:bodyPr/>
+                    <a:lstStyle/>
+                    <a:p>
+                      <a:endParaRPr lang="zh-CN" altLang="en-US" dirty="0"/>
+                    </a:p>
+                  </a:txBody>
+                  <a:tcPr anchor="ctr"/>
+                </a:tc>
+                <a:tc>
+                  <a:txBody>
+                    <a:bodyPr/>
+                    <a:lstStyle/>
+                    <a:p>
+                      <a:endParaRPr lang="zh-CN" altLang="en-US" dirty="0"/>
+                    </a:p>
+                  </a:txBody>
+                  <a:tcPr anchor="ctr"/>
+                </a:tc>
+                <a:tc>
+                  <a:txBody>
+                    <a:bodyPr/>
+                    <a:lstStyle/>
+                    <a:p>
+                      <a:endParaRPr lang="zh-CN" altLang="en-US" dirty="0"/>
+                    </a:p>
+                  </a:txBody>
+                  <a:tcPr anchor="ctr"/>
+                </a:tc>
+                <a:tc>
+                  <a:txBody>
+                    <a:bodyPr/>
+                    <a:lstStyle/>
+                    <a:p>
+                      <a:endParaRPr lang="zh-CN" altLang="en-US" dirty="0"/>
+                    </a:p>
+                  </a:txBody>
+                  <a:tcPr anchor="ctr"/>
+                </a:tc>
+                <a:tc>
+                  <a:txBody>
+                    <a:bodyPr/>
+                    <a:lstStyle/>
+                    <a:p>
+                      <a:endParaRPr lang="zh-CN" altLang="en-US" dirty="0"/>
+                    </a:p>
+                  </a:txBody>
+                  <a:tcPr anchor="ctr"/>
+                </a:tc>
+              </a:tr>
+              <a:tr h="370840">
+                <a:tc>
+                  <a:txBody>
+                    <a:bodyPr/>
+                    <a:lstStyle/>
+                    <a:p>
+                      <a:r>
+                        <a:rPr lang="en-US" altLang="zh-CN" dirty="0" smtClean="0"/>
+                        <a:t>F2@</a:t>
+                      </a:r>
+                      <a:r>
+                        <a:rPr lang="en-US" altLang="zh-CN" dirty="0" smtClean="0">
+                          <a:solidFill>
+                            <a:srgbClr val="FF0000"/>
+                          </a:solidFill>
+                        </a:rPr>
+                        <a:t>PATH</a:t>
+                      </a:r>
+                      <a:r>
+                        <a:rPr lang="en-US" altLang="zh-CN" dirty="0" smtClean="0"/>
+                        <a:t>: Sync</a:t>
+                      </a:r>
+                      <a:endParaRPr lang="zh-CN" altLang="en-US" dirty="0"/>
+                    </a:p>
+                  </a:txBody>
+                  <a:tcPr anchor="ctr"/>
+                </a:tc>
+                <a:tc>
+                  <a:txBody>
+                    <a:bodyPr/>
+                    <a:lstStyle/>
+                    <a:p>
+                      <a:r>
+                        <a:rPr lang="en-US" altLang="zh-CN" dirty="0" err="1" smtClean="0"/>
+                        <a:t>showAll</a:t>
+                      </a:r>
+                      <a:endParaRPr lang="zh-CN" altLang="en-US" dirty="0"/>
+                    </a:p>
+                  </a:txBody>
+                  <a:tcPr anchor="ctr"/>
+                </a:tc>
+                <a:tc>
+                  <a:txBody>
+                    <a:bodyPr/>
+                    <a:lstStyle/>
+                    <a:p>
+                      <a:r>
+                        <a:rPr lang="en-US" altLang="zh-CN" dirty="0" smtClean="0"/>
+                        <a:t>_</a:t>
+                      </a:r>
+                      <a:r>
+                        <a:rPr lang="en-US" altLang="zh-CN" dirty="0" err="1" smtClean="0"/>
+                        <a:t>setTags</a:t>
+                      </a:r>
+                      <a:endParaRPr lang="zh-CN" altLang="en-US" dirty="0"/>
+                    </a:p>
+                  </a:txBody>
+                  <a:tcPr anchor="ctr"/>
+                </a:tc>
+                <a:tc>
+                  <a:txBody>
+                    <a:bodyPr/>
+                    <a:lstStyle/>
+                    <a:p>
+                      <a:r>
+                        <a:rPr lang="en-US" altLang="zh-CN" dirty="0" smtClean="0"/>
+                        <a:t>_</a:t>
+                      </a:r>
+                      <a:r>
+                        <a:rPr lang="en-US" altLang="zh-CN" dirty="0" err="1" smtClean="0"/>
+                        <a:t>addI</a:t>
+                      </a:r>
+                      <a:endParaRPr lang="zh-CN" altLang="en-US" dirty="0"/>
+                    </a:p>
+                  </a:txBody>
+                  <a:tcPr anchor="ctr"/>
+                </a:tc>
+                <a:tc>
+                  <a:txBody>
+                    <a:bodyPr/>
+                    <a:lstStyle/>
+                    <a:p>
+                      <a:r>
+                        <a:rPr lang="en-US" altLang="zh-CN" dirty="0" err="1" smtClean="0"/>
+                        <a:t>setData</a:t>
+                      </a:r>
+                      <a:endParaRPr lang="zh-CN" altLang="en-US" dirty="0"/>
+                    </a:p>
+                  </a:txBody>
+                  <a:tcPr anchor="ctr"/>
+                </a:tc>
+                <a:tc>
+                  <a:txBody>
+                    <a:bodyPr/>
+                    <a:lstStyle/>
+                    <a:p>
+                      <a:r>
+                        <a:rPr lang="en-US" altLang="zh-CN" dirty="0" err="1" smtClean="0"/>
+                        <a:t>saveI</a:t>
+                      </a:r>
+                      <a:endParaRPr lang="zh-CN" altLang="en-US" dirty="0"/>
+                    </a:p>
+                  </a:txBody>
+                  <a:tcPr anchor="ctr"/>
+                </a:tc>
+                <a:tc>
+                  <a:txBody>
+                    <a:bodyPr/>
+                    <a:lstStyle/>
+                    <a:p>
+                      <a:r>
+                        <a:rPr lang="en-US" altLang="zh-CN" dirty="0" smtClean="0"/>
+                        <a:t>repaint</a:t>
+                      </a:r>
+                      <a:endParaRPr lang="zh-CN" altLang="en-US" dirty="0"/>
+                    </a:p>
+                  </a:txBody>
+                  <a:tcPr anchor="ctr"/>
+                </a:tc>
+                <a:tc>
+                  <a:txBody>
+                    <a:bodyPr/>
+                    <a:lstStyle/>
+                    <a:p>
+                      <a:pPr marL="0" marR="0" indent="0" algn="l" defTabSz="914400" rtl="0" eaLnBrk="1" fontAlgn="auto" latinLnBrk="0" hangingPunct="1">
+                        <a:lnSpc>
+                          <a:spcPct val="100000"/>
+                        </a:lnSpc>
+                        <a:spcBef>
+                          <a:spcPts val="0"/>
+                        </a:spcBef>
+                        <a:spcAft>
+                          <a:spcPts val="0"/>
+                        </a:spcAft>
+                        <a:buClrTx/>
+                        <a:buSzTx/>
+                        <a:buFontTx/>
+                        <a:buNone/>
+                        <a:tabLst/>
+                        <a:defRPr/>
+                      </a:pPr>
+                      <a:endParaRPr lang="zh-CN" altLang="en-US" dirty="0" smtClean="0"/>
+                    </a:p>
+                  </a:txBody>
+                  <a:tcPr anchor="ctr"/>
+                </a:tc>
+              </a:tr>
+              <a:tr h="370840">
+                <a:tc>
+                  <a:txBody>
+                    <a:bodyPr/>
+                    <a:lstStyle/>
+                    <a:p>
+                      <a:r>
+                        <a:rPr lang="en-US" altLang="zh-CN" dirty="0" smtClean="0"/>
+                        <a:t>F3@</a:t>
+                      </a:r>
+                      <a:r>
+                        <a:rPr lang="en-US" altLang="zh-CN" dirty="0" smtClean="0">
+                          <a:solidFill>
+                            <a:srgbClr val="FF0000"/>
+                          </a:solidFill>
+                        </a:rPr>
+                        <a:t>PATH</a:t>
+                      </a:r>
+                      <a:r>
+                        <a:rPr lang="en-US" altLang="zh-CN" dirty="0" smtClean="0"/>
+                        <a:t>:</a:t>
+                      </a:r>
+                      <a:r>
+                        <a:rPr lang="en-US" altLang="zh-CN" baseline="0" dirty="0" smtClean="0"/>
+                        <a:t> Clear</a:t>
+                      </a:r>
+                      <a:endParaRPr lang="zh-CN" altLang="en-US" dirty="0"/>
+                    </a:p>
+                  </a:txBody>
+                  <a:tcPr anchor="ctr"/>
+                </a:tc>
+                <a:tc>
+                  <a:txBody>
+                    <a:bodyPr/>
+                    <a:lstStyle/>
+                    <a:p>
+                      <a:endParaRPr lang="zh-CN" altLang="en-US" dirty="0"/>
+                    </a:p>
+                  </a:txBody>
+                  <a:tcPr anchor="ctr"/>
+                </a:tc>
+                <a:tc>
+                  <a:txBody>
+                    <a:bodyPr/>
+                    <a:lstStyle/>
+                    <a:p>
+                      <a:endParaRPr lang="zh-CN" altLang="en-US"/>
+                    </a:p>
+                  </a:txBody>
+                  <a:tcPr anchor="ctr"/>
+                </a:tc>
+                <a:tc>
+                  <a:txBody>
+                    <a:bodyPr/>
+                    <a:lstStyle/>
+                    <a:p>
+                      <a:endParaRPr lang="zh-CN" altLang="en-US" dirty="0"/>
+                    </a:p>
+                  </a:txBody>
+                  <a:tcPr anchor="ctr"/>
+                </a:tc>
+                <a:tc>
+                  <a:txBody>
+                    <a:bodyPr/>
+                    <a:lstStyle/>
+                    <a:p>
+                      <a:endParaRPr lang="zh-CN" altLang="en-US" dirty="0"/>
+                    </a:p>
+                  </a:txBody>
+                  <a:tcPr anchor="ctr"/>
+                </a:tc>
+                <a:tc>
+                  <a:txBody>
+                    <a:bodyPr/>
+                    <a:lstStyle/>
+                    <a:p>
+                      <a:endParaRPr lang="zh-CN" altLang="en-US" dirty="0"/>
+                    </a:p>
+                  </a:txBody>
+                  <a:tcPr anchor="ctr"/>
+                </a:tc>
+                <a:tc>
+                  <a:txBody>
+                    <a:bodyPr/>
+                    <a:lstStyle/>
+                    <a:p>
+                      <a:endParaRPr lang="zh-CN" altLang="en-US" dirty="0"/>
+                    </a:p>
+                  </a:txBody>
+                  <a:tcPr anchor="ctr"/>
+                </a:tc>
+                <a:tc>
+                  <a:txBody>
+                    <a:bodyPr/>
+                    <a:lstStyle/>
+                    <a:p>
+                      <a:endParaRPr lang="zh-CN" altLang="en-US" dirty="0"/>
+                    </a:p>
+                  </a:txBody>
+                  <a:tcPr anchor="ctr"/>
+                </a:tc>
+              </a:tr>
+              <a:tr h="370840">
+                <a:tc>
+                  <a:txBody>
+                    <a:bodyPr/>
+                    <a:lstStyle/>
+                    <a:p>
+                      <a:r>
+                        <a:rPr lang="en-US" altLang="zh-CN" dirty="0" smtClean="0"/>
+                        <a:t>Drop</a:t>
+                      </a:r>
+                      <a:endParaRPr lang="zh-CN" altLang="en-US" dirty="0"/>
+                    </a:p>
+                  </a:txBody>
+                  <a:tcPr anchor="ctr"/>
+                </a:tc>
+                <a:tc>
+                  <a:txBody>
+                    <a:bodyPr/>
+                    <a:lstStyle/>
+                    <a:p>
+                      <a:endParaRPr lang="zh-CN" altLang="en-US" dirty="0"/>
+                    </a:p>
+                  </a:txBody>
+                  <a:tcPr anchor="ctr"/>
+                </a:tc>
+                <a:tc>
+                  <a:txBody>
+                    <a:bodyPr/>
+                    <a:lstStyle/>
+                    <a:p>
+                      <a:endParaRPr lang="zh-CN" altLang="en-US"/>
+                    </a:p>
+                  </a:txBody>
+                  <a:tcPr anchor="ctr"/>
+                </a:tc>
+                <a:tc>
+                  <a:txBody>
+                    <a:bodyPr/>
+                    <a:lstStyle/>
+                    <a:p>
+                      <a:r>
+                        <a:rPr lang="en-US" altLang="zh-CN" dirty="0" smtClean="0"/>
+                        <a:t>_</a:t>
+                      </a:r>
+                      <a:r>
+                        <a:rPr lang="en-US" altLang="zh-CN" dirty="0" err="1" smtClean="0"/>
+                        <a:t>addP</a:t>
+                      </a:r>
+                      <a:endParaRPr lang="en-US" altLang="zh-CN" dirty="0" smtClean="0"/>
+                    </a:p>
+                    <a:p>
+                      <a:r>
+                        <a:rPr lang="en-US" altLang="zh-CN" dirty="0" smtClean="0"/>
+                        <a:t>_</a:t>
+                      </a:r>
+                      <a:r>
+                        <a:rPr lang="en-US" altLang="zh-CN" dirty="0" err="1" smtClean="0"/>
+                        <a:t>addI</a:t>
+                      </a:r>
+                      <a:endParaRPr lang="zh-CN" altLang="en-US" dirty="0"/>
+                    </a:p>
+                  </a:txBody>
+                  <a:tcPr anchor="ctr"/>
+                </a:tc>
+                <a:tc>
+                  <a:txBody>
+                    <a:bodyPr/>
+                    <a:lstStyle/>
+                    <a:p>
+                      <a:r>
+                        <a:rPr lang="en-US" altLang="zh-CN" dirty="0" err="1" smtClean="0"/>
+                        <a:t>setData</a:t>
+                      </a:r>
+                      <a:endParaRPr lang="zh-CN" altLang="en-US" dirty="0"/>
+                    </a:p>
+                  </a:txBody>
+                  <a:tcPr anchor="ctr"/>
+                </a:tc>
+                <a:tc>
+                  <a:txBody>
+                    <a:bodyPr/>
+                    <a:lstStyle/>
+                    <a:p>
+                      <a:r>
+                        <a:rPr lang="en-US" altLang="zh-CN" dirty="0" err="1" smtClean="0"/>
+                        <a:t>saveI</a:t>
+                      </a:r>
+                      <a:endParaRPr lang="zh-CN" altLang="en-US" dirty="0"/>
+                    </a:p>
+                  </a:txBody>
+                  <a:tcPr anchor="ctr"/>
+                </a:tc>
+                <a:tc>
+                  <a:txBody>
+                    <a:bodyPr/>
+                    <a:lstStyle/>
+                    <a:p>
+                      <a:r>
+                        <a:rPr lang="en-US" altLang="zh-CN" dirty="0" smtClean="0"/>
+                        <a:t>repaint</a:t>
+                      </a:r>
+                      <a:endParaRPr lang="zh-CN" altLang="en-US" dirty="0"/>
+                    </a:p>
+                  </a:txBody>
+                  <a:tcPr anchor="ctr"/>
+                </a:tc>
+                <a:tc>
+                  <a:txBody>
+                    <a:bodyPr/>
+                    <a:lstStyle/>
+                    <a:p>
+                      <a:pPr marL="0" marR="0" indent="0" algn="l" defTabSz="914400" rtl="0" eaLnBrk="1" fontAlgn="auto" latinLnBrk="0" hangingPunct="1">
+                        <a:lnSpc>
+                          <a:spcPct val="100000"/>
+                        </a:lnSpc>
+                        <a:spcBef>
+                          <a:spcPts val="0"/>
+                        </a:spcBef>
+                        <a:spcAft>
+                          <a:spcPts val="0"/>
+                        </a:spcAft>
+                        <a:buClrTx/>
+                        <a:buSzTx/>
+                        <a:buFontTx/>
+                        <a:buNone/>
+                        <a:tabLst/>
+                        <a:defRPr/>
+                      </a:pPr>
+                      <a:endParaRPr lang="en-US" altLang="zh-CN" baseline="0" dirty="0" smtClean="0"/>
+                    </a:p>
+                  </a:txBody>
+                  <a:tcPr anchor="ctr"/>
+                </a:tc>
+              </a:tr>
+              <a:tr h="370840">
+                <a:tc>
+                  <a:txBody>
+                    <a:bodyPr/>
+                    <a:lstStyle/>
+                    <a:p>
+                      <a:r>
+                        <a:rPr lang="en-US" altLang="zh-CN" dirty="0" err="1" smtClean="0"/>
+                        <a:t>FilterByInput</a:t>
+                      </a:r>
+                      <a:endParaRPr lang="zh-CN" altLang="en-US" dirty="0"/>
+                    </a:p>
+                  </a:txBody>
+                  <a:tcPr anchor="ctr"/>
+                </a:tc>
+                <a:tc>
+                  <a:txBody>
+                    <a:bodyPr/>
+                    <a:lstStyle/>
+                    <a:p>
+                      <a:r>
+                        <a:rPr lang="en-US" altLang="zh-CN" dirty="0" smtClean="0"/>
+                        <a:t>_</a:t>
+                      </a:r>
+                      <a:r>
+                        <a:rPr lang="en-US" altLang="zh-CN" dirty="0" err="1" smtClean="0"/>
+                        <a:t>hideRow</a:t>
+                      </a:r>
+                      <a:endParaRPr lang="zh-CN" altLang="en-US" dirty="0"/>
+                    </a:p>
+                  </a:txBody>
+                  <a:tcPr anchor="ctr"/>
+                </a:tc>
+                <a:tc>
+                  <a:txBody>
+                    <a:bodyPr/>
+                    <a:lstStyle/>
+                    <a:p>
+                      <a:endParaRPr lang="zh-CN" altLang="en-US"/>
+                    </a:p>
+                  </a:txBody>
+                  <a:tcPr anchor="ctr"/>
+                </a:tc>
+                <a:tc>
+                  <a:txBody>
+                    <a:bodyPr/>
+                    <a:lstStyle/>
+                    <a:p>
+                      <a:endParaRPr lang="zh-CN" altLang="en-US" dirty="0"/>
+                    </a:p>
+                  </a:txBody>
+                  <a:tcPr anchor="ctr"/>
+                </a:tc>
+                <a:tc>
+                  <a:txBody>
+                    <a:bodyPr/>
+                    <a:lstStyle/>
+                    <a:p>
+                      <a:endParaRPr lang="zh-CN" altLang="en-US" dirty="0"/>
+                    </a:p>
+                  </a:txBody>
+                  <a:tcPr anchor="ctr"/>
+                </a:tc>
+                <a:tc>
+                  <a:txBody>
+                    <a:bodyPr/>
+                    <a:lstStyle/>
+                    <a:p>
+                      <a:endParaRPr lang="zh-CN" altLang="en-US" dirty="0"/>
+                    </a:p>
+                  </a:txBody>
+                  <a:tcPr anchor="ctr"/>
+                </a:tc>
+                <a:tc>
+                  <a:txBody>
+                    <a:bodyPr/>
+                    <a:lstStyle/>
+                    <a:p>
+                      <a:endParaRPr lang="zh-CN" altLang="en-US" dirty="0"/>
+                    </a:p>
+                  </a:txBody>
+                  <a:tcPr anchor="ctr"/>
+                </a:tc>
+                <a:tc>
+                  <a:txBody>
+                    <a:bodyPr/>
+                    <a:lstStyle/>
+                    <a:p>
+                      <a:endParaRPr lang="zh-CN" altLang="en-US" dirty="0" smtClean="0"/>
+                    </a:p>
+                  </a:txBody>
+                  <a:tcPr anchor="ctr"/>
+                </a:tc>
+              </a:tr>
+              <a:tr h="370840">
+                <a:tc>
+                  <a:txBody>
+                    <a:bodyPr/>
+                    <a:lstStyle/>
+                    <a:p>
+                      <a:r>
+                        <a:rPr lang="en-US" altLang="zh-CN" dirty="0" err="1" smtClean="0"/>
+                        <a:t>FilterByTag</a:t>
+                      </a:r>
+                      <a:endParaRPr lang="zh-CN" altLang="en-US" dirty="0"/>
+                    </a:p>
+                  </a:txBody>
+                  <a:tcPr anchor="ctr"/>
+                </a:tc>
+                <a:tc>
+                  <a:txBody>
+                    <a:bodyPr/>
+                    <a:lstStyle/>
+                    <a:p>
+                      <a:r>
+                        <a:rPr lang="en-US" altLang="zh-CN" dirty="0" smtClean="0"/>
+                        <a:t>_</a:t>
+                      </a:r>
+                      <a:r>
+                        <a:rPr lang="en-US" altLang="zh-CN" dirty="0" err="1" smtClean="0"/>
+                        <a:t>hideRow</a:t>
+                      </a:r>
+                      <a:endParaRPr lang="en-US" altLang="zh-CN" dirty="0" smtClean="0"/>
+                    </a:p>
+                    <a:p>
+                      <a:r>
+                        <a:rPr lang="en-US" altLang="zh-CN" dirty="0" smtClean="0"/>
+                        <a:t>_</a:t>
+                      </a:r>
+                      <a:r>
+                        <a:rPr lang="en-US" altLang="zh-CN" dirty="0" err="1" smtClean="0"/>
+                        <a:t>showRow</a:t>
+                      </a:r>
+                      <a:endParaRPr lang="zh-CN" altLang="en-US" dirty="0" smtClean="0"/>
+                    </a:p>
+                  </a:txBody>
+                  <a:tcPr anchor="ctr"/>
+                </a:tc>
+                <a:tc>
+                  <a:txBody>
+                    <a:bodyPr/>
+                    <a:lstStyle/>
+                    <a:p>
+                      <a:endParaRPr lang="zh-CN" altLang="en-US"/>
+                    </a:p>
+                  </a:txBody>
+                  <a:tcPr anchor="ctr"/>
+                </a:tc>
+                <a:tc>
+                  <a:txBody>
+                    <a:bodyPr/>
+                    <a:lstStyle/>
+                    <a:p>
+                      <a:endParaRPr lang="zh-CN" altLang="en-US" dirty="0"/>
+                    </a:p>
+                  </a:txBody>
+                  <a:tcPr anchor="ctr"/>
+                </a:tc>
+                <a:tc>
+                  <a:txBody>
+                    <a:bodyPr/>
+                    <a:lstStyle/>
+                    <a:p>
+                      <a:endParaRPr lang="zh-CN" altLang="en-US" dirty="0"/>
+                    </a:p>
+                  </a:txBody>
+                  <a:tcPr anchor="ctr"/>
+                </a:tc>
+                <a:tc>
+                  <a:txBody>
+                    <a:bodyPr/>
+                    <a:lstStyle/>
+                    <a:p>
+                      <a:endParaRPr lang="zh-CN" altLang="en-US" dirty="0"/>
+                    </a:p>
+                  </a:txBody>
+                  <a:tcPr anchor="ctr"/>
+                </a:tc>
+                <a:tc>
+                  <a:txBody>
+                    <a:bodyPr/>
+                    <a:lstStyle/>
+                    <a:p>
+                      <a:endParaRPr lang="zh-CN" altLang="en-US" dirty="0"/>
+                    </a:p>
+                  </a:txBody>
+                  <a:tcPr anchor="ctr"/>
+                </a:tc>
+                <a:tc>
+                  <a:txBody>
+                    <a:bodyPr/>
+                    <a:lstStyle/>
+                    <a:p>
+                      <a:endParaRPr lang="zh-CN" altLang="en-US" dirty="0" smtClean="0"/>
+                    </a:p>
+                  </a:txBody>
+                  <a:tcPr anchor="ctr"/>
+                </a:tc>
+              </a:tr>
+            </a:tbl>
+          </a:graphicData>
+        </a:graphic>
+      </p:graphicFrame>
+    </p:spTree>
+    <p:extLst>
+      <p:ext uri="{BB962C8B-B14F-4D97-AF65-F5344CB8AC3E}">
+        <p14:creationId xmlns:p14="http://schemas.microsoft.com/office/powerpoint/2010/main" val="2724274143"/>
       </p:ext>
     </p:extLst>
   </p:cSld>

--- a/LLD.pptx
+++ b/LLD.pptx
@@ -246,7 +246,7 @@
           <a:p>
             <a:fld id="{ABBA60E4-B0CF-4FBE-8AFA-41892E4D6B2A}" type="datetimeFigureOut">
               <a:rPr lang="zh-CN" altLang="en-US" smtClean="0"/>
-              <a:t>2016/3/10</a:t>
+              <a:t>2016/3/11</a:t>
             </a:fld>
             <a:endParaRPr lang="zh-CN" altLang="en-US"/>
           </a:p>
@@ -416,7 +416,7 @@
           <a:p>
             <a:fld id="{ABBA60E4-B0CF-4FBE-8AFA-41892E4D6B2A}" type="datetimeFigureOut">
               <a:rPr lang="zh-CN" altLang="en-US" smtClean="0"/>
-              <a:t>2016/3/10</a:t>
+              <a:t>2016/3/11</a:t>
             </a:fld>
             <a:endParaRPr lang="zh-CN" altLang="en-US"/>
           </a:p>
@@ -596,7 +596,7 @@
           <a:p>
             <a:fld id="{ABBA60E4-B0CF-4FBE-8AFA-41892E4D6B2A}" type="datetimeFigureOut">
               <a:rPr lang="zh-CN" altLang="en-US" smtClean="0"/>
-              <a:t>2016/3/10</a:t>
+              <a:t>2016/3/11</a:t>
             </a:fld>
             <a:endParaRPr lang="zh-CN" altLang="en-US"/>
           </a:p>
@@ -766,7 +766,7 @@
           <a:p>
             <a:fld id="{ABBA60E4-B0CF-4FBE-8AFA-41892E4D6B2A}" type="datetimeFigureOut">
               <a:rPr lang="zh-CN" altLang="en-US" smtClean="0"/>
-              <a:t>2016/3/10</a:t>
+              <a:t>2016/3/11</a:t>
             </a:fld>
             <a:endParaRPr lang="zh-CN" altLang="en-US"/>
           </a:p>
@@ -1012,7 +1012,7 @@
           <a:p>
             <a:fld id="{ABBA60E4-B0CF-4FBE-8AFA-41892E4D6B2A}" type="datetimeFigureOut">
               <a:rPr lang="zh-CN" altLang="en-US" smtClean="0"/>
-              <a:t>2016/3/10</a:t>
+              <a:t>2016/3/11</a:t>
             </a:fld>
             <a:endParaRPr lang="zh-CN" altLang="en-US"/>
           </a:p>
@@ -1244,7 +1244,7 @@
           <a:p>
             <a:fld id="{ABBA60E4-B0CF-4FBE-8AFA-41892E4D6B2A}" type="datetimeFigureOut">
               <a:rPr lang="zh-CN" altLang="en-US" smtClean="0"/>
-              <a:t>2016/3/10</a:t>
+              <a:t>2016/3/11</a:t>
             </a:fld>
             <a:endParaRPr lang="zh-CN" altLang="en-US"/>
           </a:p>
@@ -1611,7 +1611,7 @@
           <a:p>
             <a:fld id="{ABBA60E4-B0CF-4FBE-8AFA-41892E4D6B2A}" type="datetimeFigureOut">
               <a:rPr lang="zh-CN" altLang="en-US" smtClean="0"/>
-              <a:t>2016/3/10</a:t>
+              <a:t>2016/3/11</a:t>
             </a:fld>
             <a:endParaRPr lang="zh-CN" altLang="en-US"/>
           </a:p>
@@ -1729,7 +1729,7 @@
           <a:p>
             <a:fld id="{ABBA60E4-B0CF-4FBE-8AFA-41892E4D6B2A}" type="datetimeFigureOut">
               <a:rPr lang="zh-CN" altLang="en-US" smtClean="0"/>
-              <a:t>2016/3/10</a:t>
+              <a:t>2016/3/11</a:t>
             </a:fld>
             <a:endParaRPr lang="zh-CN" altLang="en-US"/>
           </a:p>
@@ -1824,7 +1824,7 @@
           <a:p>
             <a:fld id="{ABBA60E4-B0CF-4FBE-8AFA-41892E4D6B2A}" type="datetimeFigureOut">
               <a:rPr lang="zh-CN" altLang="en-US" smtClean="0"/>
-              <a:t>2016/3/10</a:t>
+              <a:t>2016/3/11</a:t>
             </a:fld>
             <a:endParaRPr lang="zh-CN" altLang="en-US"/>
           </a:p>
@@ -2101,7 +2101,7 @@
           <a:p>
             <a:fld id="{ABBA60E4-B0CF-4FBE-8AFA-41892E4D6B2A}" type="datetimeFigureOut">
               <a:rPr lang="zh-CN" altLang="en-US" smtClean="0"/>
-              <a:t>2016/3/10</a:t>
+              <a:t>2016/3/11</a:t>
             </a:fld>
             <a:endParaRPr lang="zh-CN" altLang="en-US"/>
           </a:p>
@@ -2354,7 +2354,7 @@
           <a:p>
             <a:fld id="{ABBA60E4-B0CF-4FBE-8AFA-41892E4D6B2A}" type="datetimeFigureOut">
               <a:rPr lang="zh-CN" altLang="en-US" smtClean="0"/>
-              <a:t>2016/3/10</a:t>
+              <a:t>2016/3/11</a:t>
             </a:fld>
             <a:endParaRPr lang="zh-CN" altLang="en-US"/>
           </a:p>
@@ -2567,7 +2567,7 @@
           <a:p>
             <a:fld id="{ABBA60E4-B0CF-4FBE-8AFA-41892E4D6B2A}" type="datetimeFigureOut">
               <a:rPr lang="zh-CN" altLang="en-US" smtClean="0"/>
-              <a:t>2016/3/10</a:t>
+              <a:t>2016/3/11</a:t>
             </a:fld>
             <a:endParaRPr lang="zh-CN" altLang="en-US"/>
           </a:p>
@@ -8514,7 +8514,7 @@
         <p:spPr>
           <a:xfrm>
             <a:off x="5335924" y="2029952"/>
-            <a:ext cx="1287468" cy="738664"/>
+            <a:ext cx="1377237" cy="738664"/>
           </a:xfrm>
           <a:prstGeom prst="rect">
             <a:avLst/>
@@ -8540,12 +8540,20 @@
           </a:p>
           <a:p>
             <a:r>
+              <a:rPr lang="en-US" altLang="zh-CN" sz="1400" dirty="0" smtClean="0"/>
+              <a:t>#</a:t>
+            </a:r>
+            <a:r>
               <a:rPr lang="en-US" altLang="zh-CN" sz="1400" dirty="0" err="1" smtClean="0"/>
               <a:t>BindToolbarEvt</a:t>
             </a:r>
             <a:endParaRPr lang="en-US" altLang="zh-CN" sz="1400" dirty="0" smtClean="0"/>
           </a:p>
           <a:p>
+            <a:r>
+              <a:rPr lang="en-US" altLang="zh-CN" sz="1400" dirty="0" smtClean="0"/>
+              <a:t>#</a:t>
+            </a:r>
             <a:r>
               <a:rPr lang="en-US" altLang="zh-CN" sz="1400" dirty="0" err="1" smtClean="0"/>
               <a:t>regSearcher</a:t>
@@ -8563,7 +8571,7 @@
         <p:spPr>
           <a:xfrm>
             <a:off x="1644537" y="2033669"/>
-            <a:ext cx="903517" cy="523220"/>
+            <a:ext cx="974562" cy="523220"/>
           </a:xfrm>
           <a:prstGeom prst="rect">
             <a:avLst/>
@@ -8588,6 +8596,10 @@
             <a:endParaRPr lang="en-US" altLang="zh-CN" sz="1400" dirty="0" smtClean="0"/>
           </a:p>
           <a:p>
+            <a:r>
+              <a:rPr lang="en-US" altLang="zh-CN" sz="1400" dirty="0" smtClean="0"/>
+              <a:t>#</a:t>
+            </a:r>
             <a:r>
               <a:rPr lang="en-US" altLang="zh-CN" sz="1400" dirty="0" err="1" smtClean="0"/>
               <a:t>regTagClk</a:t>
@@ -8834,8 +8846,8 @@
         </p:nvSpPr>
         <p:spPr>
           <a:xfrm>
-            <a:off x="8390054" y="3435316"/>
-            <a:ext cx="659155" cy="307777"/>
+            <a:off x="7509109" y="3435316"/>
+            <a:ext cx="1430584" cy="3108543"/>
           </a:xfrm>
           <a:prstGeom prst="rect">
             <a:avLst/>
@@ -8859,6 +8871,148 @@
               <a:rPr lang="en-US" altLang="zh-CN" sz="1400" dirty="0" smtClean="0"/>
               <a:t>Model</a:t>
             </a:r>
+          </a:p>
+          <a:p>
+            <a:r>
+              <a:rPr lang="en-US" altLang="zh-CN" sz="1400" dirty="0" err="1" smtClean="0"/>
+              <a:t>tagHtmlStr</a:t>
+            </a:r>
+            <a:endParaRPr lang="en-US" altLang="zh-CN" sz="1400" dirty="0" smtClean="0"/>
+          </a:p>
+          <a:p>
+            <a:r>
+              <a:rPr lang="en-US" altLang="zh-CN" sz="1400" dirty="0" err="1" smtClean="0"/>
+              <a:t>tagdata</a:t>
+            </a:r>
+            <a:r>
+              <a:rPr lang="en-US" altLang="zh-CN" sz="1400" dirty="0" smtClean="0"/>
+              <a:t>: </a:t>
+            </a:r>
+            <a:r>
+              <a:rPr lang="en-US" altLang="zh-CN" sz="1400" dirty="0" err="1" smtClean="0"/>
+              <a:t>init</a:t>
+            </a:r>
+            <a:endParaRPr lang="en-US" altLang="zh-CN" sz="1400" dirty="0" smtClean="0"/>
+          </a:p>
+          <a:p>
+            <a:r>
+              <a:rPr lang="en-US" altLang="zh-CN" sz="1400" dirty="0" err="1" smtClean="0"/>
+              <a:t>pathdata</a:t>
+            </a:r>
+            <a:r>
+              <a:rPr lang="en-US" altLang="zh-CN" sz="1400" dirty="0" smtClean="0"/>
+              <a:t>: </a:t>
+            </a:r>
+            <a:r>
+              <a:rPr lang="en-US" altLang="zh-CN" sz="1400" dirty="0" err="1" smtClean="0"/>
+              <a:t>init</a:t>
+            </a:r>
+            <a:endParaRPr lang="en-US" altLang="zh-CN" sz="1400" dirty="0" smtClean="0"/>
+          </a:p>
+          <a:p>
+            <a:r>
+              <a:rPr lang="en-US" altLang="zh-CN" sz="1400" dirty="0" err="1" smtClean="0"/>
+              <a:t>Itemdata</a:t>
+            </a:r>
+            <a:r>
+              <a:rPr lang="en-US" altLang="zh-CN" sz="1400" dirty="0" smtClean="0"/>
+              <a:t>: </a:t>
+            </a:r>
+            <a:r>
+              <a:rPr lang="en-US" altLang="zh-CN" sz="1400" dirty="0" err="1" smtClean="0"/>
+              <a:t>init</a:t>
+            </a:r>
+            <a:endParaRPr lang="en-US" altLang="zh-CN" sz="1400" dirty="0" smtClean="0"/>
+          </a:p>
+          <a:p>
+            <a:r>
+              <a:rPr lang="en-US" altLang="zh-CN" sz="1400" dirty="0" smtClean="0"/>
+              <a:t>Ext: </a:t>
+            </a:r>
+            <a:r>
+              <a:rPr lang="en-US" altLang="zh-CN" sz="1400" dirty="0" err="1" smtClean="0"/>
+              <a:t>init</a:t>
+            </a:r>
+            <a:endParaRPr lang="en-US" altLang="zh-CN" sz="1400" dirty="0" smtClean="0"/>
+          </a:p>
+          <a:p>
+            <a:r>
+              <a:rPr lang="en-US" altLang="zh-CN" sz="1400" dirty="0" smtClean="0"/>
+              <a:t>Blacklist: </a:t>
+            </a:r>
+            <a:r>
+              <a:rPr lang="en-US" altLang="zh-CN" sz="1400" dirty="0" err="1" smtClean="0"/>
+              <a:t>init</a:t>
+            </a:r>
+            <a:endParaRPr lang="en-US" altLang="zh-CN" sz="1400" dirty="0" smtClean="0"/>
+          </a:p>
+          <a:p>
+            <a:r>
+              <a:rPr lang="en-US" altLang="zh-CN" sz="1400" dirty="0" err="1" smtClean="0"/>
+              <a:t>defaultFilter</a:t>
+            </a:r>
+            <a:r>
+              <a:rPr lang="en-US" altLang="zh-CN" sz="1400" dirty="0" smtClean="0"/>
+              <a:t>: </a:t>
+            </a:r>
+            <a:r>
+              <a:rPr lang="en-US" altLang="zh-CN" sz="1400" dirty="0" err="1" smtClean="0"/>
+              <a:t>init</a:t>
+            </a:r>
+            <a:endParaRPr lang="en-US" altLang="zh-CN" sz="1400" dirty="0" smtClean="0"/>
+          </a:p>
+          <a:p>
+            <a:endParaRPr lang="en-US" altLang="zh-CN" sz="1400" dirty="0"/>
+          </a:p>
+          <a:p>
+            <a:r>
+              <a:rPr lang="en-US" altLang="zh-CN" sz="1400" dirty="0" err="1" smtClean="0"/>
+              <a:t>Itemcolumns</a:t>
+            </a:r>
+            <a:endParaRPr lang="en-US" altLang="zh-CN" sz="1400" dirty="0" smtClean="0"/>
+          </a:p>
+          <a:p>
+            <a:endParaRPr lang="en-US" altLang="zh-CN" sz="1400" dirty="0"/>
+          </a:p>
+          <a:p>
+            <a:r>
+              <a:rPr lang="en-US" altLang="zh-CN" sz="1400" dirty="0" err="1" smtClean="0"/>
+              <a:t>buildTagsHtmlStr</a:t>
+            </a:r>
+            <a:endParaRPr lang="en-US" altLang="zh-CN" sz="1400" dirty="0" smtClean="0"/>
+          </a:p>
+          <a:p>
+            <a:r>
+              <a:rPr lang="en-US" altLang="zh-CN" sz="1400" dirty="0" err="1" smtClean="0"/>
+              <a:t>saveI</a:t>
+            </a:r>
+            <a:r>
+              <a:rPr lang="en-US" altLang="zh-CN" sz="1400" dirty="0" smtClean="0"/>
+              <a:t>/</a:t>
+            </a:r>
+            <a:r>
+              <a:rPr lang="en-US" altLang="zh-CN" sz="1400" dirty="0" err="1" smtClean="0"/>
+              <a:t>saveP</a:t>
+            </a:r>
+            <a:endParaRPr lang="en-US" altLang="zh-CN" sz="1400" dirty="0" smtClean="0"/>
+          </a:p>
+          <a:p>
+            <a:r>
+              <a:rPr lang="en-US" altLang="zh-CN" sz="1400" dirty="0" smtClean="0"/>
+              <a:t>_</a:t>
+            </a:r>
+            <a:r>
+              <a:rPr lang="en-US" altLang="zh-CN" sz="1400" dirty="0" err="1" smtClean="0"/>
+              <a:t>incTag</a:t>
+            </a:r>
+            <a:r>
+              <a:rPr lang="en-US" altLang="zh-CN" sz="1400" dirty="0" smtClean="0"/>
+              <a:t>/_</a:t>
+            </a:r>
+            <a:r>
+              <a:rPr lang="en-US" altLang="zh-CN" sz="1400" dirty="0" err="1" smtClean="0"/>
+              <a:t>decTag</a:t>
+            </a:r>
             <a:endParaRPr lang="zh-CN" altLang="en-US" sz="1400" dirty="0" smtClean="0"/>
           </a:p>
         </p:txBody>
@@ -8935,6 +9089,10 @@
           </a:p>
           <a:p>
             <a:r>
+              <a:rPr lang="en-US" altLang="zh-CN" sz="1400" dirty="0" smtClean="0"/>
+              <a:t>#</a:t>
+            </a:r>
+            <a:r>
               <a:rPr lang="en-US" altLang="zh-CN" sz="1400" dirty="0" err="1" smtClean="0"/>
               <a:t>regPathAdd</a:t>
             </a:r>
@@ -9040,7 +9198,6 @@
               <a:rPr lang="en-US" altLang="zh-CN" sz="1400" dirty="0" smtClean="0"/>
               <a:t>all/List</a:t>
             </a:r>
-            <a:endParaRPr lang="en-US" altLang="zh-CN" sz="1400" dirty="0" smtClean="0"/>
           </a:p>
           <a:p>
             <a:endParaRPr lang="en-US" altLang="zh-CN" sz="1400" dirty="0"/>
